--- a/Android 101.pptx
+++ b/Android 101.pptx
@@ -5,45 +5,50 @@
     <p:sldMasterId id="2147483780" r:id="rId1"/>
   </p:sldMasterIdLst>
   <p:notesMasterIdLst>
-    <p:notesMasterId r:id="rId38"/>
+    <p:notesMasterId r:id="rId43"/>
   </p:notesMasterIdLst>
   <p:sldIdLst>
     <p:sldId id="256" r:id="rId2"/>
     <p:sldId id="257" r:id="rId3"/>
-    <p:sldId id="272" r:id="rId4"/>
-    <p:sldId id="258" r:id="rId5"/>
-    <p:sldId id="273" r:id="rId6"/>
+    <p:sldId id="258" r:id="rId4"/>
+    <p:sldId id="273" r:id="rId5"/>
+    <p:sldId id="272" r:id="rId6"/>
     <p:sldId id="261" r:id="rId7"/>
-    <p:sldId id="259" r:id="rId8"/>
-    <p:sldId id="282" r:id="rId9"/>
-    <p:sldId id="277" r:id="rId10"/>
-    <p:sldId id="271" r:id="rId11"/>
-    <p:sldId id="281" r:id="rId12"/>
-    <p:sldId id="280" r:id="rId13"/>
-    <p:sldId id="286" r:id="rId14"/>
-    <p:sldId id="287" r:id="rId15"/>
-    <p:sldId id="288" r:id="rId16"/>
-    <p:sldId id="289" r:id="rId17"/>
-    <p:sldId id="290" r:id="rId18"/>
-    <p:sldId id="284" r:id="rId19"/>
-    <p:sldId id="285" r:id="rId20"/>
-    <p:sldId id="283" r:id="rId21"/>
-    <p:sldId id="279" r:id="rId22"/>
-    <p:sldId id="275" r:id="rId23"/>
-    <p:sldId id="260" r:id="rId24"/>
-    <p:sldId id="291" r:id="rId25"/>
-    <p:sldId id="292" r:id="rId26"/>
-    <p:sldId id="293" r:id="rId27"/>
-    <p:sldId id="294" r:id="rId28"/>
-    <p:sldId id="295" r:id="rId29"/>
-    <p:sldId id="296" r:id="rId30"/>
-    <p:sldId id="297" r:id="rId31"/>
-    <p:sldId id="298" r:id="rId32"/>
-    <p:sldId id="299" r:id="rId33"/>
-    <p:sldId id="300" r:id="rId34"/>
-    <p:sldId id="301" r:id="rId35"/>
-    <p:sldId id="270" r:id="rId36"/>
-    <p:sldId id="278" r:id="rId37"/>
+    <p:sldId id="303" r:id="rId8"/>
+    <p:sldId id="259" r:id="rId9"/>
+    <p:sldId id="282" r:id="rId10"/>
+    <p:sldId id="277" r:id="rId11"/>
+    <p:sldId id="271" r:id="rId12"/>
+    <p:sldId id="281" r:id="rId13"/>
+    <p:sldId id="280" r:id="rId14"/>
+    <p:sldId id="286" r:id="rId15"/>
+    <p:sldId id="287" r:id="rId16"/>
+    <p:sldId id="288" r:id="rId17"/>
+    <p:sldId id="289" r:id="rId18"/>
+    <p:sldId id="290" r:id="rId19"/>
+    <p:sldId id="284" r:id="rId20"/>
+    <p:sldId id="285" r:id="rId21"/>
+    <p:sldId id="283" r:id="rId22"/>
+    <p:sldId id="279" r:id="rId23"/>
+    <p:sldId id="275" r:id="rId24"/>
+    <p:sldId id="260" r:id="rId25"/>
+    <p:sldId id="291" r:id="rId26"/>
+    <p:sldId id="302" r:id="rId27"/>
+    <p:sldId id="292" r:id="rId28"/>
+    <p:sldId id="293" r:id="rId29"/>
+    <p:sldId id="294" r:id="rId30"/>
+    <p:sldId id="295" r:id="rId31"/>
+    <p:sldId id="296" r:id="rId32"/>
+    <p:sldId id="297" r:id="rId33"/>
+    <p:sldId id="298" r:id="rId34"/>
+    <p:sldId id="299" r:id="rId35"/>
+    <p:sldId id="300" r:id="rId36"/>
+    <p:sldId id="301" r:id="rId37"/>
+    <p:sldId id="270" r:id="rId38"/>
+    <p:sldId id="304" r:id="rId39"/>
+    <p:sldId id="309" r:id="rId40"/>
+    <p:sldId id="308" r:id="rId41"/>
+    <p:sldId id="278" r:id="rId42"/>
   </p:sldIdLst>
   <p:sldSz cx="9144000" cy="6858000" type="screen4x3"/>
   <p:notesSz cx="6858000" cy="9144000"/>
@@ -228,7 +233,7 @@
             <a:fld id="{CDD85473-BA4F-45F4-ADF2-FB7BE9E1DAF9}" type="datetimeFigureOut">
               <a:rPr lang="en-US" smtClean="0"/>
               <a:pPr/>
-              <a:t>7/2/2013</a:t>
+              <a:t>7/3/2013</a:t>
             </a:fld>
             <a:endParaRPr lang="en-US"/>
           </a:p>
@@ -562,7 +567,7 @@
             <a:fld id="{C11D35BA-F4BD-4AFD-A50A-5E1EA62F968F}" type="slidenum">
               <a:rPr lang="en-US" smtClean="0"/>
               <a:pPr/>
-              <a:t>18</a:t>
+              <a:t>19</a:t>
             </a:fld>
             <a:endParaRPr lang="en-US"/>
           </a:p>
@@ -745,7 +750,7 @@
             <a:fld id="{1D8BD707-D9CF-40AE-B4C6-C98DA3205C09}" type="datetimeFigureOut">
               <a:rPr lang="en-US" smtClean="0"/>
               <a:pPr/>
-              <a:t>7/2/2013</a:t>
+              <a:t>7/3/2013</a:t>
             </a:fld>
             <a:endParaRPr lang="en-US"/>
           </a:p>
@@ -912,7 +917,7 @@
             <a:fld id="{1D8BD707-D9CF-40AE-B4C6-C98DA3205C09}" type="datetimeFigureOut">
               <a:rPr lang="en-US" smtClean="0"/>
               <a:pPr/>
-              <a:t>7/2/2013</a:t>
+              <a:t>7/3/2013</a:t>
             </a:fld>
             <a:endParaRPr lang="en-US"/>
           </a:p>
@@ -1089,7 +1094,7 @@
             <a:fld id="{1D8BD707-D9CF-40AE-B4C6-C98DA3205C09}" type="datetimeFigureOut">
               <a:rPr lang="en-US" smtClean="0"/>
               <a:pPr/>
-              <a:t>7/2/2013</a:t>
+              <a:t>7/3/2013</a:t>
             </a:fld>
             <a:endParaRPr lang="en-US"/>
           </a:p>
@@ -1256,7 +1261,7 @@
             <a:fld id="{1D8BD707-D9CF-40AE-B4C6-C98DA3205C09}" type="datetimeFigureOut">
               <a:rPr lang="en-US" smtClean="0"/>
               <a:pPr/>
-              <a:t>7/2/2013</a:t>
+              <a:t>7/3/2013</a:t>
             </a:fld>
             <a:endParaRPr lang="en-US"/>
           </a:p>
@@ -1495,7 +1500,7 @@
             <a:fld id="{1D8BD707-D9CF-40AE-B4C6-C98DA3205C09}" type="datetimeFigureOut">
               <a:rPr lang="en-US" smtClean="0"/>
               <a:pPr/>
-              <a:t>7/2/2013</a:t>
+              <a:t>7/3/2013</a:t>
             </a:fld>
             <a:endParaRPr lang="en-US"/>
           </a:p>
@@ -1761,7 +1766,7 @@
             <a:fld id="{1D8BD707-D9CF-40AE-B4C6-C98DA3205C09}" type="datetimeFigureOut">
               <a:rPr lang="en-US" smtClean="0"/>
               <a:pPr/>
-              <a:t>7/2/2013</a:t>
+              <a:t>7/3/2013</a:t>
             </a:fld>
             <a:endParaRPr lang="en-US"/>
           </a:p>
@@ -2141,7 +2146,7 @@
             <a:fld id="{1D8BD707-D9CF-40AE-B4C6-C98DA3205C09}" type="datetimeFigureOut">
               <a:rPr lang="en-US" smtClean="0"/>
               <a:pPr/>
-              <a:t>7/2/2013</a:t>
+              <a:t>7/3/2013</a:t>
             </a:fld>
             <a:endParaRPr lang="en-US"/>
           </a:p>
@@ -2293,7 +2298,7 @@
             <a:fld id="{1D8BD707-D9CF-40AE-B4C6-C98DA3205C09}" type="datetimeFigureOut">
               <a:rPr lang="en-US" smtClean="0"/>
               <a:pPr/>
-              <a:t>7/2/2013</a:t>
+              <a:t>7/3/2013</a:t>
             </a:fld>
             <a:endParaRPr lang="en-US"/>
           </a:p>
@@ -2385,7 +2390,7 @@
             <a:fld id="{1D8BD707-D9CF-40AE-B4C6-C98DA3205C09}" type="datetimeFigureOut">
               <a:rPr lang="en-US" smtClean="0"/>
               <a:pPr/>
-              <a:t>7/2/2013</a:t>
+              <a:t>7/3/2013</a:t>
             </a:fld>
             <a:endParaRPr lang="en-US"/>
           </a:p>
@@ -2648,7 +2653,7 @@
             <a:fld id="{1D8BD707-D9CF-40AE-B4C6-C98DA3205C09}" type="datetimeFigureOut">
               <a:rPr lang="en-US" smtClean="0"/>
               <a:pPr/>
-              <a:t>7/2/2013</a:t>
+              <a:t>7/3/2013</a:t>
             </a:fld>
             <a:endParaRPr lang="en-US"/>
           </a:p>
@@ -2938,7 +2943,7 @@
             <a:fld id="{1D8BD707-D9CF-40AE-B4C6-C98DA3205C09}" type="datetimeFigureOut">
               <a:rPr lang="en-US" smtClean="0"/>
               <a:pPr/>
-              <a:t>7/2/2013</a:t>
+              <a:t>7/3/2013</a:t>
             </a:fld>
             <a:endParaRPr lang="en-US"/>
           </a:p>
@@ -3714,7 +3719,7 @@
             <a:fld id="{1D8BD707-D9CF-40AE-B4C6-C98DA3205C09}" type="datetimeFigureOut">
               <a:rPr lang="en-US" smtClean="0"/>
               <a:pPr/>
-              <a:t>7/2/2013</a:t>
+              <a:t>7/3/2013</a:t>
             </a:fld>
             <a:endParaRPr lang="en-US"/>
           </a:p>
@@ -4470,32 +4475,9 @@
           <a:chExt cx="0" cy="0"/>
         </a:xfrm>
       </p:grpSpPr>
-      <p:pic>
-        <p:nvPicPr>
-          <p:cNvPr id="4" name="Content Placeholder 3" descr="Android-System-Architecture.svg.png"/>
-          <p:cNvPicPr>
-            <a:picLocks noGrp="1" noChangeAspect="1"/>
-          </p:cNvPicPr>
-          <p:nvPr>
-            <p:ph idx="1"/>
-          </p:nvPr>
-        </p:nvPicPr>
-        <p:blipFill>
-          <a:blip r:embed="rId2"/>
-          <a:stretch>
-            <a:fillRect/>
-          </a:stretch>
-        </p:blipFill>
-        <p:spPr>
-          <a:xfrm>
-            <a:off x="609600" y="990600"/>
-            <a:ext cx="7924800" cy="5594964"/>
-          </a:xfrm>
-        </p:spPr>
-      </p:pic>
-      <p:sp>
-        <p:nvSpPr>
-          <p:cNvPr id="3" name="Title 1"/>
+      <p:sp>
+        <p:nvSpPr>
+          <p:cNvPr id="2" name="Title 1"/>
           <p:cNvSpPr>
             <a:spLocks noGrp="1"/>
           </p:cNvSpPr>
@@ -4503,12 +4485,7 @@
             <p:ph type="title"/>
           </p:nvPr>
         </p:nvSpPr>
-        <p:spPr>
-          <a:xfrm>
-            <a:off x="609600" y="0"/>
-            <a:ext cx="8229600" cy="914400"/>
-          </a:xfrm>
-        </p:spPr>
+        <p:spPr/>
         <p:txBody>
           <a:bodyPr>
             <a:normAutofit/>
@@ -4516,18 +4493,261 @@
           <a:lstStyle/>
           <a:p>
             <a:r>
-              <a:rPr lang="en-US" dirty="0" smtClean="0">
-                <a:solidFill>
-                  <a:srgbClr val="C00000"/>
-                </a:solidFill>
-              </a:rPr>
-              <a:t>Architecture</a:t>
-            </a:r>
-            <a:endParaRPr lang="en-US" dirty="0">
-              <a:solidFill>
-                <a:srgbClr val="C00000"/>
-              </a:solidFill>
-            </a:endParaRPr>
+              <a:rPr lang="en-US" dirty="0" smtClean="0"/>
+              <a:t>Do You need phone?</a:t>
+            </a:r>
+            <a:endParaRPr lang="en-US" dirty="0"/>
+          </a:p>
+        </p:txBody>
+      </p:sp>
+      <p:sp>
+        <p:nvSpPr>
+          <p:cNvPr id="3" name="Content Placeholder 2"/>
+          <p:cNvSpPr>
+            <a:spLocks noGrp="1"/>
+          </p:cNvSpPr>
+          <p:nvPr>
+            <p:ph idx="1"/>
+          </p:nvPr>
+        </p:nvSpPr>
+        <p:spPr/>
+        <p:txBody>
+          <a:bodyPr>
+            <a:normAutofit/>
+          </a:bodyPr>
+          <a:lstStyle/>
+          <a:p>
+            <a:pPr marL="425450" indent="-320675">
+              <a:buSzPct val="45000"/>
+              <a:buFont typeface="Wingdings" charset="2"/>
+              <a:buChar char=""/>
+              <a:tabLst>
+                <a:tab pos="425450" algn="l"/>
+                <a:tab pos="538163" algn="l"/>
+                <a:tab pos="995363" algn="l"/>
+                <a:tab pos="1452563" algn="l"/>
+                <a:tab pos="1909763" algn="l"/>
+                <a:tab pos="2366963" algn="l"/>
+                <a:tab pos="2824163" algn="l"/>
+                <a:tab pos="3281363" algn="l"/>
+                <a:tab pos="3738563" algn="l"/>
+                <a:tab pos="4195763" algn="l"/>
+                <a:tab pos="4652963" algn="l"/>
+                <a:tab pos="5110163" algn="l"/>
+                <a:tab pos="5567363" algn="l"/>
+                <a:tab pos="6024563" algn="l"/>
+                <a:tab pos="6481763" algn="l"/>
+                <a:tab pos="6938963" algn="l"/>
+                <a:tab pos="7396163" algn="l"/>
+                <a:tab pos="7853363" algn="l"/>
+                <a:tab pos="8310563" algn="l"/>
+                <a:tab pos="8767763" algn="l"/>
+                <a:tab pos="9224963" algn="l"/>
+                <a:tab pos="9410700" algn="l"/>
+              </a:tabLst>
+            </a:pPr>
+            <a:endParaRPr lang="en-US" dirty="0" smtClean="0"/>
+          </a:p>
+          <a:p>
+            <a:pPr marL="425450" indent="-320675">
+              <a:buSzPct val="45000"/>
+              <a:buFont typeface="Wingdings" charset="2"/>
+              <a:buChar char=""/>
+              <a:tabLst>
+                <a:tab pos="425450" algn="l"/>
+                <a:tab pos="538163" algn="l"/>
+                <a:tab pos="995363" algn="l"/>
+                <a:tab pos="1452563" algn="l"/>
+                <a:tab pos="1909763" algn="l"/>
+                <a:tab pos="2366963" algn="l"/>
+                <a:tab pos="2824163" algn="l"/>
+                <a:tab pos="3281363" algn="l"/>
+                <a:tab pos="3738563" algn="l"/>
+                <a:tab pos="4195763" algn="l"/>
+                <a:tab pos="4652963" algn="l"/>
+                <a:tab pos="5110163" algn="l"/>
+                <a:tab pos="5567363" algn="l"/>
+                <a:tab pos="6024563" algn="l"/>
+                <a:tab pos="6481763" algn="l"/>
+                <a:tab pos="6938963" algn="l"/>
+                <a:tab pos="7396163" algn="l"/>
+                <a:tab pos="7853363" algn="l"/>
+                <a:tab pos="8310563" algn="l"/>
+                <a:tab pos="8767763" algn="l"/>
+                <a:tab pos="9224963" algn="l"/>
+                <a:tab pos="9410700" algn="l"/>
+              </a:tabLst>
+            </a:pPr>
+            <a:endParaRPr lang="en-US" dirty="0" smtClean="0"/>
+          </a:p>
+          <a:p>
+            <a:pPr marL="425450" indent="-320675">
+              <a:buSzPct val="45000"/>
+              <a:buFont typeface="Wingdings" charset="2"/>
+              <a:buChar char=""/>
+              <a:tabLst>
+                <a:tab pos="425450" algn="l"/>
+                <a:tab pos="538163" algn="l"/>
+                <a:tab pos="995363" algn="l"/>
+                <a:tab pos="1452563" algn="l"/>
+                <a:tab pos="1909763" algn="l"/>
+                <a:tab pos="2366963" algn="l"/>
+                <a:tab pos="2824163" algn="l"/>
+                <a:tab pos="3281363" algn="l"/>
+                <a:tab pos="3738563" algn="l"/>
+                <a:tab pos="4195763" algn="l"/>
+                <a:tab pos="4652963" algn="l"/>
+                <a:tab pos="5110163" algn="l"/>
+                <a:tab pos="5567363" algn="l"/>
+                <a:tab pos="6024563" algn="l"/>
+                <a:tab pos="6481763" algn="l"/>
+                <a:tab pos="6938963" algn="l"/>
+                <a:tab pos="7396163" algn="l"/>
+                <a:tab pos="7853363" algn="l"/>
+                <a:tab pos="8310563" algn="l"/>
+                <a:tab pos="8767763" algn="l"/>
+                <a:tab pos="9224963" algn="l"/>
+                <a:tab pos="9410700" algn="l"/>
+              </a:tabLst>
+            </a:pPr>
+            <a:endParaRPr lang="en-US" dirty="0" smtClean="0"/>
+          </a:p>
+          <a:p>
+            <a:pPr marL="425450" indent="-320675">
+              <a:buSzPct val="45000"/>
+              <a:buFont typeface="Wingdings" charset="2"/>
+              <a:buChar char=""/>
+              <a:tabLst>
+                <a:tab pos="425450" algn="l"/>
+                <a:tab pos="538163" algn="l"/>
+                <a:tab pos="995363" algn="l"/>
+                <a:tab pos="1452563" algn="l"/>
+                <a:tab pos="1909763" algn="l"/>
+                <a:tab pos="2366963" algn="l"/>
+                <a:tab pos="2824163" algn="l"/>
+                <a:tab pos="3281363" algn="l"/>
+                <a:tab pos="3738563" algn="l"/>
+                <a:tab pos="4195763" algn="l"/>
+                <a:tab pos="4652963" algn="l"/>
+                <a:tab pos="5110163" algn="l"/>
+                <a:tab pos="5567363" algn="l"/>
+                <a:tab pos="6024563" algn="l"/>
+                <a:tab pos="6481763" algn="l"/>
+                <a:tab pos="6938963" algn="l"/>
+                <a:tab pos="7396163" algn="l"/>
+                <a:tab pos="7853363" algn="l"/>
+                <a:tab pos="8310563" algn="l"/>
+                <a:tab pos="8767763" algn="l"/>
+                <a:tab pos="9224963" algn="l"/>
+                <a:tab pos="9410700" algn="l"/>
+              </a:tabLst>
+            </a:pPr>
+            <a:endParaRPr lang="en-US" dirty="0" smtClean="0"/>
+          </a:p>
+          <a:p>
+            <a:pPr marL="425450" indent="-320675">
+              <a:buSzPct val="45000"/>
+              <a:buFont typeface="Wingdings" charset="2"/>
+              <a:buChar char=""/>
+              <a:tabLst>
+                <a:tab pos="425450" algn="l"/>
+                <a:tab pos="538163" algn="l"/>
+                <a:tab pos="995363" algn="l"/>
+                <a:tab pos="1452563" algn="l"/>
+                <a:tab pos="1909763" algn="l"/>
+                <a:tab pos="2366963" algn="l"/>
+                <a:tab pos="2824163" algn="l"/>
+                <a:tab pos="3281363" algn="l"/>
+                <a:tab pos="3738563" algn="l"/>
+                <a:tab pos="4195763" algn="l"/>
+                <a:tab pos="4652963" algn="l"/>
+                <a:tab pos="5110163" algn="l"/>
+                <a:tab pos="5567363" algn="l"/>
+                <a:tab pos="6024563" algn="l"/>
+                <a:tab pos="6481763" algn="l"/>
+                <a:tab pos="6938963" algn="l"/>
+                <a:tab pos="7396163" algn="l"/>
+                <a:tab pos="7853363" algn="l"/>
+                <a:tab pos="8310563" algn="l"/>
+                <a:tab pos="8767763" algn="l"/>
+                <a:tab pos="9224963" algn="l"/>
+                <a:tab pos="9410700" algn="l"/>
+              </a:tabLst>
+            </a:pPr>
+            <a:r>
+              <a:rPr lang="en-US" dirty="0" smtClean="0"/>
+              <a:t>Not Really</a:t>
+            </a:r>
+          </a:p>
+          <a:p>
+            <a:pPr marL="425450" indent="-320675">
+              <a:buSzPct val="45000"/>
+              <a:buFont typeface="Wingdings" charset="2"/>
+              <a:buChar char=""/>
+              <a:tabLst>
+                <a:tab pos="425450" algn="l"/>
+                <a:tab pos="538163" algn="l"/>
+                <a:tab pos="995363" algn="l"/>
+                <a:tab pos="1452563" algn="l"/>
+                <a:tab pos="1909763" algn="l"/>
+                <a:tab pos="2366963" algn="l"/>
+                <a:tab pos="2824163" algn="l"/>
+                <a:tab pos="3281363" algn="l"/>
+                <a:tab pos="3738563" algn="l"/>
+                <a:tab pos="4195763" algn="l"/>
+                <a:tab pos="4652963" algn="l"/>
+                <a:tab pos="5110163" algn="l"/>
+                <a:tab pos="5567363" algn="l"/>
+                <a:tab pos="6024563" algn="l"/>
+                <a:tab pos="6481763" algn="l"/>
+                <a:tab pos="6938963" algn="l"/>
+                <a:tab pos="7396163" algn="l"/>
+                <a:tab pos="7853363" algn="l"/>
+                <a:tab pos="8310563" algn="l"/>
+                <a:tab pos="8767763" algn="l"/>
+                <a:tab pos="9224963" algn="l"/>
+                <a:tab pos="9410700" algn="l"/>
+              </a:tabLst>
+            </a:pPr>
+            <a:r>
+              <a:rPr lang="en-US" dirty="0" smtClean="0"/>
+              <a:t>Though little slow, but an emulator that is part of the Android SDK can be used for development.</a:t>
+            </a:r>
+          </a:p>
+          <a:p>
+            <a:pPr marL="425450" indent="-320675">
+              <a:buSzPct val="45000"/>
+              <a:buFont typeface="Wingdings" charset="2"/>
+              <a:buChar char=""/>
+              <a:tabLst>
+                <a:tab pos="425450" algn="l"/>
+                <a:tab pos="538163" algn="l"/>
+                <a:tab pos="995363" algn="l"/>
+                <a:tab pos="1452563" algn="l"/>
+                <a:tab pos="1909763" algn="l"/>
+                <a:tab pos="2366963" algn="l"/>
+                <a:tab pos="2824163" algn="l"/>
+                <a:tab pos="3281363" algn="l"/>
+                <a:tab pos="3738563" algn="l"/>
+                <a:tab pos="4195763" algn="l"/>
+                <a:tab pos="4652963" algn="l"/>
+                <a:tab pos="5110163" algn="l"/>
+                <a:tab pos="5567363" algn="l"/>
+                <a:tab pos="6024563" algn="l"/>
+                <a:tab pos="6481763" algn="l"/>
+                <a:tab pos="6938963" algn="l"/>
+                <a:tab pos="7396163" algn="l"/>
+                <a:tab pos="7853363" algn="l"/>
+                <a:tab pos="8310563" algn="l"/>
+                <a:tab pos="8767763" algn="l"/>
+                <a:tab pos="9224963" algn="l"/>
+                <a:tab pos="9410700" algn="l"/>
+              </a:tabLst>
+            </a:pPr>
+            <a:r>
+              <a:rPr lang="en-US" dirty="0" smtClean="0"/>
+              <a:t>(Google has earlier distributed free phones to developers fulfilling certain criteria)</a:t>
+            </a:r>
           </a:p>
         </p:txBody>
       </p:sp>
@@ -4547,6 +4767,99 @@
 </file>
 
 <file path=ppt/slides/slide11.xml><?xml version="1.0" encoding="utf-8"?>
+<p:sld xmlns:a="http://schemas.openxmlformats.org/drawingml/2006/main" xmlns:r="http://schemas.openxmlformats.org/officeDocument/2006/relationships" xmlns:p="http://schemas.openxmlformats.org/presentationml/2006/main">
+  <p:cSld>
+    <p:spTree>
+      <p:nvGrpSpPr>
+        <p:cNvPr id="1" name=""/>
+        <p:cNvGrpSpPr/>
+        <p:nvPr/>
+      </p:nvGrpSpPr>
+      <p:grpSpPr>
+        <a:xfrm>
+          <a:off x="0" y="0"/>
+          <a:ext cx="0" cy="0"/>
+          <a:chOff x="0" y="0"/>
+          <a:chExt cx="0" cy="0"/>
+        </a:xfrm>
+      </p:grpSpPr>
+      <p:pic>
+        <p:nvPicPr>
+          <p:cNvPr id="4" name="Content Placeholder 3" descr="Android-System-Architecture.svg.png"/>
+          <p:cNvPicPr>
+            <a:picLocks noGrp="1" noChangeAspect="1"/>
+          </p:cNvPicPr>
+          <p:nvPr>
+            <p:ph idx="1"/>
+          </p:nvPr>
+        </p:nvPicPr>
+        <p:blipFill>
+          <a:blip r:embed="rId2"/>
+          <a:stretch>
+            <a:fillRect/>
+          </a:stretch>
+        </p:blipFill>
+        <p:spPr>
+          <a:xfrm>
+            <a:off x="609600" y="990600"/>
+            <a:ext cx="7924800" cy="5594964"/>
+          </a:xfrm>
+        </p:spPr>
+      </p:pic>
+      <p:sp>
+        <p:nvSpPr>
+          <p:cNvPr id="3" name="Title 1"/>
+          <p:cNvSpPr>
+            <a:spLocks noGrp="1"/>
+          </p:cNvSpPr>
+          <p:nvPr>
+            <p:ph type="title"/>
+          </p:nvPr>
+        </p:nvSpPr>
+        <p:spPr>
+          <a:xfrm>
+            <a:off x="609600" y="0"/>
+            <a:ext cx="8229600" cy="914400"/>
+          </a:xfrm>
+        </p:spPr>
+        <p:txBody>
+          <a:bodyPr>
+            <a:normAutofit/>
+          </a:bodyPr>
+          <a:lstStyle/>
+          <a:p>
+            <a:r>
+              <a:rPr lang="en-US" dirty="0" smtClean="0">
+                <a:solidFill>
+                  <a:srgbClr val="C00000"/>
+                </a:solidFill>
+              </a:rPr>
+              <a:t>Architecture</a:t>
+            </a:r>
+            <a:endParaRPr lang="en-US" dirty="0">
+              <a:solidFill>
+                <a:srgbClr val="C00000"/>
+              </a:solidFill>
+            </a:endParaRPr>
+          </a:p>
+        </p:txBody>
+      </p:sp>
+    </p:spTree>
+  </p:cSld>
+  <p:clrMapOvr>
+    <a:masterClrMapping/>
+  </p:clrMapOvr>
+  <p:timing>
+    <p:tnLst>
+      <p:par>
+        <p:cTn id="1" dur="indefinite" restart="never" nodeType="tmRoot"/>
+      </p:par>
+    </p:tnLst>
+  </p:timing>
+</p:sld>
+</file>
+
+<file path=ppt/slides/slide12.xml><?xml version="1.0" encoding="utf-8"?>
 <p:sld xmlns:a="http://schemas.openxmlformats.org/drawingml/2006/main" xmlns:r="http://schemas.openxmlformats.org/officeDocument/2006/relationships" xmlns:p="http://schemas.openxmlformats.org/presentationml/2006/main">
   <p:cSld>
     <p:spTree>
@@ -4820,24 +5133,7 @@
                           </a:ln>
                           <a:effectLst/>
                         </a:rPr>
-                        <a:t>Used to build an application, including lists, grids, text</a:t>
-                      </a:r>
-                      <a:br>
-                        <a:rPr kumimoji="0" lang="en-US" altLang="ko-KR" sz="1600" u="none" strike="noStrike" cap="none" normalizeH="0" baseline="0" dirty="0" smtClean="0">
-                          <a:ln>
-                            <a:noFill/>
-                          </a:ln>
-                          <a:effectLst/>
-                        </a:rPr>
-                      </a:br>
-                      <a:r>
-                        <a:rPr kumimoji="0" lang="en-US" altLang="ko-KR" sz="1600" u="none" strike="noStrike" cap="none" normalizeH="0" baseline="0" dirty="0" smtClean="0">
-                          <a:ln>
-                            <a:noFill/>
-                          </a:ln>
-                          <a:effectLst/>
-                        </a:rPr>
-                        <a:t>boxes, buttons, and embedded web browser</a:t>
+                        <a:t>Used to build an application, including lists, grids, text boxes, buttons, and embedded web browser</a:t>
                       </a:r>
                       <a:endParaRPr kumimoji="0" lang="ko-KR" altLang="en-US" sz="1600" b="0" i="0" u="none" strike="noStrike" cap="none" normalizeH="0" baseline="0" dirty="0" smtClean="0">
                         <a:ln>
@@ -4956,24 +5252,7 @@
                           </a:ln>
                           <a:effectLst/>
                         </a:rPr>
-                        <a:t>Enabling applications to access data from other </a:t>
-                      </a:r>
-                      <a:br>
-                        <a:rPr kumimoji="0" lang="en-US" altLang="ko-KR" sz="1600" u="none" strike="noStrike" cap="none" normalizeH="0" baseline="0" dirty="0" smtClean="0">
-                          <a:ln>
-                            <a:noFill/>
-                          </a:ln>
-                          <a:effectLst/>
-                        </a:rPr>
-                      </a:br>
-                      <a:r>
-                        <a:rPr kumimoji="0" lang="en-US" altLang="ko-KR" sz="1600" u="none" strike="noStrike" cap="none" normalizeH="0" baseline="0" dirty="0" smtClean="0">
-                          <a:ln>
-                            <a:noFill/>
-                          </a:ln>
-                          <a:effectLst/>
-                        </a:rPr>
-                        <a:t>applications or to share their own data</a:t>
+                        <a:t>Enabling applications to access data from other applications or to share their own data</a:t>
                       </a:r>
                       <a:endParaRPr kumimoji="0" lang="ko-KR" altLang="en-US" sz="1600" b="0" i="0" u="none" strike="noStrike" cap="none" normalizeH="0" baseline="0" dirty="0" smtClean="0">
                         <a:ln>
@@ -5184,34 +5463,7 @@
                           </a:ln>
                           <a:effectLst/>
                         </a:rPr>
-                        <a:t>Enabling all applications to display customer alerts in the </a:t>
-                      </a:r>
-                    </a:p>
-                    <a:p>
-                      <a:pPr marL="0" marR="0" lvl="0" indent="0" algn="l" defTabSz="914400" rtl="0" eaLnBrk="1" fontAlgn="base" latinLnBrk="0" hangingPunct="1">
-                        <a:lnSpc>
-                          <a:spcPct val="100000"/>
-                        </a:lnSpc>
-                        <a:spcBef>
-                          <a:spcPct val="0"/>
-                        </a:spcBef>
-                        <a:spcAft>
-                          <a:spcPct val="0"/>
-                        </a:spcAft>
-                        <a:buClrTx/>
-                        <a:buSzTx/>
-                        <a:buFontTx/>
-                        <a:buNone/>
-                        <a:tabLst/>
-                      </a:pPr>
-                      <a:r>
-                        <a:rPr kumimoji="0" lang="en-US" altLang="ko-KR" sz="1600" u="none" strike="noStrike" cap="none" normalizeH="0" baseline="0" dirty="0" smtClean="0">
-                          <a:ln>
-                            <a:noFill/>
-                          </a:ln>
-                          <a:effectLst/>
-                        </a:rPr>
-                        <a:t>status bar</a:t>
+                        <a:t>Enabling all applications to display customer alerts in the  status bar</a:t>
                       </a:r>
                       <a:endParaRPr kumimoji="0" lang="ko-KR" altLang="en-US" sz="1600" b="0" i="0" u="none" strike="noStrike" cap="none" normalizeH="0" baseline="0" dirty="0" smtClean="0">
                         <a:ln>
@@ -5330,34 +5582,7 @@
                           </a:ln>
                           <a:effectLst/>
                         </a:rPr>
-                        <a:t>Managing the lifecycle of applications and providing </a:t>
-                      </a:r>
-                    </a:p>
-                    <a:p>
-                      <a:pPr marL="0" marR="0" lvl="0" indent="0" algn="l" defTabSz="914400" rtl="0" eaLnBrk="1" fontAlgn="base" latinLnBrk="0" hangingPunct="1">
-                        <a:lnSpc>
-                          <a:spcPct val="100000"/>
-                        </a:lnSpc>
-                        <a:spcBef>
-                          <a:spcPct val="0"/>
-                        </a:spcBef>
-                        <a:spcAft>
-                          <a:spcPct val="0"/>
-                        </a:spcAft>
-                        <a:buClrTx/>
-                        <a:buSzTx/>
-                        <a:buFontTx/>
-                        <a:buNone/>
-                        <a:tabLst/>
-                      </a:pPr>
-                      <a:r>
-                        <a:rPr kumimoji="0" lang="en-US" altLang="ko-KR" sz="1600" u="none" strike="noStrike" cap="none" normalizeH="0" baseline="0" dirty="0" smtClean="0">
-                          <a:ln>
-                            <a:noFill/>
-                          </a:ln>
-                          <a:effectLst/>
-                        </a:rPr>
-                        <a:t>a common navigation back stack.</a:t>
+                        <a:t>Managing the lifecycle of applications and providing a common navigation back stack.</a:t>
                       </a:r>
                       <a:endParaRPr kumimoji="0" lang="ko-KR" altLang="en-US" sz="1600" b="0" i="0" u="none" strike="noStrike" cap="none" normalizeH="0" baseline="0" dirty="0" smtClean="0">
                         <a:ln>
@@ -5394,138 +5619,6 @@
 </p:sld>
 </file>
 
-<file path=ppt/slides/slide12.xml><?xml version="1.0" encoding="utf-8"?>
-<p:sld xmlns:a="http://schemas.openxmlformats.org/drawingml/2006/main" xmlns:r="http://schemas.openxmlformats.org/officeDocument/2006/relationships" xmlns:p="http://schemas.openxmlformats.org/presentationml/2006/main">
-  <p:cSld>
-    <p:spTree>
-      <p:nvGrpSpPr>
-        <p:cNvPr id="1" name=""/>
-        <p:cNvGrpSpPr/>
-        <p:nvPr/>
-      </p:nvGrpSpPr>
-      <p:grpSpPr>
-        <a:xfrm>
-          <a:off x="0" y="0"/>
-          <a:ext cx="0" cy="0"/>
-          <a:chOff x="0" y="0"/>
-          <a:chExt cx="0" cy="0"/>
-        </a:xfrm>
-      </p:grpSpPr>
-      <p:sp>
-        <p:nvSpPr>
-          <p:cNvPr id="2" name="Title 1"/>
-          <p:cNvSpPr>
-            <a:spLocks noGrp="1"/>
-          </p:cNvSpPr>
-          <p:nvPr>
-            <p:ph type="title"/>
-          </p:nvPr>
-        </p:nvSpPr>
-        <p:spPr/>
-        <p:txBody>
-          <a:bodyPr/>
-          <a:lstStyle/>
-          <a:p>
-            <a:r>
-              <a:rPr lang="en-US" dirty="0" smtClean="0"/>
-              <a:t>Developer Perspective</a:t>
-            </a:r>
-            <a:endParaRPr lang="en-US" dirty="0"/>
-          </a:p>
-        </p:txBody>
-      </p:sp>
-      <p:sp>
-        <p:nvSpPr>
-          <p:cNvPr id="3" name="Content Placeholder 2"/>
-          <p:cNvSpPr>
-            <a:spLocks noGrp="1"/>
-          </p:cNvSpPr>
-          <p:nvPr>
-            <p:ph idx="1"/>
-          </p:nvPr>
-        </p:nvSpPr>
-        <p:spPr/>
-        <p:txBody>
-          <a:bodyPr/>
-          <a:lstStyle/>
-          <a:p>
-            <a:pPr>
-              <a:buNone/>
-            </a:pPr>
-            <a:endParaRPr lang="en-US" dirty="0" smtClean="0"/>
-          </a:p>
-          <a:p>
-            <a:pPr>
-              <a:buNone/>
-            </a:pPr>
-            <a:endParaRPr lang="en-US" dirty="0" smtClean="0"/>
-          </a:p>
-          <a:p>
-            <a:pPr>
-              <a:buNone/>
-            </a:pPr>
-            <a:r>
-              <a:rPr lang="en-US" dirty="0" smtClean="0"/>
-              <a:t> </a:t>
-            </a:r>
-          </a:p>
-          <a:p>
-            <a:r>
-              <a:rPr lang="en-US" dirty="0" smtClean="0"/>
-              <a:t>Activity</a:t>
-            </a:r>
-          </a:p>
-          <a:p>
-            <a:r>
-              <a:rPr lang="en-US" dirty="0" smtClean="0"/>
-              <a:t>Service</a:t>
-            </a:r>
-          </a:p>
-          <a:p>
-            <a:r>
-              <a:rPr lang="en-US" dirty="0" smtClean="0"/>
-              <a:t>Broadcast receiver</a:t>
-            </a:r>
-          </a:p>
-          <a:p>
-            <a:r>
-              <a:rPr lang="en-US" dirty="0" smtClean="0"/>
-              <a:t>Content provider</a:t>
-            </a:r>
-          </a:p>
-          <a:p>
-            <a:r>
-              <a:rPr lang="en-US" dirty="0" smtClean="0"/>
-              <a:t>Intent</a:t>
-            </a:r>
-          </a:p>
-          <a:p>
-            <a:r>
-              <a:rPr lang="en-US" dirty="0" err="1" smtClean="0"/>
-              <a:t>AndroidManifest</a:t>
-            </a:r>
-            <a:endParaRPr lang="en-US" dirty="0" smtClean="0"/>
-          </a:p>
-          <a:p>
-            <a:endParaRPr lang="en-US" dirty="0"/>
-          </a:p>
-        </p:txBody>
-      </p:sp>
-    </p:spTree>
-  </p:cSld>
-  <p:clrMapOvr>
-    <a:masterClrMapping/>
-  </p:clrMapOvr>
-  <p:timing>
-    <p:tnLst>
-      <p:par>
-        <p:cTn id="1" dur="indefinite" restart="never" nodeType="tmRoot"/>
-      </p:par>
-    </p:tnLst>
-  </p:timing>
-</p:sld>
-</file>
-
 <file path=ppt/slides/slide13.xml><?xml version="1.0" encoding="utf-8"?>
 <p:sld xmlns:a="http://schemas.openxmlformats.org/drawingml/2006/main" xmlns:r="http://schemas.openxmlformats.org/officeDocument/2006/relationships" xmlns:p="http://schemas.openxmlformats.org/presentationml/2006/main">
   <p:cSld>
@@ -5555,70 +5648,90 @@
         </p:nvSpPr>
         <p:spPr/>
         <p:txBody>
-          <a:bodyPr>
-            <a:normAutofit/>
-          </a:bodyPr>
-          <a:lstStyle/>
+          <a:bodyPr/>
+          <a:lstStyle/>
+          <a:p>
+            <a:r>
+              <a:rPr lang="en-US" dirty="0" smtClean="0"/>
+              <a:t>Developer Perspective</a:t>
+            </a:r>
+            <a:endParaRPr lang="en-US" dirty="0"/>
+          </a:p>
+        </p:txBody>
+      </p:sp>
+      <p:sp>
+        <p:nvSpPr>
+          <p:cNvPr id="3" name="Content Placeholder 2"/>
+          <p:cNvSpPr>
+            <a:spLocks noGrp="1"/>
+          </p:cNvSpPr>
+          <p:nvPr>
+            <p:ph idx="1"/>
+          </p:nvPr>
+        </p:nvSpPr>
+        <p:spPr/>
+        <p:txBody>
+          <a:bodyPr/>
+          <a:lstStyle/>
+          <a:p>
+            <a:pPr>
+              <a:buNone/>
+            </a:pPr>
+            <a:endParaRPr lang="en-US" dirty="0" smtClean="0"/>
+          </a:p>
+          <a:p>
+            <a:pPr>
+              <a:buNone/>
+            </a:pPr>
+            <a:endParaRPr lang="en-US" dirty="0" smtClean="0"/>
+          </a:p>
+          <a:p>
+            <a:pPr>
+              <a:buNone/>
+            </a:pPr>
+            <a:r>
+              <a:rPr lang="en-US" dirty="0" smtClean="0"/>
+              <a:t> </a:t>
+            </a:r>
+          </a:p>
           <a:p>
             <a:r>
               <a:rPr lang="en-US" dirty="0" smtClean="0"/>
               <a:t>Activity</a:t>
             </a:r>
-            <a:endParaRPr lang="en-US" dirty="0"/>
-          </a:p>
-        </p:txBody>
-      </p:sp>
-      <p:sp>
-        <p:nvSpPr>
-          <p:cNvPr id="3" name="Content Placeholder 2"/>
-          <p:cNvSpPr>
-            <a:spLocks noGrp="1"/>
-          </p:cNvSpPr>
-          <p:nvPr>
-            <p:ph idx="1"/>
-          </p:nvPr>
-        </p:nvSpPr>
-        <p:spPr/>
-        <p:txBody>
-          <a:bodyPr/>
-          <a:lstStyle/>
-          <a:p>
-            <a:r>
-              <a:rPr lang="en-US" dirty="0" smtClean="0"/>
-              <a:t>Similar to a Use Case.</a:t>
-            </a:r>
-          </a:p>
-          <a:p>
-            <a:r>
-              <a:rPr lang="en-US" dirty="0" smtClean="0"/>
-              <a:t>Represent one thing (Activity) that user an do.</a:t>
-            </a:r>
-          </a:p>
-          <a:p>
-            <a:r>
-              <a:rPr lang="en-US" dirty="0" smtClean="0"/>
-              <a:t>A typical application may have multiple Activities.</a:t>
-            </a:r>
-          </a:p>
-          <a:p>
-            <a:r>
-              <a:rPr lang="en-US" dirty="0" smtClean="0"/>
-              <a:t>Each Activity extends </a:t>
-            </a:r>
+          </a:p>
+          <a:p>
+            <a:r>
+              <a:rPr lang="en-US" dirty="0" smtClean="0"/>
+              <a:t>Service</a:t>
+            </a:r>
+          </a:p>
+          <a:p>
+            <a:r>
+              <a:rPr lang="en-US" dirty="0" smtClean="0"/>
+              <a:t>Broadcast Receiver</a:t>
+            </a:r>
+          </a:p>
+          <a:p>
+            <a:r>
+              <a:rPr lang="en-US" dirty="0" smtClean="0"/>
+              <a:t>Content Provider</a:t>
+            </a:r>
+          </a:p>
+          <a:p>
+            <a:r>
+              <a:rPr lang="en-US" dirty="0" smtClean="0"/>
+              <a:t>Intent</a:t>
+            </a:r>
+          </a:p>
+          <a:p>
             <a:r>
               <a:rPr lang="en-US" dirty="0" err="1" smtClean="0"/>
-              <a:t>android.app.Activity</a:t>
-            </a:r>
-            <a:r>
-              <a:rPr lang="en-US" dirty="0" smtClean="0"/>
-              <a:t> class</a:t>
-            </a:r>
-          </a:p>
-          <a:p>
-            <a:r>
-              <a:rPr lang="en-US" dirty="0" smtClean="0"/>
-              <a:t>Each Activity has a window to draw contents.</a:t>
-            </a:r>
+              <a:t>AndroidManifest</a:t>
+            </a:r>
+            <a:endParaRPr lang="en-US" dirty="0" smtClean="0"/>
+          </a:p>
+          <a:p>
             <a:endParaRPr lang="en-US" dirty="0"/>
           </a:p>
         </p:txBody>
@@ -5674,7 +5787,7 @@
           <a:p>
             <a:r>
               <a:rPr lang="en-US" dirty="0" smtClean="0"/>
-              <a:t>Service</a:t>
+              <a:t>Activity</a:t>
             </a:r>
             <a:endParaRPr lang="en-US" dirty="0"/>
           </a:p>
@@ -5695,21 +5808,57 @@
           <a:bodyPr/>
           <a:lstStyle/>
           <a:p>
-            <a:r>
-              <a:rPr lang="en-US" dirty="0" smtClean="0"/>
-              <a:t>No Visual interface</a:t>
-            </a:r>
-          </a:p>
-          <a:p>
-            <a:r>
-              <a:rPr lang="en-US" dirty="0" smtClean="0"/>
-              <a:t>Runs in background</a:t>
-            </a:r>
-          </a:p>
-          <a:p>
-            <a:r>
-              <a:rPr lang="en-US" dirty="0" smtClean="0"/>
-              <a:t>Examples are Downloading, Playing Music etc</a:t>
+            <a:endParaRPr lang="en-US" dirty="0" smtClean="0"/>
+          </a:p>
+          <a:p>
+            <a:endParaRPr lang="en-US" dirty="0" smtClean="0"/>
+          </a:p>
+          <a:p>
+            <a:endParaRPr lang="en-US" dirty="0" smtClean="0"/>
+          </a:p>
+          <a:p>
+            <a:endParaRPr lang="en-US" dirty="0" smtClean="0"/>
+          </a:p>
+          <a:p>
+            <a:r>
+              <a:rPr lang="en-US" dirty="0" smtClean="0"/>
+              <a:t>Similar </a:t>
+            </a:r>
+            <a:r>
+              <a:rPr lang="en-US" dirty="0" smtClean="0"/>
+              <a:t>to a Use Case.</a:t>
+            </a:r>
+          </a:p>
+          <a:p>
+            <a:r>
+              <a:rPr lang="en-US" dirty="0" smtClean="0"/>
+              <a:t>Represent one thing (Activity) that user can do.</a:t>
+            </a:r>
+          </a:p>
+          <a:p>
+            <a:r>
+              <a:rPr lang="en-US" dirty="0" smtClean="0"/>
+              <a:t>A typical application may have multiple Activities.</a:t>
+            </a:r>
+          </a:p>
+          <a:p>
+            <a:r>
+              <a:rPr lang="en-US" dirty="0" smtClean="0"/>
+              <a:t>Each Activity extends </a:t>
+            </a:r>
+            <a:r>
+              <a:rPr lang="en-US" dirty="0" err="1" smtClean="0"/>
+              <a:t>android.app.Activity</a:t>
+            </a:r>
+            <a:r>
+              <a:rPr lang="en-US" dirty="0" smtClean="0"/>
+              <a:t> class</a:t>
+            </a:r>
+          </a:p>
+          <a:p>
+            <a:r>
+              <a:rPr lang="en-US" dirty="0" smtClean="0"/>
+              <a:t>Each Activity has a window (or view) to draw contents.</a:t>
             </a:r>
             <a:endParaRPr lang="en-US" dirty="0"/>
           </a:p>
@@ -5766,7 +5915,7 @@
           <a:p>
             <a:r>
               <a:rPr lang="en-US" dirty="0" smtClean="0"/>
-              <a:t>Broadcast Receiver</a:t>
+              <a:t>Service</a:t>
             </a:r>
             <a:endParaRPr lang="en-US" dirty="0"/>
           </a:p>
@@ -5787,32 +5936,41 @@
           <a:bodyPr/>
           <a:lstStyle/>
           <a:p>
-            <a:r>
-              <a:rPr lang="en-US" dirty="0" smtClean="0"/>
-              <a:t>Extend the class </a:t>
-            </a:r>
-            <a:r>
-              <a:rPr lang="en-US" dirty="0" err="1" smtClean="0"/>
-              <a:t>android.content.BroadcastReceiver</a:t>
-            </a:r>
             <a:endParaRPr lang="en-US" dirty="0" smtClean="0"/>
           </a:p>
           <a:p>
-            <a:r>
-              <a:rPr lang="en-US" dirty="0" smtClean="0"/>
-              <a:t>It receives and (may) react to broadcast announcements.</a:t>
-            </a:r>
-          </a:p>
-          <a:p>
-            <a:r>
-              <a:rPr lang="en-US" dirty="0" smtClean="0"/>
-              <a:t>For Example, Low Battery, Time zone changed etc.</a:t>
-            </a:r>
-          </a:p>
-          <a:p>
             <a:endParaRPr lang="en-US" dirty="0" smtClean="0"/>
           </a:p>
           <a:p>
+            <a:endParaRPr lang="en-US" dirty="0" smtClean="0"/>
+          </a:p>
+          <a:p>
+            <a:endParaRPr lang="en-US" dirty="0" smtClean="0"/>
+          </a:p>
+          <a:p>
+            <a:endParaRPr lang="en-US" dirty="0" smtClean="0"/>
+          </a:p>
+          <a:p>
+            <a:r>
+              <a:rPr lang="en-US" dirty="0" smtClean="0"/>
+              <a:t>No </a:t>
+            </a:r>
+            <a:r>
+              <a:rPr lang="en-US" dirty="0" smtClean="0"/>
+              <a:t>Visual interface</a:t>
+            </a:r>
+          </a:p>
+          <a:p>
+            <a:r>
+              <a:rPr lang="en-US" dirty="0" smtClean="0"/>
+              <a:t>Runs in background</a:t>
+            </a:r>
+          </a:p>
+          <a:p>
+            <a:r>
+              <a:rPr lang="en-US" dirty="0" smtClean="0"/>
+              <a:t>Examples are File Downloading, Playing Music, Call Recording etc</a:t>
+            </a:r>
             <a:endParaRPr lang="en-US" dirty="0"/>
           </a:p>
         </p:txBody>
@@ -5868,7 +6026,7 @@
           <a:p>
             <a:r>
               <a:rPr lang="en-US" dirty="0" smtClean="0"/>
-              <a:t>Content Provider</a:t>
+              <a:t>Broadcast Receiver</a:t>
             </a:r>
             <a:endParaRPr lang="en-US" dirty="0"/>
           </a:p>
@@ -5889,16 +6047,49 @@
           <a:bodyPr/>
           <a:lstStyle/>
           <a:p>
-            <a:r>
-              <a:rPr lang="en-US" dirty="0" smtClean="0"/>
-              <a:t>Used to interchange data between different Applications</a:t>
-            </a:r>
-          </a:p>
-          <a:p>
-            <a:r>
-              <a:rPr lang="en-US" dirty="0" smtClean="0"/>
-              <a:t>This is only way to exchange/transfer data between different Apps, that is, no shared memory, no shared files etc</a:t>
-            </a:r>
+            <a:endParaRPr lang="en-US" dirty="0" smtClean="0"/>
+          </a:p>
+          <a:p>
+            <a:endParaRPr lang="en-US" dirty="0" smtClean="0"/>
+          </a:p>
+          <a:p>
+            <a:endParaRPr lang="en-US" dirty="0" smtClean="0"/>
+          </a:p>
+          <a:p>
+            <a:endParaRPr lang="en-US" dirty="0" smtClean="0"/>
+          </a:p>
+          <a:p>
+            <a:endParaRPr lang="en-US" dirty="0" smtClean="0"/>
+          </a:p>
+          <a:p>
+            <a:r>
+              <a:rPr lang="en-US" dirty="0" smtClean="0"/>
+              <a:t>Extend </a:t>
+            </a:r>
+            <a:r>
+              <a:rPr lang="en-US" dirty="0" smtClean="0"/>
+              <a:t>the class </a:t>
+            </a:r>
+            <a:r>
+              <a:rPr lang="en-US" dirty="0" err="1" smtClean="0"/>
+              <a:t>android.content.BroadcastReceiver</a:t>
+            </a:r>
+            <a:endParaRPr lang="en-US" dirty="0" smtClean="0"/>
+          </a:p>
+          <a:p>
+            <a:r>
+              <a:rPr lang="en-US" dirty="0" smtClean="0"/>
+              <a:t>It receives and (may) react to broadcast announcements.</a:t>
+            </a:r>
+          </a:p>
+          <a:p>
+            <a:r>
+              <a:rPr lang="en-US" dirty="0" smtClean="0"/>
+              <a:t>For Example, Low Battery, Time zone changed etc.</a:t>
+            </a:r>
+          </a:p>
+          <a:p>
+            <a:endParaRPr lang="en-US" dirty="0" smtClean="0"/>
           </a:p>
           <a:p>
             <a:endParaRPr lang="en-US" dirty="0"/>
@@ -5949,44 +6140,62 @@
         </p:nvSpPr>
         <p:spPr/>
         <p:txBody>
+          <a:bodyPr>
+            <a:normAutofit/>
+          </a:bodyPr>
+          <a:lstStyle/>
+          <a:p>
+            <a:r>
+              <a:rPr lang="en-US" dirty="0" smtClean="0"/>
+              <a:t>Content Provider</a:t>
+            </a:r>
+            <a:endParaRPr lang="en-US" dirty="0"/>
+          </a:p>
+        </p:txBody>
+      </p:sp>
+      <p:sp>
+        <p:nvSpPr>
+          <p:cNvPr id="3" name="Content Placeholder 2"/>
+          <p:cNvSpPr>
+            <a:spLocks noGrp="1"/>
+          </p:cNvSpPr>
+          <p:nvPr>
+            <p:ph idx="1"/>
+          </p:nvPr>
+        </p:nvSpPr>
+        <p:spPr/>
+        <p:txBody>
           <a:bodyPr/>
           <a:lstStyle/>
           <a:p>
-            <a:r>
-              <a:rPr lang="en-US" dirty="0" smtClean="0"/>
-              <a:t>Intent</a:t>
-            </a:r>
-            <a:endParaRPr lang="en-US" dirty="0"/>
-          </a:p>
-        </p:txBody>
-      </p:sp>
-      <p:sp>
-        <p:nvSpPr>
-          <p:cNvPr id="3" name="Content Placeholder 2"/>
-          <p:cNvSpPr>
-            <a:spLocks noGrp="1"/>
-          </p:cNvSpPr>
-          <p:nvPr>
-            <p:ph idx="1"/>
-          </p:nvPr>
-        </p:nvSpPr>
-        <p:spPr/>
-        <p:txBody>
-          <a:bodyPr/>
-          <a:lstStyle/>
-          <a:p>
-            <a:r>
-              <a:rPr lang="en-US" dirty="0" smtClean="0"/>
-              <a:t>An Intent to start either an Activity, Service or </a:t>
-            </a:r>
-            <a:r>
-              <a:rPr lang="en-US" dirty="0" err="1" smtClean="0"/>
-              <a:t>Braodcast</a:t>
-            </a:r>
-            <a:r>
-              <a:rPr lang="en-US" dirty="0" smtClean="0"/>
-              <a:t> Receiver</a:t>
-            </a:r>
+            <a:endParaRPr lang="en-US" dirty="0" smtClean="0"/>
+          </a:p>
+          <a:p>
+            <a:endParaRPr lang="en-US" dirty="0" smtClean="0"/>
+          </a:p>
+          <a:p>
+            <a:endParaRPr lang="en-US" dirty="0" smtClean="0"/>
+          </a:p>
+          <a:p>
+            <a:endParaRPr lang="en-US" dirty="0" smtClean="0"/>
+          </a:p>
+          <a:p>
+            <a:r>
+              <a:rPr lang="en-US" dirty="0" smtClean="0"/>
+              <a:t>Used </a:t>
+            </a:r>
+            <a:r>
+              <a:rPr lang="en-US" dirty="0" smtClean="0"/>
+              <a:t>to interchange data between different Applications</a:t>
+            </a:r>
+          </a:p>
+          <a:p>
+            <a:r>
+              <a:rPr lang="en-US" dirty="0" smtClean="0"/>
+              <a:t>This is only way to exchange/transfer data between different Apps, that is, no shared memory, no shared files etc</a:t>
+            </a:r>
+          </a:p>
+          <a:p>
             <a:endParaRPr lang="en-US" dirty="0"/>
           </a:p>
         </p:txBody>
@@ -6040,7 +6249,7 @@
           <a:p>
             <a:r>
               <a:rPr lang="en-US" dirty="0" smtClean="0"/>
-              <a:t>AndroidManifest.xml</a:t>
+              <a:t>Intent</a:t>
             </a:r>
             <a:endParaRPr lang="en-US" dirty="0"/>
           </a:p>
@@ -6061,33 +6270,45 @@
           <a:bodyPr/>
           <a:lstStyle/>
           <a:p>
-            <a:r>
-              <a:rPr lang="en-US" dirty="0" smtClean="0"/>
-              <a:t>Package and Version</a:t>
-            </a:r>
-          </a:p>
-          <a:p>
-            <a:r>
-              <a:rPr lang="en-US" dirty="0" smtClean="0"/>
-              <a:t>SDK </a:t>
-            </a:r>
-          </a:p>
-          <a:p>
-            <a:r>
-              <a:rPr lang="en-US" dirty="0" smtClean="0"/>
-              <a:t>Application</a:t>
-            </a:r>
-          </a:p>
-          <a:p>
-            <a:r>
-              <a:rPr lang="en-US" dirty="0" smtClean="0"/>
-              <a:t>Activities</a:t>
-            </a:r>
-          </a:p>
-          <a:p>
-            <a:r>
-              <a:rPr lang="en-US" dirty="0" smtClean="0"/>
-              <a:t>Permissions</a:t>
+            <a:endParaRPr lang="en-US" dirty="0" smtClean="0"/>
+          </a:p>
+          <a:p>
+            <a:endParaRPr lang="en-US" dirty="0" smtClean="0"/>
+          </a:p>
+          <a:p>
+            <a:endParaRPr lang="en-US" dirty="0" smtClean="0"/>
+          </a:p>
+          <a:p>
+            <a:endParaRPr lang="en-US" dirty="0" smtClean="0"/>
+          </a:p>
+          <a:p>
+            <a:endParaRPr lang="en-US" dirty="0" smtClean="0"/>
+          </a:p>
+          <a:p>
+            <a:endParaRPr lang="en-US" dirty="0" smtClean="0"/>
+          </a:p>
+          <a:p>
+            <a:r>
+              <a:rPr lang="en-US" dirty="0" smtClean="0"/>
+              <a:t>An </a:t>
+            </a:r>
+            <a:r>
+              <a:rPr lang="en-US" dirty="0" smtClean="0"/>
+              <a:t>Intent to start either an Activity, Service or </a:t>
+            </a:r>
+            <a:r>
+              <a:rPr lang="en-US" dirty="0" err="1" smtClean="0"/>
+              <a:t>Braodcast</a:t>
+            </a:r>
+            <a:r>
+              <a:rPr lang="en-US" dirty="0" smtClean="0"/>
+              <a:t> Receiver</a:t>
+            </a:r>
+          </a:p>
+          <a:p>
+            <a:r>
+              <a:rPr lang="en-US" dirty="0" smtClean="0"/>
+              <a:t>Analogous to form submission in web applications.</a:t>
             </a:r>
             <a:endParaRPr lang="en-US" dirty="0"/>
           </a:p>
@@ -6127,6 +6348,29 @@
       </p:grpSpPr>
       <p:sp>
         <p:nvSpPr>
+          <p:cNvPr id="2" name="Title 1"/>
+          <p:cNvSpPr>
+            <a:spLocks noGrp="1"/>
+          </p:cNvSpPr>
+          <p:nvPr>
+            <p:ph type="title"/>
+          </p:nvPr>
+        </p:nvSpPr>
+        <p:spPr/>
+        <p:txBody>
+          <a:bodyPr/>
+          <a:lstStyle/>
+          <a:p>
+            <a:r>
+              <a:rPr lang="en-US" dirty="0" smtClean="0"/>
+              <a:t>AndroidManifest.xml</a:t>
+            </a:r>
+            <a:endParaRPr lang="en-US" dirty="0"/>
+          </a:p>
+        </p:txBody>
+      </p:sp>
+      <p:sp>
+        <p:nvSpPr>
           <p:cNvPr id="3" name="Content Placeholder 2"/>
           <p:cNvSpPr>
             <a:spLocks noGrp="1"/>
@@ -6135,512 +6379,56 @@
             <p:ph idx="1"/>
           </p:nvPr>
         </p:nvSpPr>
-        <p:spPr>
-          <a:xfrm>
-            <a:off x="457200" y="457200"/>
-            <a:ext cx="8229600" cy="5867400"/>
-          </a:xfrm>
-        </p:spPr>
-        <p:txBody>
-          <a:bodyPr>
-            <a:normAutofit fontScale="40000" lnSpcReduction="20000"/>
-          </a:bodyPr>
-          <a:lstStyle/>
-          <a:p>
-            <a:pPr>
-              <a:buNone/>
-            </a:pPr>
+        <p:spPr/>
+        <p:txBody>
+          <a:bodyPr/>
+          <a:lstStyle/>
+          <a:p>
             <a:endParaRPr lang="en-US" dirty="0" smtClean="0"/>
           </a:p>
           <a:p>
-            <a:pPr>
-              <a:buNone/>
-            </a:pPr>
-            <a:r>
-              <a:rPr lang="en-US" sz="3500" dirty="0" smtClean="0"/>
-              <a:t>&lt;?xml version=</a:t>
-            </a:r>
-            <a:r>
-              <a:rPr lang="en-US" sz="3500" i="1" dirty="0" smtClean="0"/>
-              <a:t>"1.0" encoding="utf-8"?&gt;</a:t>
-            </a:r>
-          </a:p>
-          <a:p>
-            <a:pPr>
-              <a:buNone/>
-            </a:pPr>
-            <a:r>
-              <a:rPr lang="en-US" sz="3500" dirty="0" smtClean="0"/>
-              <a:t>&lt;manifest </a:t>
-            </a:r>
-            <a:r>
-              <a:rPr lang="en-US" sz="3500" dirty="0" err="1" smtClean="0"/>
-              <a:t>xmlns:android</a:t>
-            </a:r>
-            <a:r>
-              <a:rPr lang="en-US" sz="3500" dirty="0" smtClean="0"/>
-              <a:t>=</a:t>
-            </a:r>
-            <a:r>
-              <a:rPr lang="en-US" sz="3500" i="1" dirty="0" smtClean="0"/>
-              <a:t>"http://schemas.android.com/apk/res/android"</a:t>
-            </a:r>
-          </a:p>
-          <a:p>
-            <a:pPr>
-              <a:buNone/>
-            </a:pPr>
-            <a:r>
-              <a:rPr lang="en-US" sz="3500" dirty="0" smtClean="0"/>
-              <a:t>    package=</a:t>
-            </a:r>
-            <a:r>
-              <a:rPr lang="en-US" sz="3500" i="1" dirty="0" smtClean="0"/>
-              <a:t>"</a:t>
-            </a:r>
-            <a:r>
-              <a:rPr lang="en-US" sz="3500" i="1" dirty="0" err="1" smtClean="0"/>
-              <a:t>org.melbjvm.android</a:t>
-            </a:r>
-            <a:r>
-              <a:rPr lang="en-US" sz="3500" i="1" dirty="0" smtClean="0"/>
-              <a:t>"</a:t>
-            </a:r>
-          </a:p>
-          <a:p>
-            <a:pPr>
-              <a:buNone/>
-            </a:pPr>
-            <a:r>
-              <a:rPr lang="en-US" sz="3500" dirty="0" smtClean="0"/>
-              <a:t>    </a:t>
-            </a:r>
-            <a:r>
-              <a:rPr lang="en-US" sz="3500" dirty="0" err="1" smtClean="0"/>
-              <a:t>android:versionCode</a:t>
-            </a:r>
-            <a:r>
-              <a:rPr lang="en-US" sz="3500" dirty="0" smtClean="0"/>
-              <a:t>=</a:t>
-            </a:r>
-            <a:r>
-              <a:rPr lang="en-US" sz="3500" i="1" dirty="0" smtClean="0"/>
-              <a:t>"1"</a:t>
-            </a:r>
-          </a:p>
-          <a:p>
-            <a:pPr>
-              <a:buNone/>
-            </a:pPr>
-            <a:r>
-              <a:rPr lang="en-US" sz="3500" dirty="0" smtClean="0"/>
-              <a:t>    </a:t>
-            </a:r>
-            <a:r>
-              <a:rPr lang="en-US" sz="3500" dirty="0" err="1" smtClean="0"/>
-              <a:t>android:versionName</a:t>
-            </a:r>
-            <a:r>
-              <a:rPr lang="en-US" sz="3500" dirty="0" smtClean="0"/>
-              <a:t>=</a:t>
-            </a:r>
-            <a:r>
-              <a:rPr lang="en-US" sz="3500" i="1" dirty="0" smtClean="0"/>
-              <a:t>"1.0" &gt;</a:t>
-            </a:r>
-          </a:p>
-          <a:p>
-            <a:pPr>
-              <a:buNone/>
-            </a:pPr>
-            <a:endParaRPr lang="en-US" sz="3500" dirty="0" smtClean="0"/>
-          </a:p>
-          <a:p>
-            <a:pPr>
-              <a:buNone/>
-            </a:pPr>
-            <a:r>
-              <a:rPr lang="en-US" sz="3500" dirty="0" smtClean="0"/>
-              <a:t>    &lt;uses-</a:t>
-            </a:r>
-            <a:r>
-              <a:rPr lang="en-US" sz="3500" dirty="0" err="1" smtClean="0"/>
-              <a:t>sdk</a:t>
-            </a:r>
-            <a:endParaRPr lang="en-US" sz="3500" dirty="0" smtClean="0"/>
-          </a:p>
-          <a:p>
-            <a:pPr>
-              <a:buNone/>
-            </a:pPr>
-            <a:r>
-              <a:rPr lang="en-US" sz="3500" dirty="0" smtClean="0"/>
-              <a:t>        </a:t>
-            </a:r>
-            <a:r>
-              <a:rPr lang="en-US" sz="3500" dirty="0" err="1" smtClean="0"/>
-              <a:t>android:minSdkVersion</a:t>
-            </a:r>
-            <a:r>
-              <a:rPr lang="en-US" sz="3500" dirty="0" smtClean="0"/>
-              <a:t>=</a:t>
-            </a:r>
-            <a:r>
-              <a:rPr lang="en-US" sz="3500" i="1" dirty="0" smtClean="0"/>
-              <a:t>"8"</a:t>
-            </a:r>
-          </a:p>
-          <a:p>
-            <a:pPr>
-              <a:buNone/>
-            </a:pPr>
-            <a:r>
-              <a:rPr lang="en-US" sz="3500" dirty="0" smtClean="0"/>
-              <a:t>        </a:t>
-            </a:r>
-            <a:r>
-              <a:rPr lang="en-US" sz="3500" dirty="0" err="1" smtClean="0"/>
-              <a:t>android:targetSdkVersion</a:t>
-            </a:r>
-            <a:r>
-              <a:rPr lang="en-US" sz="3500" dirty="0" smtClean="0"/>
-              <a:t>=</a:t>
-            </a:r>
-            <a:r>
-              <a:rPr lang="en-US" sz="3500" i="1" dirty="0" smtClean="0"/>
-              <a:t>"17" /&gt;</a:t>
-            </a:r>
-          </a:p>
-          <a:p>
-            <a:pPr>
-              <a:buNone/>
-            </a:pPr>
-            <a:endParaRPr lang="en-US" sz="3500" dirty="0" smtClean="0"/>
-          </a:p>
-          <a:p>
-            <a:pPr>
-              <a:buNone/>
-            </a:pPr>
-            <a:r>
-              <a:rPr lang="en-US" sz="3500" dirty="0" smtClean="0"/>
-              <a:t>    &lt;application</a:t>
-            </a:r>
-          </a:p>
-          <a:p>
-            <a:pPr>
-              <a:buNone/>
-            </a:pPr>
-            <a:r>
-              <a:rPr lang="en-US" sz="3500" dirty="0" smtClean="0"/>
-              <a:t>        </a:t>
-            </a:r>
-            <a:r>
-              <a:rPr lang="en-US" sz="3500" dirty="0" err="1" smtClean="0"/>
-              <a:t>android:allowBackup</a:t>
-            </a:r>
-            <a:r>
-              <a:rPr lang="en-US" sz="3500" dirty="0" smtClean="0"/>
-              <a:t>=</a:t>
-            </a:r>
-            <a:r>
-              <a:rPr lang="en-US" sz="3500" i="1" dirty="0" smtClean="0"/>
-              <a:t>"true"</a:t>
-            </a:r>
-          </a:p>
-          <a:p>
-            <a:pPr>
-              <a:buNone/>
-            </a:pPr>
-            <a:r>
-              <a:rPr lang="en-US" sz="3500" dirty="0" smtClean="0"/>
-              <a:t>        </a:t>
-            </a:r>
-            <a:r>
-              <a:rPr lang="en-US" sz="3500" dirty="0" err="1" smtClean="0"/>
-              <a:t>android:icon</a:t>
-            </a:r>
-            <a:r>
-              <a:rPr lang="en-US" sz="3500" dirty="0" smtClean="0"/>
-              <a:t>=</a:t>
-            </a:r>
-            <a:r>
-              <a:rPr lang="en-US" sz="3500" i="1" dirty="0" smtClean="0"/>
-              <a:t>"@</a:t>
-            </a:r>
-            <a:r>
-              <a:rPr lang="en-US" sz="3500" i="1" dirty="0" err="1" smtClean="0"/>
-              <a:t>drawable</a:t>
-            </a:r>
-            <a:r>
-              <a:rPr lang="en-US" sz="3500" i="1" dirty="0" smtClean="0"/>
-              <a:t>/</a:t>
-            </a:r>
-            <a:r>
-              <a:rPr lang="en-US" sz="3500" i="1" dirty="0" err="1" smtClean="0"/>
-              <a:t>ic_launcher</a:t>
-            </a:r>
-            <a:r>
-              <a:rPr lang="en-US" sz="3500" i="1" dirty="0" smtClean="0"/>
-              <a:t>"</a:t>
-            </a:r>
-          </a:p>
-          <a:p>
-            <a:pPr>
-              <a:buNone/>
-            </a:pPr>
-            <a:r>
-              <a:rPr lang="en-US" sz="3500" dirty="0" smtClean="0"/>
-              <a:t>        </a:t>
-            </a:r>
-            <a:r>
-              <a:rPr lang="en-US" sz="3500" dirty="0" err="1" smtClean="0"/>
-              <a:t>android:label</a:t>
-            </a:r>
-            <a:r>
-              <a:rPr lang="en-US" sz="3500" dirty="0" smtClean="0"/>
-              <a:t>=</a:t>
-            </a:r>
-            <a:r>
-              <a:rPr lang="en-US" sz="3500" i="1" dirty="0" smtClean="0"/>
-              <a:t>"@string/</a:t>
-            </a:r>
-            <a:r>
-              <a:rPr lang="en-US" sz="3500" i="1" dirty="0" err="1" smtClean="0"/>
-              <a:t>app_name</a:t>
-            </a:r>
-            <a:r>
-              <a:rPr lang="en-US" sz="3500" i="1" dirty="0" smtClean="0"/>
-              <a:t>"</a:t>
-            </a:r>
-          </a:p>
-          <a:p>
-            <a:pPr>
-              <a:buNone/>
-            </a:pPr>
-            <a:r>
-              <a:rPr lang="en-US" sz="3500" dirty="0" smtClean="0"/>
-              <a:t>        </a:t>
-            </a:r>
-            <a:r>
-              <a:rPr lang="en-US" sz="3500" dirty="0" err="1" smtClean="0"/>
-              <a:t>android:theme</a:t>
-            </a:r>
-            <a:r>
-              <a:rPr lang="en-US" sz="3500" dirty="0" smtClean="0"/>
-              <a:t>=</a:t>
-            </a:r>
-            <a:r>
-              <a:rPr lang="en-US" sz="3500" i="1" dirty="0" smtClean="0"/>
-              <a:t>"@style/</a:t>
-            </a:r>
-            <a:r>
-              <a:rPr lang="en-US" sz="3500" i="1" dirty="0" err="1" smtClean="0"/>
-              <a:t>AppTheme</a:t>
-            </a:r>
-            <a:r>
-              <a:rPr lang="en-US" sz="3500" i="1" dirty="0" smtClean="0"/>
-              <a:t>" &gt;</a:t>
-            </a:r>
-          </a:p>
-          <a:p>
-            <a:pPr>
-              <a:buNone/>
-            </a:pPr>
-            <a:r>
-              <a:rPr lang="en-US" sz="3500" dirty="0" smtClean="0"/>
-              <a:t>        &lt;activity</a:t>
-            </a:r>
-          </a:p>
-          <a:p>
-            <a:pPr>
-              <a:buNone/>
-            </a:pPr>
-            <a:r>
-              <a:rPr lang="en-US" sz="3500" dirty="0" smtClean="0"/>
-              <a:t>            </a:t>
-            </a:r>
-            <a:r>
-              <a:rPr lang="en-US" sz="3500" dirty="0" err="1" smtClean="0"/>
-              <a:t>android:name</a:t>
-            </a:r>
-            <a:r>
-              <a:rPr lang="en-US" sz="3500" dirty="0" smtClean="0"/>
-              <a:t>=</a:t>
-            </a:r>
-            <a:r>
-              <a:rPr lang="en-US" sz="3500" i="1" dirty="0" smtClean="0"/>
-              <a:t>"</a:t>
-            </a:r>
-            <a:r>
-              <a:rPr lang="en-US" sz="3500" i="1" dirty="0" err="1" smtClean="0"/>
-              <a:t>org.melbjvm.android.MainActivity</a:t>
-            </a:r>
-            <a:r>
-              <a:rPr lang="en-US" sz="3500" i="1" dirty="0" smtClean="0"/>
-              <a:t>"</a:t>
-            </a:r>
-          </a:p>
-          <a:p>
-            <a:pPr>
-              <a:buNone/>
-            </a:pPr>
-            <a:r>
-              <a:rPr lang="en-US" sz="3500" dirty="0" smtClean="0"/>
-              <a:t>            </a:t>
-            </a:r>
-            <a:r>
-              <a:rPr lang="en-US" sz="3500" dirty="0" err="1" smtClean="0"/>
-              <a:t>android:label</a:t>
-            </a:r>
-            <a:r>
-              <a:rPr lang="en-US" sz="3500" dirty="0" smtClean="0"/>
-              <a:t>=</a:t>
-            </a:r>
-            <a:r>
-              <a:rPr lang="en-US" sz="3500" i="1" dirty="0" smtClean="0"/>
-              <a:t>"@string/</a:t>
-            </a:r>
-            <a:r>
-              <a:rPr lang="en-US" sz="3500" i="1" dirty="0" err="1" smtClean="0"/>
-              <a:t>app_name</a:t>
-            </a:r>
-            <a:r>
-              <a:rPr lang="en-US" sz="3500" i="1" dirty="0" smtClean="0"/>
-              <a:t>" &gt;</a:t>
-            </a:r>
-          </a:p>
-          <a:p>
-            <a:pPr>
-              <a:buNone/>
-            </a:pPr>
-            <a:r>
-              <a:rPr lang="en-US" sz="3500" dirty="0" smtClean="0"/>
-              <a:t>            &lt;intent-filter&gt;</a:t>
-            </a:r>
-          </a:p>
-          <a:p>
-            <a:pPr>
-              <a:buNone/>
-            </a:pPr>
-            <a:r>
-              <a:rPr lang="en-US" sz="3500" dirty="0" smtClean="0"/>
-              <a:t>                &lt;action </a:t>
-            </a:r>
-            <a:r>
-              <a:rPr lang="en-US" sz="3500" dirty="0" err="1" smtClean="0"/>
-              <a:t>android:name</a:t>
-            </a:r>
-            <a:r>
-              <a:rPr lang="en-US" sz="3500" dirty="0" smtClean="0"/>
-              <a:t>=</a:t>
-            </a:r>
-            <a:r>
-              <a:rPr lang="en-US" sz="3500" i="1" dirty="0" smtClean="0"/>
-              <a:t>"</a:t>
-            </a:r>
-            <a:r>
-              <a:rPr lang="en-US" sz="3500" i="1" dirty="0" err="1" smtClean="0"/>
-              <a:t>android.intent.action.MAIN</a:t>
-            </a:r>
-            <a:r>
-              <a:rPr lang="en-US" sz="3500" i="1" dirty="0" smtClean="0"/>
-              <a:t>" /&gt;</a:t>
-            </a:r>
-          </a:p>
-          <a:p>
-            <a:pPr>
-              <a:buNone/>
-            </a:pPr>
-            <a:r>
-              <a:rPr lang="en-US" sz="3500" dirty="0" smtClean="0"/>
-              <a:t>                &lt;category </a:t>
-            </a:r>
-            <a:r>
-              <a:rPr lang="en-US" sz="3500" dirty="0" err="1" smtClean="0"/>
-              <a:t>android:name</a:t>
-            </a:r>
-            <a:r>
-              <a:rPr lang="en-US" sz="3500" dirty="0" smtClean="0"/>
-              <a:t>=</a:t>
-            </a:r>
-            <a:r>
-              <a:rPr lang="en-US" sz="3500" i="1" dirty="0" smtClean="0"/>
-              <a:t>"</a:t>
-            </a:r>
-            <a:r>
-              <a:rPr lang="en-US" sz="3500" i="1" dirty="0" err="1" smtClean="0"/>
-              <a:t>android.intent.category.LAUNCHER</a:t>
-            </a:r>
-            <a:r>
-              <a:rPr lang="en-US" sz="3500" i="1" dirty="0" smtClean="0"/>
-              <a:t>" /&gt;</a:t>
-            </a:r>
-          </a:p>
-          <a:p>
-            <a:pPr>
-              <a:buNone/>
-            </a:pPr>
-            <a:r>
-              <a:rPr lang="en-US" sz="3500" dirty="0" smtClean="0"/>
-              <a:t>            &lt;/intent-filter&gt;</a:t>
-            </a:r>
-          </a:p>
-          <a:p>
-            <a:pPr>
-              <a:buNone/>
-            </a:pPr>
-            <a:r>
-              <a:rPr lang="en-US" sz="3500" dirty="0" smtClean="0"/>
-              <a:t>        &lt;/activity&gt;</a:t>
-            </a:r>
-          </a:p>
-          <a:p>
-            <a:pPr>
-              <a:buNone/>
-            </a:pPr>
-            <a:r>
-              <a:rPr lang="en-US" sz="3500" dirty="0" smtClean="0"/>
-              <a:t>    &lt;/application&gt;</a:t>
-            </a:r>
-          </a:p>
-          <a:p>
-            <a:pPr>
-              <a:buNone/>
-            </a:pPr>
-            <a:r>
-              <a:rPr lang="en-US" sz="3500" dirty="0" smtClean="0"/>
-              <a:t>    &lt;uses-permission </a:t>
-            </a:r>
-            <a:r>
-              <a:rPr lang="en-US" sz="3500" dirty="0" err="1" smtClean="0"/>
-              <a:t>android:name</a:t>
-            </a:r>
-            <a:r>
-              <a:rPr lang="en-US" sz="3500" dirty="0" smtClean="0"/>
-              <a:t>=</a:t>
-            </a:r>
-            <a:r>
-              <a:rPr lang="en-US" sz="3500" i="1" dirty="0" smtClean="0"/>
-              <a:t>"</a:t>
-            </a:r>
-            <a:r>
-              <a:rPr lang="en-US" sz="3500" i="1" dirty="0" err="1" smtClean="0"/>
-              <a:t>android.permission.SEND_SMS</a:t>
-            </a:r>
-            <a:r>
-              <a:rPr lang="en-US" sz="3500" i="1" dirty="0" smtClean="0"/>
-              <a:t>" /&gt;</a:t>
-            </a:r>
-          </a:p>
-          <a:p>
-            <a:pPr>
-              <a:buNone/>
-            </a:pPr>
-            <a:r>
-              <a:rPr lang="en-US" sz="3500" dirty="0" smtClean="0"/>
-              <a:t>&lt;/manifest&gt;</a:t>
-            </a:r>
-            <a:endParaRPr lang="en-US" sz="3500" dirty="0"/>
+            <a:endParaRPr lang="en-US" dirty="0" smtClean="0"/>
+          </a:p>
+          <a:p>
+            <a:endParaRPr lang="en-US" dirty="0" smtClean="0"/>
+          </a:p>
+          <a:p>
+            <a:endParaRPr lang="en-US" dirty="0" smtClean="0"/>
+          </a:p>
+          <a:p>
+            <a:r>
+              <a:rPr lang="en-US" dirty="0" smtClean="0"/>
+              <a:t>Package </a:t>
+            </a:r>
+            <a:r>
+              <a:rPr lang="en-US" dirty="0" smtClean="0"/>
+              <a:t>and Version</a:t>
+            </a:r>
+          </a:p>
+          <a:p>
+            <a:r>
+              <a:rPr lang="en-US" dirty="0" smtClean="0"/>
+              <a:t>SDK </a:t>
+            </a:r>
+          </a:p>
+          <a:p>
+            <a:r>
+              <a:rPr lang="en-US" dirty="0" smtClean="0"/>
+              <a:t>Application</a:t>
+            </a:r>
+          </a:p>
+          <a:p>
+            <a:r>
+              <a:rPr lang="en-US" dirty="0" smtClean="0"/>
+              <a:t>Activities</a:t>
+            </a:r>
+          </a:p>
+          <a:p>
+            <a:r>
+              <a:rPr lang="en-US" dirty="0" smtClean="0"/>
+              <a:t>Permissions</a:t>
+            </a:r>
+            <a:endParaRPr lang="en-US" dirty="0"/>
           </a:p>
         </p:txBody>
       </p:sp>
@@ -6726,9 +6514,6 @@
             <a:endParaRPr lang="en-US" dirty="0" smtClean="0"/>
           </a:p>
           <a:p>
-            <a:endParaRPr lang="en-US" dirty="0" smtClean="0"/>
-          </a:p>
-          <a:p>
             <a:r>
               <a:rPr lang="en-US" dirty="0" smtClean="0"/>
               <a:t>Java Developer</a:t>
@@ -6744,6 +6529,12 @@
             <a:r>
               <a:rPr lang="en-US" dirty="0" smtClean="0"/>
               <a:t>Passion for learning</a:t>
+            </a:r>
+          </a:p>
+          <a:p>
+            <a:r>
+              <a:rPr lang="en-US" dirty="0" smtClean="0"/>
+              <a:t>Open to new roles in Australia</a:t>
             </a:r>
           </a:p>
         </p:txBody>
@@ -6782,29 +6573,6 @@
       </p:grpSpPr>
       <p:sp>
         <p:nvSpPr>
-          <p:cNvPr id="2" name="Title 1"/>
-          <p:cNvSpPr>
-            <a:spLocks noGrp="1"/>
-          </p:cNvSpPr>
-          <p:nvPr>
-            <p:ph type="title"/>
-          </p:nvPr>
-        </p:nvSpPr>
-        <p:spPr/>
-        <p:txBody>
-          <a:bodyPr/>
-          <a:lstStyle/>
-          <a:p>
-            <a:r>
-              <a:rPr lang="en-US" dirty="0" smtClean="0"/>
-              <a:t>What Next???</a:t>
-            </a:r>
-            <a:endParaRPr lang="en-US" dirty="0"/>
-          </a:p>
-        </p:txBody>
-      </p:sp>
-      <p:sp>
-        <p:nvSpPr>
           <p:cNvPr id="3" name="Content Placeholder 2"/>
           <p:cNvSpPr>
             <a:spLocks noGrp="1"/>
@@ -6813,19 +6581,589 @@
             <p:ph idx="1"/>
           </p:nvPr>
         </p:nvSpPr>
-        <p:spPr/>
-        <p:txBody>
-          <a:bodyPr/>
-          <a:lstStyle/>
-          <a:p>
-            <a:pPr algn="ctr">
+        <p:spPr>
+          <a:xfrm>
+            <a:off x="457200" y="457200"/>
+            <a:ext cx="8229600" cy="5867400"/>
+          </a:xfrm>
+        </p:spPr>
+        <p:txBody>
+          <a:bodyPr>
+            <a:normAutofit fontScale="40000" lnSpcReduction="20000"/>
+          </a:bodyPr>
+          <a:lstStyle/>
+          <a:p>
+            <a:pPr>
               <a:buNone/>
             </a:pPr>
-            <a:r>
-              <a:rPr lang="en-US" dirty="0" smtClean="0"/>
-              <a:t>Confucius said….</a:t>
-            </a:r>
-          </a:p>
+            <a:endParaRPr lang="en-US" dirty="0" smtClean="0"/>
+          </a:p>
+          <a:p>
+            <a:pPr>
+              <a:buNone/>
+            </a:pPr>
+            <a:r>
+              <a:rPr lang="en-US" sz="3500" dirty="0" smtClean="0"/>
+              <a:t>&lt;?xml version=</a:t>
+            </a:r>
+            <a:r>
+              <a:rPr lang="en-US" sz="3500" i="1" dirty="0" smtClean="0"/>
+              <a:t>"1.0" encoding="utf-8"?&gt;</a:t>
+            </a:r>
+          </a:p>
+          <a:p>
+            <a:pPr>
+              <a:buNone/>
+            </a:pPr>
+            <a:r>
+              <a:rPr lang="en-US" sz="3500" dirty="0" smtClean="0"/>
+              <a:t>&lt;manifest </a:t>
+            </a:r>
+            <a:r>
+              <a:rPr lang="en-US" sz="3500" dirty="0" err="1" smtClean="0"/>
+              <a:t>xmlns:android</a:t>
+            </a:r>
+            <a:r>
+              <a:rPr lang="en-US" sz="3500" dirty="0" smtClean="0"/>
+              <a:t>=</a:t>
+            </a:r>
+            <a:r>
+              <a:rPr lang="en-US" sz="3500" i="1" dirty="0" smtClean="0"/>
+              <a:t>"http://schemas.android.com/apk/res/android"</a:t>
+            </a:r>
+          </a:p>
+          <a:p>
+            <a:pPr>
+              <a:buNone/>
+            </a:pPr>
+            <a:r>
+              <a:rPr lang="en-US" sz="3500" dirty="0" smtClean="0"/>
+              <a:t>    package=</a:t>
+            </a:r>
+            <a:r>
+              <a:rPr lang="en-US" sz="3500" i="1" dirty="0" smtClean="0"/>
+              <a:t>"</a:t>
+            </a:r>
+            <a:r>
+              <a:rPr lang="en-US" sz="3500" i="1" dirty="0" err="1" smtClean="0"/>
+              <a:t>org.melbjvm.android</a:t>
+            </a:r>
+            <a:r>
+              <a:rPr lang="en-US" sz="3500" i="1" dirty="0" smtClean="0"/>
+              <a:t>"</a:t>
+            </a:r>
+          </a:p>
+          <a:p>
+            <a:pPr>
+              <a:buNone/>
+            </a:pPr>
+            <a:r>
+              <a:rPr lang="en-US" sz="3500" dirty="0" smtClean="0"/>
+              <a:t>    </a:t>
+            </a:r>
+            <a:r>
+              <a:rPr lang="en-US" sz="3500" dirty="0" err="1" smtClean="0"/>
+              <a:t>android:versionCode</a:t>
+            </a:r>
+            <a:r>
+              <a:rPr lang="en-US" sz="3500" dirty="0" smtClean="0"/>
+              <a:t>=</a:t>
+            </a:r>
+            <a:r>
+              <a:rPr lang="en-US" sz="3500" i="1" dirty="0" smtClean="0"/>
+              <a:t>"1"</a:t>
+            </a:r>
+          </a:p>
+          <a:p>
+            <a:pPr>
+              <a:buNone/>
+            </a:pPr>
+            <a:r>
+              <a:rPr lang="en-US" sz="3500" dirty="0" smtClean="0"/>
+              <a:t>    </a:t>
+            </a:r>
+            <a:r>
+              <a:rPr lang="en-US" sz="3500" dirty="0" err="1" smtClean="0"/>
+              <a:t>android:versionName</a:t>
+            </a:r>
+            <a:r>
+              <a:rPr lang="en-US" sz="3500" dirty="0" smtClean="0"/>
+              <a:t>=</a:t>
+            </a:r>
+            <a:r>
+              <a:rPr lang="en-US" sz="3500" i="1" dirty="0" smtClean="0"/>
+              <a:t>"1.0" &gt;</a:t>
+            </a:r>
+          </a:p>
+          <a:p>
+            <a:pPr>
+              <a:buNone/>
+            </a:pPr>
+            <a:endParaRPr lang="en-US" sz="3500" dirty="0" smtClean="0"/>
+          </a:p>
+          <a:p>
+            <a:pPr>
+              <a:buNone/>
+            </a:pPr>
+            <a:r>
+              <a:rPr lang="en-US" sz="3500" dirty="0" smtClean="0"/>
+              <a:t>    &lt;uses-</a:t>
+            </a:r>
+            <a:r>
+              <a:rPr lang="en-US" sz="3500" dirty="0" err="1" smtClean="0"/>
+              <a:t>sdk</a:t>
+            </a:r>
+            <a:endParaRPr lang="en-US" sz="3500" dirty="0" smtClean="0"/>
+          </a:p>
+          <a:p>
+            <a:pPr>
+              <a:buNone/>
+            </a:pPr>
+            <a:r>
+              <a:rPr lang="en-US" sz="3500" dirty="0" smtClean="0"/>
+              <a:t>        </a:t>
+            </a:r>
+            <a:r>
+              <a:rPr lang="en-US" sz="3500" dirty="0" err="1" smtClean="0"/>
+              <a:t>android:minSdkVersion</a:t>
+            </a:r>
+            <a:r>
+              <a:rPr lang="en-US" sz="3500" dirty="0" smtClean="0"/>
+              <a:t>=</a:t>
+            </a:r>
+            <a:r>
+              <a:rPr lang="en-US" sz="3500" i="1" dirty="0" smtClean="0"/>
+              <a:t>"8"</a:t>
+            </a:r>
+          </a:p>
+          <a:p>
+            <a:pPr>
+              <a:buNone/>
+            </a:pPr>
+            <a:r>
+              <a:rPr lang="en-US" sz="3500" dirty="0" smtClean="0"/>
+              <a:t>        </a:t>
+            </a:r>
+            <a:r>
+              <a:rPr lang="en-US" sz="3500" dirty="0" err="1" smtClean="0"/>
+              <a:t>android:targetSdkVersion</a:t>
+            </a:r>
+            <a:r>
+              <a:rPr lang="en-US" sz="3500" dirty="0" smtClean="0"/>
+              <a:t>=</a:t>
+            </a:r>
+            <a:r>
+              <a:rPr lang="en-US" sz="3500" i="1" dirty="0" smtClean="0"/>
+              <a:t>"17" /&gt;</a:t>
+            </a:r>
+          </a:p>
+          <a:p>
+            <a:pPr>
+              <a:buNone/>
+            </a:pPr>
+            <a:endParaRPr lang="en-US" sz="3500" dirty="0" smtClean="0"/>
+          </a:p>
+          <a:p>
+            <a:pPr>
+              <a:buNone/>
+            </a:pPr>
+            <a:r>
+              <a:rPr lang="en-US" sz="3500" dirty="0" smtClean="0"/>
+              <a:t>    &lt;application</a:t>
+            </a:r>
+          </a:p>
+          <a:p>
+            <a:pPr>
+              <a:buNone/>
+            </a:pPr>
+            <a:r>
+              <a:rPr lang="en-US" sz="3500" dirty="0" smtClean="0"/>
+              <a:t>        </a:t>
+            </a:r>
+            <a:r>
+              <a:rPr lang="en-US" sz="3500" dirty="0" err="1" smtClean="0"/>
+              <a:t>android:allowBackup</a:t>
+            </a:r>
+            <a:r>
+              <a:rPr lang="en-US" sz="3500" dirty="0" smtClean="0"/>
+              <a:t>=</a:t>
+            </a:r>
+            <a:r>
+              <a:rPr lang="en-US" sz="3500" i="1" dirty="0" smtClean="0"/>
+              <a:t>"true"</a:t>
+            </a:r>
+          </a:p>
+          <a:p>
+            <a:pPr>
+              <a:buNone/>
+            </a:pPr>
+            <a:r>
+              <a:rPr lang="en-US" sz="3500" dirty="0" smtClean="0"/>
+              <a:t>        </a:t>
+            </a:r>
+            <a:r>
+              <a:rPr lang="en-US" sz="3500" dirty="0" err="1" smtClean="0"/>
+              <a:t>android:icon</a:t>
+            </a:r>
+            <a:r>
+              <a:rPr lang="en-US" sz="3500" dirty="0" smtClean="0"/>
+              <a:t>=</a:t>
+            </a:r>
+            <a:r>
+              <a:rPr lang="en-US" sz="3500" i="1" dirty="0" smtClean="0"/>
+              <a:t>"@</a:t>
+            </a:r>
+            <a:r>
+              <a:rPr lang="en-US" sz="3500" i="1" dirty="0" err="1" smtClean="0"/>
+              <a:t>drawable</a:t>
+            </a:r>
+            <a:r>
+              <a:rPr lang="en-US" sz="3500" i="1" dirty="0" smtClean="0"/>
+              <a:t>/</a:t>
+            </a:r>
+            <a:r>
+              <a:rPr lang="en-US" sz="3500" i="1" dirty="0" err="1" smtClean="0"/>
+              <a:t>ic_launcher</a:t>
+            </a:r>
+            <a:r>
+              <a:rPr lang="en-US" sz="3500" i="1" dirty="0" smtClean="0"/>
+              <a:t>"</a:t>
+            </a:r>
+          </a:p>
+          <a:p>
+            <a:pPr>
+              <a:buNone/>
+            </a:pPr>
+            <a:r>
+              <a:rPr lang="en-US" sz="3500" dirty="0" smtClean="0"/>
+              <a:t>        </a:t>
+            </a:r>
+            <a:r>
+              <a:rPr lang="en-US" sz="3500" dirty="0" err="1" smtClean="0"/>
+              <a:t>android:label</a:t>
+            </a:r>
+            <a:r>
+              <a:rPr lang="en-US" sz="3500" dirty="0" smtClean="0"/>
+              <a:t>=</a:t>
+            </a:r>
+            <a:r>
+              <a:rPr lang="en-US" sz="3500" i="1" dirty="0" smtClean="0"/>
+              <a:t>"@string/</a:t>
+            </a:r>
+            <a:r>
+              <a:rPr lang="en-US" sz="3500" i="1" dirty="0" err="1" smtClean="0"/>
+              <a:t>app_name</a:t>
+            </a:r>
+            <a:r>
+              <a:rPr lang="en-US" sz="3500" i="1" dirty="0" smtClean="0"/>
+              <a:t>"</a:t>
+            </a:r>
+          </a:p>
+          <a:p>
+            <a:pPr>
+              <a:buNone/>
+            </a:pPr>
+            <a:r>
+              <a:rPr lang="en-US" sz="3500" dirty="0" smtClean="0"/>
+              <a:t>        </a:t>
+            </a:r>
+            <a:r>
+              <a:rPr lang="en-US" sz="3500" dirty="0" err="1" smtClean="0"/>
+              <a:t>android:theme</a:t>
+            </a:r>
+            <a:r>
+              <a:rPr lang="en-US" sz="3500" dirty="0" smtClean="0"/>
+              <a:t>=</a:t>
+            </a:r>
+            <a:r>
+              <a:rPr lang="en-US" sz="3500" i="1" dirty="0" smtClean="0"/>
+              <a:t>"@style/</a:t>
+            </a:r>
+            <a:r>
+              <a:rPr lang="en-US" sz="3500" i="1" dirty="0" err="1" smtClean="0"/>
+              <a:t>AppTheme</a:t>
+            </a:r>
+            <a:r>
+              <a:rPr lang="en-US" sz="3500" i="1" dirty="0" smtClean="0"/>
+              <a:t>" &gt;</a:t>
+            </a:r>
+          </a:p>
+          <a:p>
+            <a:pPr>
+              <a:buNone/>
+            </a:pPr>
+            <a:r>
+              <a:rPr lang="en-US" sz="3500" dirty="0" smtClean="0"/>
+              <a:t>        &lt;activity</a:t>
+            </a:r>
+          </a:p>
+          <a:p>
+            <a:pPr>
+              <a:buNone/>
+            </a:pPr>
+            <a:r>
+              <a:rPr lang="en-US" sz="3500" dirty="0" smtClean="0"/>
+              <a:t>            </a:t>
+            </a:r>
+            <a:r>
+              <a:rPr lang="en-US" sz="3500" dirty="0" err="1" smtClean="0"/>
+              <a:t>android:name</a:t>
+            </a:r>
+            <a:r>
+              <a:rPr lang="en-US" sz="3500" dirty="0" smtClean="0"/>
+              <a:t>=</a:t>
+            </a:r>
+            <a:r>
+              <a:rPr lang="en-US" sz="3500" i="1" dirty="0" smtClean="0"/>
+              <a:t>"</a:t>
+            </a:r>
+            <a:r>
+              <a:rPr lang="en-US" sz="3500" i="1" dirty="0" err="1" smtClean="0"/>
+              <a:t>org.melbjvm.android.MainActivity</a:t>
+            </a:r>
+            <a:r>
+              <a:rPr lang="en-US" sz="3500" i="1" dirty="0" smtClean="0"/>
+              <a:t>"</a:t>
+            </a:r>
+          </a:p>
+          <a:p>
+            <a:pPr>
+              <a:buNone/>
+            </a:pPr>
+            <a:r>
+              <a:rPr lang="en-US" sz="3500" dirty="0" smtClean="0"/>
+              <a:t>            </a:t>
+            </a:r>
+            <a:r>
+              <a:rPr lang="en-US" sz="3500" dirty="0" err="1" smtClean="0"/>
+              <a:t>android:label</a:t>
+            </a:r>
+            <a:r>
+              <a:rPr lang="en-US" sz="3500" dirty="0" smtClean="0"/>
+              <a:t>=</a:t>
+            </a:r>
+            <a:r>
+              <a:rPr lang="en-US" sz="3500" i="1" dirty="0" smtClean="0"/>
+              <a:t>"@string/</a:t>
+            </a:r>
+            <a:r>
+              <a:rPr lang="en-US" sz="3500" i="1" dirty="0" err="1" smtClean="0"/>
+              <a:t>app_name</a:t>
+            </a:r>
+            <a:r>
+              <a:rPr lang="en-US" sz="3500" i="1" dirty="0" smtClean="0"/>
+              <a:t>" &gt;</a:t>
+            </a:r>
+          </a:p>
+          <a:p>
+            <a:pPr>
+              <a:buNone/>
+            </a:pPr>
+            <a:r>
+              <a:rPr lang="en-US" sz="3500" dirty="0" smtClean="0"/>
+              <a:t>            &lt;intent-filter&gt;</a:t>
+            </a:r>
+          </a:p>
+          <a:p>
+            <a:pPr>
+              <a:buNone/>
+            </a:pPr>
+            <a:r>
+              <a:rPr lang="en-US" sz="3500" dirty="0" smtClean="0"/>
+              <a:t>                &lt;action </a:t>
+            </a:r>
+            <a:r>
+              <a:rPr lang="en-US" sz="3500" dirty="0" err="1" smtClean="0"/>
+              <a:t>android:name</a:t>
+            </a:r>
+            <a:r>
+              <a:rPr lang="en-US" sz="3500" dirty="0" smtClean="0"/>
+              <a:t>=</a:t>
+            </a:r>
+            <a:r>
+              <a:rPr lang="en-US" sz="3500" i="1" dirty="0" smtClean="0"/>
+              <a:t>"</a:t>
+            </a:r>
+            <a:r>
+              <a:rPr lang="en-US" sz="3500" i="1" dirty="0" err="1" smtClean="0"/>
+              <a:t>android.intent.action.MAIN</a:t>
+            </a:r>
+            <a:r>
+              <a:rPr lang="en-US" sz="3500" i="1" dirty="0" smtClean="0"/>
+              <a:t>" /&gt;</a:t>
+            </a:r>
+          </a:p>
+          <a:p>
+            <a:pPr>
+              <a:buNone/>
+            </a:pPr>
+            <a:r>
+              <a:rPr lang="en-US" sz="3500" dirty="0" smtClean="0"/>
+              <a:t>                &lt;category </a:t>
+            </a:r>
+            <a:r>
+              <a:rPr lang="en-US" sz="3500" dirty="0" err="1" smtClean="0"/>
+              <a:t>android:name</a:t>
+            </a:r>
+            <a:r>
+              <a:rPr lang="en-US" sz="3500" dirty="0" smtClean="0"/>
+              <a:t>=</a:t>
+            </a:r>
+            <a:r>
+              <a:rPr lang="en-US" sz="3500" i="1" dirty="0" smtClean="0"/>
+              <a:t>"</a:t>
+            </a:r>
+            <a:r>
+              <a:rPr lang="en-US" sz="3500" i="1" dirty="0" err="1" smtClean="0"/>
+              <a:t>android.intent.category.LAUNCHER</a:t>
+            </a:r>
+            <a:r>
+              <a:rPr lang="en-US" sz="3500" i="1" dirty="0" smtClean="0"/>
+              <a:t>" /&gt;</a:t>
+            </a:r>
+          </a:p>
+          <a:p>
+            <a:pPr>
+              <a:buNone/>
+            </a:pPr>
+            <a:r>
+              <a:rPr lang="en-US" sz="3500" dirty="0" smtClean="0"/>
+              <a:t>            &lt;/intent-filter&gt;</a:t>
+            </a:r>
+          </a:p>
+          <a:p>
+            <a:pPr>
+              <a:buNone/>
+            </a:pPr>
+            <a:r>
+              <a:rPr lang="en-US" sz="3500" dirty="0" smtClean="0"/>
+              <a:t>        &lt;/activity&gt;</a:t>
+            </a:r>
+          </a:p>
+          <a:p>
+            <a:pPr>
+              <a:buNone/>
+            </a:pPr>
+            <a:r>
+              <a:rPr lang="en-US" sz="3500" dirty="0" smtClean="0"/>
+              <a:t>    &lt;/application&gt;</a:t>
+            </a:r>
+          </a:p>
+          <a:p>
+            <a:pPr>
+              <a:buNone/>
+            </a:pPr>
+            <a:r>
+              <a:rPr lang="en-US" sz="3500" dirty="0" smtClean="0"/>
+              <a:t>    &lt;uses-permission </a:t>
+            </a:r>
+            <a:r>
+              <a:rPr lang="en-US" sz="3500" dirty="0" err="1" smtClean="0"/>
+              <a:t>android:name</a:t>
+            </a:r>
+            <a:r>
+              <a:rPr lang="en-US" sz="3500" dirty="0" smtClean="0"/>
+              <a:t>=</a:t>
+            </a:r>
+            <a:r>
+              <a:rPr lang="en-US" sz="3500" i="1" dirty="0" smtClean="0"/>
+              <a:t>"</a:t>
+            </a:r>
+            <a:r>
+              <a:rPr lang="en-US" sz="3500" i="1" dirty="0" err="1" smtClean="0"/>
+              <a:t>android.permission.SEND_SMS</a:t>
+            </a:r>
+            <a:r>
+              <a:rPr lang="en-US" sz="3500" i="1" dirty="0" smtClean="0"/>
+              <a:t>" /&gt;</a:t>
+            </a:r>
+          </a:p>
+          <a:p>
+            <a:pPr>
+              <a:buNone/>
+            </a:pPr>
+            <a:r>
+              <a:rPr lang="en-US" sz="3500" dirty="0" smtClean="0"/>
+              <a:t>&lt;/manifest&gt;</a:t>
+            </a:r>
+            <a:endParaRPr lang="en-US" sz="3500" dirty="0"/>
+          </a:p>
+        </p:txBody>
+      </p:sp>
+    </p:spTree>
+  </p:cSld>
+  <p:clrMapOvr>
+    <a:masterClrMapping/>
+  </p:clrMapOvr>
+  <p:timing>
+    <p:tnLst>
+      <p:par>
+        <p:cTn id="1" dur="indefinite" restart="never" nodeType="tmRoot"/>
+      </p:par>
+    </p:tnLst>
+  </p:timing>
+</p:sld>
+</file>
+
+<file path=ppt/slides/slide21.xml><?xml version="1.0" encoding="utf-8"?>
+<p:sld xmlns:a="http://schemas.openxmlformats.org/drawingml/2006/main" xmlns:r="http://schemas.openxmlformats.org/officeDocument/2006/relationships" xmlns:p="http://schemas.openxmlformats.org/presentationml/2006/main">
+  <p:cSld>
+    <p:spTree>
+      <p:nvGrpSpPr>
+        <p:cNvPr id="1" name=""/>
+        <p:cNvGrpSpPr/>
+        <p:nvPr/>
+      </p:nvGrpSpPr>
+      <p:grpSpPr>
+        <a:xfrm>
+          <a:off x="0" y="0"/>
+          <a:ext cx="0" cy="0"/>
+          <a:chOff x="0" y="0"/>
+          <a:chExt cx="0" cy="0"/>
+        </a:xfrm>
+      </p:grpSpPr>
+      <p:sp>
+        <p:nvSpPr>
+          <p:cNvPr id="2" name="Title 1"/>
+          <p:cNvSpPr>
+            <a:spLocks noGrp="1"/>
+          </p:cNvSpPr>
+          <p:nvPr>
+            <p:ph type="title"/>
+          </p:nvPr>
+        </p:nvSpPr>
+        <p:spPr/>
+        <p:txBody>
+          <a:bodyPr/>
+          <a:lstStyle/>
+          <a:p>
+            <a:r>
+              <a:rPr lang="en-US" dirty="0" smtClean="0"/>
+              <a:t>What Next???</a:t>
+            </a:r>
+            <a:endParaRPr lang="en-US" dirty="0"/>
+          </a:p>
+        </p:txBody>
+      </p:sp>
+      <p:sp>
+        <p:nvSpPr>
+          <p:cNvPr id="3" name="Content Placeholder 2"/>
+          <p:cNvSpPr>
+            <a:spLocks noGrp="1"/>
+          </p:cNvSpPr>
+          <p:nvPr>
+            <p:ph idx="1"/>
+          </p:nvPr>
+        </p:nvSpPr>
+        <p:spPr>
+          <a:xfrm>
+            <a:off x="457200" y="1935480"/>
+            <a:ext cx="6781800" cy="4389120"/>
+          </a:xfrm>
+        </p:spPr>
+        <p:txBody>
+          <a:bodyPr/>
+          <a:lstStyle/>
           <a:p>
             <a:pPr algn="ctr">
               <a:buNone/>
@@ -6838,17 +7176,18 @@
             </a:pPr>
             <a:r>
               <a:rPr lang="en-US" dirty="0" smtClean="0"/>
-              <a:t>“I hear and I forget,</a:t>
+              <a:t>Confucius </a:t>
+            </a:r>
+            <a:r>
+              <a:rPr lang="en-US" dirty="0" smtClean="0"/>
+              <a:t>said….</a:t>
             </a:r>
           </a:p>
           <a:p>
             <a:pPr algn="ctr">
               <a:buNone/>
             </a:pPr>
-            <a:r>
-              <a:rPr lang="en-US" dirty="0" smtClean="0"/>
-              <a:t>I see and I remember,</a:t>
-            </a:r>
+            <a:endParaRPr lang="en-US" dirty="0" smtClean="0"/>
           </a:p>
           <a:p>
             <a:pPr algn="ctr">
@@ -6856,12 +7195,8 @@
             </a:pPr>
             <a:r>
               <a:rPr lang="en-US" dirty="0" smtClean="0"/>
-              <a:t>I do and I understand.”</a:t>
-            </a:r>
-            <a:br>
-              <a:rPr lang="en-US" dirty="0" smtClean="0"/>
-            </a:br>
-            <a:endParaRPr lang="en-US" dirty="0" smtClean="0"/>
+              <a:t>“I hear and I forget,</a:t>
+            </a:r>
           </a:p>
           <a:p>
             <a:pPr algn="ctr">
@@ -6869,7 +7204,35 @@
             </a:pPr>
             <a:r>
               <a:rPr lang="en-US" dirty="0" smtClean="0"/>
-              <a:t>So let us do it……</a:t>
+              <a:t>I see and I remember,</a:t>
+            </a:r>
+          </a:p>
+          <a:p>
+            <a:pPr algn="ctr">
+              <a:buNone/>
+            </a:pPr>
+            <a:r>
+              <a:rPr lang="en-US" dirty="0" smtClean="0"/>
+              <a:t>I do and I understand.”</a:t>
+            </a:r>
+            <a:br>
+              <a:rPr lang="en-US" dirty="0" smtClean="0"/>
+            </a:br>
+            <a:endParaRPr lang="en-US" dirty="0" smtClean="0"/>
+          </a:p>
+          <a:p>
+            <a:pPr algn="ctr">
+              <a:buNone/>
+            </a:pPr>
+            <a:endParaRPr lang="en-US" dirty="0" smtClean="0"/>
+          </a:p>
+          <a:p>
+            <a:pPr algn="ctr">
+              <a:buNone/>
+            </a:pPr>
+            <a:r>
+              <a:rPr lang="en-US" dirty="0" smtClean="0"/>
+              <a:t>So let us do something……</a:t>
             </a:r>
             <a:endParaRPr lang="en-US" dirty="0"/>
           </a:p>
@@ -6916,117 +7279,6 @@
 </p:sld>
 </file>
 
-<file path=ppt/slides/slide21.xml><?xml version="1.0" encoding="utf-8"?>
-<p:sld xmlns:a="http://schemas.openxmlformats.org/drawingml/2006/main" xmlns:r="http://schemas.openxmlformats.org/officeDocument/2006/relationships" xmlns:p="http://schemas.openxmlformats.org/presentationml/2006/main">
-  <p:cSld>
-    <p:spTree>
-      <p:nvGrpSpPr>
-        <p:cNvPr id="1" name=""/>
-        <p:cNvGrpSpPr/>
-        <p:nvPr/>
-      </p:nvGrpSpPr>
-      <p:grpSpPr>
-        <a:xfrm>
-          <a:off x="0" y="0"/>
-          <a:ext cx="0" cy="0"/>
-          <a:chOff x="0" y="0"/>
-          <a:chExt cx="0" cy="0"/>
-        </a:xfrm>
-      </p:grpSpPr>
-      <p:sp>
-        <p:nvSpPr>
-          <p:cNvPr id="2" name="Title 1"/>
-          <p:cNvSpPr>
-            <a:spLocks noGrp="1"/>
-          </p:cNvSpPr>
-          <p:nvPr>
-            <p:ph type="title"/>
-          </p:nvPr>
-        </p:nvSpPr>
-        <p:spPr/>
-        <p:txBody>
-          <a:bodyPr/>
-          <a:lstStyle/>
-          <a:p>
-            <a:r>
-              <a:rPr lang="en-US" dirty="0" smtClean="0"/>
-              <a:t>What we will do</a:t>
-            </a:r>
-            <a:endParaRPr lang="en-US" dirty="0"/>
-          </a:p>
-        </p:txBody>
-      </p:sp>
-      <p:sp>
-        <p:nvSpPr>
-          <p:cNvPr id="3" name="Content Placeholder 2"/>
-          <p:cNvSpPr>
-            <a:spLocks noGrp="1"/>
-          </p:cNvSpPr>
-          <p:nvPr>
-            <p:ph idx="1"/>
-          </p:nvPr>
-        </p:nvSpPr>
-        <p:spPr/>
-        <p:txBody>
-          <a:bodyPr/>
-          <a:lstStyle/>
-          <a:p>
-            <a:endParaRPr lang="en-US" dirty="0" smtClean="0"/>
-          </a:p>
-          <a:p>
-            <a:endParaRPr lang="en-US" dirty="0" smtClean="0"/>
-          </a:p>
-          <a:p>
-            <a:endParaRPr lang="en-US" dirty="0" smtClean="0"/>
-          </a:p>
-          <a:p>
-            <a:endParaRPr lang="en-US" dirty="0" smtClean="0"/>
-          </a:p>
-          <a:p>
-            <a:endParaRPr lang="en-US" dirty="0" smtClean="0"/>
-          </a:p>
-          <a:p>
-            <a:r>
-              <a:rPr lang="en-US" dirty="0" smtClean="0"/>
-              <a:t>Create simple Android App and run it on Emulator</a:t>
-            </a:r>
-          </a:p>
-          <a:p>
-            <a:r>
-              <a:rPr lang="en-US" dirty="0" smtClean="0"/>
-              <a:t>Run the same on your phone</a:t>
-            </a:r>
-          </a:p>
-          <a:p>
-            <a:r>
-              <a:rPr lang="en-US" dirty="0" smtClean="0"/>
-              <a:t>Use a simple Web Service in our App</a:t>
-            </a:r>
-          </a:p>
-          <a:p>
-            <a:r>
-              <a:rPr lang="en-US" dirty="0" smtClean="0"/>
-              <a:t>Use Simple Graphics</a:t>
-            </a:r>
-            <a:endParaRPr lang="en-US" dirty="0"/>
-          </a:p>
-        </p:txBody>
-      </p:sp>
-    </p:spTree>
-  </p:cSld>
-  <p:clrMapOvr>
-    <a:masterClrMapping/>
-  </p:clrMapOvr>
-  <p:timing>
-    <p:tnLst>
-      <p:par>
-        <p:cTn id="1" dur="indefinite" restart="never" nodeType="tmRoot"/>
-      </p:par>
-    </p:tnLst>
-  </p:timing>
-</p:sld>
-</file>
-
 <file path=ppt/slides/slide22.xml><?xml version="1.0" encoding="utf-8"?>
 <p:sld xmlns:a="http://schemas.openxmlformats.org/drawingml/2006/main" xmlns:r="http://schemas.openxmlformats.org/officeDocument/2006/relationships" xmlns:p="http://schemas.openxmlformats.org/presentationml/2006/main">
   <p:cSld>
@@ -7061,7 +7313,7 @@
           <a:p>
             <a:r>
               <a:rPr lang="en-US" dirty="0" smtClean="0"/>
-              <a:t>Starting with SDK</a:t>
+              <a:t>What we will do</a:t>
             </a:r>
             <a:endParaRPr lang="en-US" dirty="0"/>
           </a:p>
@@ -7082,34 +7334,59 @@
           <a:bodyPr/>
           <a:lstStyle/>
           <a:p>
-            <a:r>
-              <a:rPr lang="en-US" dirty="0" smtClean="0"/>
-              <a:t>Download from </a:t>
-            </a:r>
-          </a:p>
-          <a:p>
-            <a:r>
-              <a:rPr lang="en-US" dirty="0" smtClean="0">
-                <a:hlinkClick r:id="rId2"/>
-              </a:rPr>
-              <a:t>http://developer.android.com/sdk/installing/index.html</a:t>
-            </a:r>
             <a:endParaRPr lang="en-US" dirty="0" smtClean="0"/>
           </a:p>
           <a:p>
             <a:endParaRPr lang="en-US" dirty="0" smtClean="0"/>
           </a:p>
           <a:p>
-            <a:r>
-              <a:rPr lang="en-US" dirty="0" smtClean="0"/>
-              <a:t>It uses Eclipse IDE and its Cool!!!</a:t>
-            </a:r>
-          </a:p>
-          <a:p>
-            <a:pPr>
-              <a:buNone/>
-            </a:pPr>
-            <a:endParaRPr lang="en-US" dirty="0"/>
+            <a:endParaRPr lang="en-US" dirty="0" smtClean="0"/>
+          </a:p>
+          <a:p>
+            <a:endParaRPr lang="en-US" dirty="0" smtClean="0"/>
+          </a:p>
+          <a:p>
+            <a:endParaRPr lang="en-US" dirty="0" smtClean="0"/>
+          </a:p>
+          <a:p>
+            <a:r>
+              <a:rPr lang="en-US" dirty="0" smtClean="0"/>
+              <a:t>Create simple Android App and run it on Emulator</a:t>
+            </a:r>
+          </a:p>
+          <a:p>
+            <a:r>
+              <a:rPr lang="en-US" dirty="0" smtClean="0"/>
+              <a:t>Run the same on phone</a:t>
+            </a:r>
+          </a:p>
+          <a:p>
+            <a:r>
+              <a:rPr lang="en-US" dirty="0" smtClean="0"/>
+              <a:t>Create and run another app with </a:t>
+            </a:r>
+            <a:r>
+              <a:rPr lang="en-US" dirty="0" smtClean="0"/>
+              <a:t>simple </a:t>
+            </a:r>
+            <a:r>
+              <a:rPr lang="en-US" dirty="0" smtClean="0"/>
+              <a:t>Graphics</a:t>
+            </a:r>
+          </a:p>
+          <a:p>
+            <a:r>
+              <a:rPr lang="en-US" dirty="0" smtClean="0"/>
+              <a:t>Create and run one more </a:t>
+            </a:r>
+            <a:r>
+              <a:rPr lang="en-US" dirty="0" smtClean="0"/>
+              <a:t>app </a:t>
+            </a:r>
+            <a:r>
+              <a:rPr lang="en-US" dirty="0" smtClean="0"/>
+              <a:t>with Web Service</a:t>
+            </a:r>
           </a:p>
         </p:txBody>
       </p:sp>
@@ -7162,7 +7439,138 @@
           <a:p>
             <a:r>
               <a:rPr lang="en-US" dirty="0" smtClean="0"/>
-              <a:t>Creating First Android App</a:t>
+              <a:t>Starting with SDK</a:t>
+            </a:r>
+            <a:endParaRPr lang="en-US" dirty="0"/>
+          </a:p>
+        </p:txBody>
+      </p:sp>
+      <p:sp>
+        <p:nvSpPr>
+          <p:cNvPr id="3" name="Content Placeholder 2"/>
+          <p:cNvSpPr>
+            <a:spLocks noGrp="1"/>
+          </p:cNvSpPr>
+          <p:nvPr>
+            <p:ph idx="1"/>
+          </p:nvPr>
+        </p:nvSpPr>
+        <p:spPr/>
+        <p:txBody>
+          <a:bodyPr/>
+          <a:lstStyle/>
+          <a:p>
+            <a:endParaRPr lang="en-US" dirty="0" smtClean="0"/>
+          </a:p>
+          <a:p>
+            <a:endParaRPr lang="en-US" dirty="0" smtClean="0"/>
+          </a:p>
+          <a:p>
+            <a:endParaRPr lang="en-US" dirty="0" smtClean="0"/>
+          </a:p>
+          <a:p>
+            <a:endParaRPr lang="en-US" dirty="0" smtClean="0"/>
+          </a:p>
+          <a:p>
+            <a:r>
+              <a:rPr lang="en-US" dirty="0" smtClean="0"/>
+              <a:t>Download </a:t>
+            </a:r>
+            <a:r>
+              <a:rPr lang="en-US" dirty="0" smtClean="0"/>
+              <a:t>from </a:t>
+            </a:r>
+          </a:p>
+          <a:p>
+            <a:r>
+              <a:rPr lang="en-US" dirty="0" smtClean="0">
+                <a:hlinkClick r:id="rId2"/>
+              </a:rPr>
+              <a:t>http://</a:t>
+            </a:r>
+            <a:r>
+              <a:rPr lang="en-US" dirty="0" smtClean="0">
+                <a:hlinkClick r:id="rId2"/>
+              </a:rPr>
+              <a:t>developer.android.com/sdk/installing/index.html</a:t>
+            </a:r>
+            <a:endParaRPr lang="en-US" dirty="0" smtClean="0"/>
+          </a:p>
+          <a:p>
+            <a:r>
+              <a:rPr lang="en-US" dirty="0" smtClean="0"/>
+              <a:t>It uses Eclipse IDE and its Cool</a:t>
+            </a:r>
+            <a:r>
+              <a:rPr lang="en-US" dirty="0" smtClean="0"/>
+              <a:t>!!!</a:t>
+            </a:r>
+          </a:p>
+          <a:p>
+            <a:r>
+              <a:rPr lang="en-US" dirty="0" smtClean="0"/>
+              <a:t>Start Eclipse, select Workspace</a:t>
+            </a:r>
+            <a:endParaRPr lang="en-US" dirty="0" smtClean="0"/>
+          </a:p>
+          <a:p>
+            <a:pPr>
+              <a:buNone/>
+            </a:pPr>
+            <a:endParaRPr lang="en-US" dirty="0"/>
+          </a:p>
+        </p:txBody>
+      </p:sp>
+    </p:spTree>
+  </p:cSld>
+  <p:clrMapOvr>
+    <a:masterClrMapping/>
+  </p:clrMapOvr>
+  <p:timing>
+    <p:tnLst>
+      <p:par>
+        <p:cTn id="1" dur="indefinite" restart="never" nodeType="tmRoot"/>
+      </p:par>
+    </p:tnLst>
+  </p:timing>
+</p:sld>
+</file>
+
+<file path=ppt/slides/slide24.xml><?xml version="1.0" encoding="utf-8"?>
+<p:sld xmlns:a="http://schemas.openxmlformats.org/drawingml/2006/main" xmlns:r="http://schemas.openxmlformats.org/officeDocument/2006/relationships" xmlns:p="http://schemas.openxmlformats.org/presentationml/2006/main">
+  <p:cSld>
+    <p:spTree>
+      <p:nvGrpSpPr>
+        <p:cNvPr id="1" name=""/>
+        <p:cNvGrpSpPr/>
+        <p:nvPr/>
+      </p:nvGrpSpPr>
+      <p:grpSpPr>
+        <a:xfrm>
+          <a:off x="0" y="0"/>
+          <a:ext cx="0" cy="0"/>
+          <a:chOff x="0" y="0"/>
+          <a:chExt cx="0" cy="0"/>
+        </a:xfrm>
+      </p:grpSpPr>
+      <p:sp>
+        <p:nvSpPr>
+          <p:cNvPr id="2" name="Title 1"/>
+          <p:cNvSpPr>
+            <a:spLocks noGrp="1"/>
+          </p:cNvSpPr>
+          <p:nvPr>
+            <p:ph type="title"/>
+          </p:nvPr>
+        </p:nvSpPr>
+        <p:spPr/>
+        <p:txBody>
+          <a:bodyPr/>
+          <a:lstStyle/>
+          <a:p>
+            <a:r>
+              <a:rPr lang="en-US" dirty="0" smtClean="0"/>
+              <a:t>Create Project</a:t>
             </a:r>
             <a:endParaRPr lang="en-US" dirty="0"/>
           </a:p>
@@ -7218,7 +7626,7 @@
 </p:sld>
 </file>
 
-<file path=ppt/slides/slide24.xml><?xml version="1.0" encoding="utf-8"?>
+<file path=ppt/slides/slide25.xml><?xml version="1.0" encoding="utf-8"?>
 <p:sld xmlns:a="http://schemas.openxmlformats.org/drawingml/2006/main" xmlns:r="http://schemas.openxmlformats.org/officeDocument/2006/relationships" xmlns:p="http://schemas.openxmlformats.org/presentationml/2006/main">
   <p:cSld>
     <p:spTree>
@@ -7289,16 +7697,90 @@
           <a:effectLst/>
         </p:spPr>
       </p:pic>
+    </p:spTree>
+  </p:cSld>
+  <p:clrMapOvr>
+    <a:masterClrMapping/>
+  </p:clrMapOvr>
+  <p:timing>
+    <p:tnLst>
+      <p:par>
+        <p:cTn id="1" dur="indefinite" restart="never" nodeType="tmRoot"/>
+      </p:par>
+    </p:tnLst>
+  </p:timing>
+</p:sld>
+</file>
+
+<file path=ppt/slides/slide26.xml><?xml version="1.0" encoding="utf-8"?>
+<p:sld xmlns:a="http://schemas.openxmlformats.org/drawingml/2006/main" xmlns:r="http://schemas.openxmlformats.org/officeDocument/2006/relationships" xmlns:p="http://schemas.openxmlformats.org/presentationml/2006/main">
+  <p:cSld>
+    <p:spTree>
+      <p:nvGrpSpPr>
+        <p:cNvPr id="1" name=""/>
+        <p:cNvGrpSpPr/>
+        <p:nvPr/>
+      </p:nvGrpSpPr>
+      <p:grpSpPr>
+        <a:xfrm>
+          <a:off x="0" y="0"/>
+          <a:ext cx="0" cy="0"/>
+          <a:chOff x="0" y="0"/>
+          <a:chExt cx="0" cy="0"/>
+        </a:xfrm>
+      </p:grpSpPr>
+      <p:sp>
+        <p:nvSpPr>
+          <p:cNvPr id="2" name="Title 1"/>
+          <p:cNvSpPr>
+            <a:spLocks noGrp="1"/>
+          </p:cNvSpPr>
+          <p:nvPr>
+            <p:ph type="title"/>
+          </p:nvPr>
+        </p:nvSpPr>
+        <p:spPr/>
+        <p:txBody>
+          <a:bodyPr/>
+          <a:lstStyle/>
+          <a:p>
+            <a:r>
+              <a:rPr lang="en-US" dirty="0" smtClean="0"/>
+              <a:t>Version</a:t>
+            </a:r>
+            <a:endParaRPr lang="en-US" dirty="0"/>
+          </a:p>
+        </p:txBody>
+      </p:sp>
+      <p:sp>
+        <p:nvSpPr>
+          <p:cNvPr id="3" name="Content Placeholder 2"/>
+          <p:cNvSpPr>
+            <a:spLocks noGrp="1"/>
+          </p:cNvSpPr>
+          <p:nvPr>
+            <p:ph idx="1"/>
+          </p:nvPr>
+        </p:nvSpPr>
+        <p:spPr/>
+        <p:txBody>
+          <a:bodyPr/>
+          <a:lstStyle/>
+          <a:p>
+            <a:endParaRPr lang="en-US"/>
+          </a:p>
+        </p:txBody>
+      </p:sp>
       <p:pic>
         <p:nvPicPr>
-          <p:cNvPr id="5" name="Picture 6" descr="undefined"/>
+          <p:cNvPr id="4" name="Picture 6" descr="undefined"/>
           <p:cNvPicPr>
             <a:picLocks noChangeAspect="1" noChangeArrowheads="1"/>
           </p:cNvPicPr>
           <p:nvPr/>
         </p:nvPicPr>
         <p:blipFill>
-          <a:blip r:embed="rId3"/>
+          <a:blip r:embed="rId2"/>
           <a:srcRect/>
           <a:stretch>
             <a:fillRect/>
@@ -7306,8 +7788,8 @@
         </p:blipFill>
         <p:spPr bwMode="auto">
           <a:xfrm>
-            <a:off x="5334000" y="457200"/>
-            <a:ext cx="4762500" cy="2381250"/>
+            <a:off x="1143000" y="2209800"/>
+            <a:ext cx="7048500" cy="3524250"/>
           </a:xfrm>
           <a:prstGeom prst="rect">
             <a:avLst/>
@@ -7320,10 +7802,17 @@
   <p:clrMapOvr>
     <a:masterClrMapping/>
   </p:clrMapOvr>
+  <p:timing>
+    <p:tnLst>
+      <p:par>
+        <p:cTn id="1" dur="indefinite" restart="never" nodeType="tmRoot"/>
+      </p:par>
+    </p:tnLst>
+  </p:timing>
 </p:sld>
 </file>
 
-<file path=ppt/slides/slide25.xml><?xml version="1.0" encoding="utf-8"?>
+<file path=ppt/slides/slide27.xml><?xml version="1.0" encoding="utf-8"?>
 <p:sld xmlns:a="http://schemas.openxmlformats.org/drawingml/2006/main" xmlns:r="http://schemas.openxmlformats.org/officeDocument/2006/relationships" xmlns:p="http://schemas.openxmlformats.org/presentationml/2006/main">
   <p:cSld>
     <p:spTree>
@@ -7399,10 +7888,17 @@
   <p:clrMapOvr>
     <a:masterClrMapping/>
   </p:clrMapOvr>
+  <p:timing>
+    <p:tnLst>
+      <p:par>
+        <p:cTn id="1" dur="indefinite" restart="never" nodeType="tmRoot"/>
+      </p:par>
+    </p:tnLst>
+  </p:timing>
 </p:sld>
 </file>
 
-<file path=ppt/slides/slide26.xml><?xml version="1.0" encoding="utf-8"?>
+<file path=ppt/slides/slide28.xml><?xml version="1.0" encoding="utf-8"?>
 <p:sld xmlns:a="http://schemas.openxmlformats.org/drawingml/2006/main" xmlns:r="http://schemas.openxmlformats.org/officeDocument/2006/relationships" xmlns:p="http://schemas.openxmlformats.org/presentationml/2006/main">
   <p:cSld>
     <p:spTree>
@@ -7495,198 +7991,13 @@
   <p:clrMapOvr>
     <a:masterClrMapping/>
   </p:clrMapOvr>
-</p:sld>
-</file>
-
-<file path=ppt/slides/slide27.xml><?xml version="1.0" encoding="utf-8"?>
-<p:sld xmlns:a="http://schemas.openxmlformats.org/drawingml/2006/main" xmlns:r="http://schemas.openxmlformats.org/officeDocument/2006/relationships" xmlns:p="http://schemas.openxmlformats.org/presentationml/2006/main">
-  <p:cSld>
-    <p:spTree>
-      <p:nvGrpSpPr>
-        <p:cNvPr id="1" name=""/>
-        <p:cNvGrpSpPr/>
-        <p:nvPr/>
-      </p:nvGrpSpPr>
-      <p:grpSpPr>
-        <a:xfrm>
-          <a:off x="0" y="0"/>
-          <a:ext cx="0" cy="0"/>
-          <a:chOff x="0" y="0"/>
-          <a:chExt cx="0" cy="0"/>
-        </a:xfrm>
-      </p:grpSpPr>
-      <p:sp>
-        <p:nvSpPr>
-          <p:cNvPr id="2" name="Title 1"/>
-          <p:cNvSpPr>
-            <a:spLocks noGrp="1"/>
-          </p:cNvSpPr>
-          <p:nvPr>
-            <p:ph type="title"/>
-          </p:nvPr>
-        </p:nvSpPr>
-        <p:spPr/>
-        <p:txBody>
-          <a:bodyPr/>
-          <a:lstStyle/>
-          <a:p>
-            <a:endParaRPr lang="en-US"/>
-          </a:p>
-        </p:txBody>
-      </p:sp>
-      <p:sp>
-        <p:nvSpPr>
-          <p:cNvPr id="3" name="Content Placeholder 2"/>
-          <p:cNvSpPr>
-            <a:spLocks noGrp="1"/>
-          </p:cNvSpPr>
-          <p:nvPr>
-            <p:ph idx="1"/>
-          </p:nvPr>
-        </p:nvSpPr>
-        <p:spPr/>
-        <p:txBody>
-          <a:bodyPr/>
-          <a:lstStyle/>
-          <a:p>
-            <a:endParaRPr lang="en-US"/>
-          </a:p>
-        </p:txBody>
-      </p:sp>
-      <p:pic>
-        <p:nvPicPr>
-          <p:cNvPr id="5122" name="Picture 2"/>
-          <p:cNvPicPr>
-            <a:picLocks noChangeAspect="1" noChangeArrowheads="1"/>
-          </p:cNvPicPr>
-          <p:nvPr/>
-        </p:nvPicPr>
-        <p:blipFill>
-          <a:blip r:embed="rId2"/>
-          <a:srcRect/>
-          <a:stretch>
-            <a:fillRect/>
-          </a:stretch>
-        </p:blipFill>
-        <p:spPr bwMode="auto">
-          <a:xfrm>
-            <a:off x="1828800" y="1066800"/>
-            <a:ext cx="5486400" cy="4743450"/>
-          </a:xfrm>
-          <a:prstGeom prst="rect">
-            <a:avLst/>
-          </a:prstGeom>
-          <a:noFill/>
-          <a:ln w="9525">
-            <a:noFill/>
-            <a:miter lim="800000"/>
-            <a:headEnd/>
-            <a:tailEnd/>
-          </a:ln>
-          <a:effectLst/>
-        </p:spPr>
-      </p:pic>
-    </p:spTree>
-  </p:cSld>
-  <p:clrMapOvr>
-    <a:masterClrMapping/>
-  </p:clrMapOvr>
-</p:sld>
-</file>
-
-<file path=ppt/slides/slide28.xml><?xml version="1.0" encoding="utf-8"?>
-<p:sld xmlns:a="http://schemas.openxmlformats.org/drawingml/2006/main" xmlns:r="http://schemas.openxmlformats.org/officeDocument/2006/relationships" xmlns:p="http://schemas.openxmlformats.org/presentationml/2006/main">
-  <p:cSld>
-    <p:spTree>
-      <p:nvGrpSpPr>
-        <p:cNvPr id="1" name=""/>
-        <p:cNvGrpSpPr/>
-        <p:nvPr/>
-      </p:nvGrpSpPr>
-      <p:grpSpPr>
-        <a:xfrm>
-          <a:off x="0" y="0"/>
-          <a:ext cx="0" cy="0"/>
-          <a:chOff x="0" y="0"/>
-          <a:chExt cx="0" cy="0"/>
-        </a:xfrm>
-      </p:grpSpPr>
-      <p:sp>
-        <p:nvSpPr>
-          <p:cNvPr id="2" name="Title 1"/>
-          <p:cNvSpPr>
-            <a:spLocks noGrp="1"/>
-          </p:cNvSpPr>
-          <p:nvPr>
-            <p:ph type="title"/>
-          </p:nvPr>
-        </p:nvSpPr>
-        <p:spPr/>
-        <p:txBody>
-          <a:bodyPr/>
-          <a:lstStyle/>
-          <a:p>
-            <a:endParaRPr lang="en-US"/>
-          </a:p>
-        </p:txBody>
-      </p:sp>
-      <p:sp>
-        <p:nvSpPr>
-          <p:cNvPr id="3" name="Content Placeholder 2"/>
-          <p:cNvSpPr>
-            <a:spLocks noGrp="1"/>
-          </p:cNvSpPr>
-          <p:nvPr>
-            <p:ph idx="1"/>
-          </p:nvPr>
-        </p:nvSpPr>
-        <p:spPr/>
-        <p:txBody>
-          <a:bodyPr/>
-          <a:lstStyle/>
-          <a:p>
-            <a:endParaRPr lang="en-US"/>
-          </a:p>
-        </p:txBody>
-      </p:sp>
-      <p:pic>
-        <p:nvPicPr>
-          <p:cNvPr id="6146" name="Picture 2"/>
-          <p:cNvPicPr>
-            <a:picLocks noChangeAspect="1" noChangeArrowheads="1"/>
-          </p:cNvPicPr>
-          <p:nvPr/>
-        </p:nvPicPr>
-        <p:blipFill>
-          <a:blip r:embed="rId2"/>
-          <a:srcRect/>
-          <a:stretch>
-            <a:fillRect/>
-          </a:stretch>
-        </p:blipFill>
-        <p:spPr bwMode="auto">
-          <a:xfrm>
-            <a:off x="381001" y="426889"/>
-            <a:ext cx="8339686" cy="5973911"/>
-          </a:xfrm>
-          <a:prstGeom prst="rect">
-            <a:avLst/>
-          </a:prstGeom>
-          <a:noFill/>
-          <a:ln w="9525">
-            <a:noFill/>
-            <a:miter lim="800000"/>
-            <a:headEnd/>
-            <a:tailEnd/>
-          </a:ln>
-          <a:effectLst/>
-        </p:spPr>
-      </p:pic>
-    </p:spTree>
-  </p:cSld>
-  <p:clrMapOvr>
-    <a:masterClrMapping/>
-  </p:clrMapOvr>
+  <p:timing>
+    <p:tnLst>
+      <p:par>
+        <p:cTn id="1" dur="indefinite" restart="never" nodeType="tmRoot"/>
+      </p:par>
+    </p:tnLst>
+  </p:timing>
 </p:sld>
 </file>
 
@@ -7747,7 +8058,7 @@
       </p:sp>
       <p:pic>
         <p:nvPicPr>
-          <p:cNvPr id="7170" name="Picture 2"/>
+          <p:cNvPr id="5122" name="Picture 2"/>
           <p:cNvPicPr>
             <a:picLocks noChangeAspect="1" noChangeArrowheads="1"/>
           </p:cNvPicPr>
@@ -7762,8 +8073,8 @@
         </p:blipFill>
         <p:spPr bwMode="auto">
           <a:xfrm>
-            <a:off x="1566863" y="1276350"/>
-            <a:ext cx="6010275" cy="4305300"/>
+            <a:off x="457200" y="685800"/>
+            <a:ext cx="6477000" cy="5599907"/>
           </a:xfrm>
           <a:prstGeom prst="rect">
             <a:avLst/>
@@ -7783,6 +8094,13 @@
   <p:clrMapOvr>
     <a:masterClrMapping/>
   </p:clrMapOvr>
+  <p:timing>
+    <p:tnLst>
+      <p:par>
+        <p:cTn id="1" dur="indefinite" restart="never" nodeType="tmRoot"/>
+      </p:par>
+    </p:tnLst>
+  </p:timing>
 </p:sld>
 </file>
 
@@ -7820,7 +8138,7 @@
           <a:p>
             <a:r>
               <a:rPr lang="en-US" dirty="0" smtClean="0"/>
-              <a:t>Before Android</a:t>
+              <a:t>What is Android?</a:t>
             </a:r>
             <a:endParaRPr lang="en-US" dirty="0"/>
           </a:p>
@@ -7838,988 +8156,44 @@
         </p:nvSpPr>
         <p:spPr/>
         <p:txBody>
-          <a:bodyPr/>
+          <a:bodyPr>
+            <a:normAutofit lnSpcReduction="10000"/>
+          </a:bodyPr>
           <a:lstStyle/>
           <a:p>
             <a:endParaRPr lang="en-US" dirty="0" smtClean="0"/>
           </a:p>
           <a:p>
+            <a:r>
+              <a:rPr lang="en-US" dirty="0" smtClean="0"/>
+              <a:t>“An </a:t>
+            </a:r>
+            <a:r>
+              <a:rPr lang="en-US" dirty="0" smtClean="0"/>
+              <a:t>automaton that is created from biological materials and resembles a human. Also called humanoid</a:t>
+            </a:r>
+            <a:r>
+              <a:rPr lang="en-US" dirty="0" smtClean="0"/>
+              <a:t>.”</a:t>
+            </a:r>
             <a:endParaRPr lang="en-US" dirty="0" smtClean="0"/>
           </a:p>
           <a:p>
+            <a:r>
+              <a:rPr lang="en-US" dirty="0" smtClean="0"/>
+              <a:t>Operating System from Google</a:t>
+            </a:r>
+          </a:p>
+          <a:p>
+            <a:r>
+              <a:rPr lang="en-US" dirty="0" smtClean="0"/>
+              <a:t>Open </a:t>
+            </a:r>
+            <a:r>
+              <a:rPr lang="en-US" dirty="0" smtClean="0"/>
+              <a:t>Source</a:t>
+            </a:r>
             <a:endParaRPr lang="en-US" dirty="0" smtClean="0"/>
-          </a:p>
-          <a:p>
-            <a:endParaRPr lang="en-US" dirty="0" smtClean="0"/>
-          </a:p>
-          <a:p>
-            <a:r>
-              <a:rPr lang="en-US" dirty="0" smtClean="0"/>
-              <a:t>Embedded Programming</a:t>
-            </a:r>
-          </a:p>
-          <a:p>
-            <a:r>
-              <a:rPr lang="en-US" dirty="0" smtClean="0"/>
-              <a:t>Hardware Dependant</a:t>
-            </a:r>
-          </a:p>
-          <a:p>
-            <a:r>
-              <a:rPr lang="en-US" dirty="0" smtClean="0"/>
-              <a:t>J2ME</a:t>
-            </a:r>
-          </a:p>
-          <a:p>
-            <a:r>
-              <a:rPr lang="en-US" dirty="0" err="1" smtClean="0"/>
-              <a:t>Symbian</a:t>
-            </a:r>
-            <a:endParaRPr lang="en-US" dirty="0" smtClean="0"/>
-          </a:p>
-          <a:p>
-            <a:r>
-              <a:rPr lang="en-US" dirty="0" err="1" smtClean="0"/>
-              <a:t>iOS</a:t>
-            </a:r>
-            <a:endParaRPr lang="en-US" dirty="0"/>
-          </a:p>
-        </p:txBody>
-      </p:sp>
-    </p:spTree>
-  </p:cSld>
-  <p:clrMapOvr>
-    <a:masterClrMapping/>
-  </p:clrMapOvr>
-  <p:timing>
-    <p:tnLst>
-      <p:par>
-        <p:cTn id="1" dur="indefinite" restart="never" nodeType="tmRoot"/>
-      </p:par>
-    </p:tnLst>
-  </p:timing>
-</p:sld>
-</file>
-
-<file path=ppt/slides/slide30.xml><?xml version="1.0" encoding="utf-8"?>
-<p:sld xmlns:a="http://schemas.openxmlformats.org/drawingml/2006/main" xmlns:r="http://schemas.openxmlformats.org/officeDocument/2006/relationships" xmlns:p="http://schemas.openxmlformats.org/presentationml/2006/main">
-  <p:cSld>
-    <p:spTree>
-      <p:nvGrpSpPr>
-        <p:cNvPr id="1" name=""/>
-        <p:cNvGrpSpPr/>
-        <p:nvPr/>
-      </p:nvGrpSpPr>
-      <p:grpSpPr>
-        <a:xfrm>
-          <a:off x="0" y="0"/>
-          <a:ext cx="0" cy="0"/>
-          <a:chOff x="0" y="0"/>
-          <a:chExt cx="0" cy="0"/>
-        </a:xfrm>
-      </p:grpSpPr>
-      <p:sp>
-        <p:nvSpPr>
-          <p:cNvPr id="2" name="Title 1"/>
-          <p:cNvSpPr>
-            <a:spLocks noGrp="1"/>
-          </p:cNvSpPr>
-          <p:nvPr>
-            <p:ph type="title"/>
-          </p:nvPr>
-        </p:nvSpPr>
-        <p:spPr/>
-        <p:txBody>
-          <a:bodyPr/>
-          <a:lstStyle/>
-          <a:p>
-            <a:endParaRPr lang="en-US"/>
-          </a:p>
-        </p:txBody>
-      </p:sp>
-      <p:sp>
-        <p:nvSpPr>
-          <p:cNvPr id="3" name="Content Placeholder 2"/>
-          <p:cNvSpPr>
-            <a:spLocks noGrp="1"/>
-          </p:cNvSpPr>
-          <p:nvPr>
-            <p:ph idx="1"/>
-          </p:nvPr>
-        </p:nvSpPr>
-        <p:spPr/>
-        <p:txBody>
-          <a:bodyPr/>
-          <a:lstStyle/>
-          <a:p>
-            <a:endParaRPr lang="en-US"/>
-          </a:p>
-        </p:txBody>
-      </p:sp>
-      <p:pic>
-        <p:nvPicPr>
-          <p:cNvPr id="8194" name="Picture 2"/>
-          <p:cNvPicPr>
-            <a:picLocks noChangeAspect="1" noChangeArrowheads="1"/>
-          </p:cNvPicPr>
-          <p:nvPr/>
-        </p:nvPicPr>
-        <p:blipFill>
-          <a:blip r:embed="rId2"/>
-          <a:srcRect/>
-          <a:stretch>
-            <a:fillRect/>
-          </a:stretch>
-        </p:blipFill>
-        <p:spPr bwMode="auto">
-          <a:xfrm>
-            <a:off x="1204913" y="1023938"/>
-            <a:ext cx="6732587" cy="4810125"/>
-          </a:xfrm>
-          <a:prstGeom prst="rect">
-            <a:avLst/>
-          </a:prstGeom>
-          <a:noFill/>
-          <a:ln w="9525">
-            <a:noFill/>
-            <a:miter lim="800000"/>
-            <a:headEnd/>
-            <a:tailEnd/>
-          </a:ln>
-          <a:effectLst/>
-        </p:spPr>
-      </p:pic>
-    </p:spTree>
-  </p:cSld>
-  <p:clrMapOvr>
-    <a:masterClrMapping/>
-  </p:clrMapOvr>
-</p:sld>
-</file>
-
-<file path=ppt/slides/slide31.xml><?xml version="1.0" encoding="utf-8"?>
-<p:sld xmlns:a="http://schemas.openxmlformats.org/drawingml/2006/main" xmlns:r="http://schemas.openxmlformats.org/officeDocument/2006/relationships" xmlns:p="http://schemas.openxmlformats.org/presentationml/2006/main">
-  <p:cSld>
-    <p:spTree>
-      <p:nvGrpSpPr>
-        <p:cNvPr id="1" name=""/>
-        <p:cNvGrpSpPr/>
-        <p:nvPr/>
-      </p:nvGrpSpPr>
-      <p:grpSpPr>
-        <a:xfrm>
-          <a:off x="0" y="0"/>
-          <a:ext cx="0" cy="0"/>
-          <a:chOff x="0" y="0"/>
-          <a:chExt cx="0" cy="0"/>
-        </a:xfrm>
-      </p:grpSpPr>
-      <p:sp>
-        <p:nvSpPr>
-          <p:cNvPr id="2" name="Title 1"/>
-          <p:cNvSpPr>
-            <a:spLocks noGrp="1"/>
-          </p:cNvSpPr>
-          <p:nvPr>
-            <p:ph type="title"/>
-          </p:nvPr>
-        </p:nvSpPr>
-        <p:spPr/>
-        <p:txBody>
-          <a:bodyPr/>
-          <a:lstStyle/>
-          <a:p>
-            <a:endParaRPr lang="en-US"/>
-          </a:p>
-        </p:txBody>
-      </p:sp>
-      <p:sp>
-        <p:nvSpPr>
-          <p:cNvPr id="3" name="Content Placeholder 2"/>
-          <p:cNvSpPr>
-            <a:spLocks noGrp="1"/>
-          </p:cNvSpPr>
-          <p:nvPr>
-            <p:ph idx="1"/>
-          </p:nvPr>
-        </p:nvSpPr>
-        <p:spPr/>
-        <p:txBody>
-          <a:bodyPr/>
-          <a:lstStyle/>
-          <a:p>
-            <a:endParaRPr lang="en-US"/>
-          </a:p>
-        </p:txBody>
-      </p:sp>
-      <p:pic>
-        <p:nvPicPr>
-          <p:cNvPr id="9218" name="Picture 2"/>
-          <p:cNvPicPr>
-            <a:picLocks noChangeAspect="1" noChangeArrowheads="1"/>
-          </p:cNvPicPr>
-          <p:nvPr/>
-        </p:nvPicPr>
-        <p:blipFill>
-          <a:blip r:embed="rId2"/>
-          <a:srcRect/>
-          <a:stretch>
-            <a:fillRect/>
-          </a:stretch>
-        </p:blipFill>
-        <p:spPr bwMode="auto">
-          <a:xfrm>
-            <a:off x="1981200" y="557213"/>
-            <a:ext cx="5181600" cy="5743575"/>
-          </a:xfrm>
-          <a:prstGeom prst="rect">
-            <a:avLst/>
-          </a:prstGeom>
-          <a:noFill/>
-          <a:ln w="9525">
-            <a:noFill/>
-            <a:miter lim="800000"/>
-            <a:headEnd/>
-            <a:tailEnd/>
-          </a:ln>
-          <a:effectLst/>
-        </p:spPr>
-      </p:pic>
-    </p:spTree>
-  </p:cSld>
-  <p:clrMapOvr>
-    <a:masterClrMapping/>
-  </p:clrMapOvr>
-</p:sld>
-</file>
-
-<file path=ppt/slides/slide32.xml><?xml version="1.0" encoding="utf-8"?>
-<p:sld xmlns:a="http://schemas.openxmlformats.org/drawingml/2006/main" xmlns:r="http://schemas.openxmlformats.org/officeDocument/2006/relationships" xmlns:p="http://schemas.openxmlformats.org/presentationml/2006/main">
-  <p:cSld>
-    <p:spTree>
-      <p:nvGrpSpPr>
-        <p:cNvPr id="1" name=""/>
-        <p:cNvGrpSpPr/>
-        <p:nvPr/>
-      </p:nvGrpSpPr>
-      <p:grpSpPr>
-        <a:xfrm>
-          <a:off x="0" y="0"/>
-          <a:ext cx="0" cy="0"/>
-          <a:chOff x="0" y="0"/>
-          <a:chExt cx="0" cy="0"/>
-        </a:xfrm>
-      </p:grpSpPr>
-      <p:sp>
-        <p:nvSpPr>
-          <p:cNvPr id="2" name="Title 1"/>
-          <p:cNvSpPr>
-            <a:spLocks noGrp="1"/>
-          </p:cNvSpPr>
-          <p:nvPr>
-            <p:ph type="title"/>
-          </p:nvPr>
-        </p:nvSpPr>
-        <p:spPr/>
-        <p:txBody>
-          <a:bodyPr/>
-          <a:lstStyle/>
-          <a:p>
-            <a:endParaRPr lang="en-US"/>
-          </a:p>
-        </p:txBody>
-      </p:sp>
-      <p:sp>
-        <p:nvSpPr>
-          <p:cNvPr id="3" name="Content Placeholder 2"/>
-          <p:cNvSpPr>
-            <a:spLocks noGrp="1"/>
-          </p:cNvSpPr>
-          <p:nvPr>
-            <p:ph idx="1"/>
-          </p:nvPr>
-        </p:nvSpPr>
-        <p:spPr/>
-        <p:txBody>
-          <a:bodyPr/>
-          <a:lstStyle/>
-          <a:p>
-            <a:endParaRPr lang="en-US"/>
-          </a:p>
-        </p:txBody>
-      </p:sp>
-      <p:pic>
-        <p:nvPicPr>
-          <p:cNvPr id="10242" name="Picture 2"/>
-          <p:cNvPicPr>
-            <a:picLocks noChangeAspect="1" noChangeArrowheads="1"/>
-          </p:cNvPicPr>
-          <p:nvPr/>
-        </p:nvPicPr>
-        <p:blipFill>
-          <a:blip r:embed="rId2"/>
-          <a:srcRect/>
-          <a:stretch>
-            <a:fillRect/>
-          </a:stretch>
-        </p:blipFill>
-        <p:spPr bwMode="auto">
-          <a:xfrm>
-            <a:off x="1204913" y="1028700"/>
-            <a:ext cx="6732587" cy="4800600"/>
-          </a:xfrm>
-          <a:prstGeom prst="rect">
-            <a:avLst/>
-          </a:prstGeom>
-          <a:noFill/>
-          <a:ln w="9525">
-            <a:noFill/>
-            <a:miter lim="800000"/>
-            <a:headEnd/>
-            <a:tailEnd/>
-          </a:ln>
-          <a:effectLst/>
-        </p:spPr>
-      </p:pic>
-    </p:spTree>
-  </p:cSld>
-  <p:clrMapOvr>
-    <a:masterClrMapping/>
-  </p:clrMapOvr>
-</p:sld>
-</file>
-
-<file path=ppt/slides/slide33.xml><?xml version="1.0" encoding="utf-8"?>
-<p:sld xmlns:a="http://schemas.openxmlformats.org/drawingml/2006/main" xmlns:r="http://schemas.openxmlformats.org/officeDocument/2006/relationships" xmlns:p="http://schemas.openxmlformats.org/presentationml/2006/main">
-  <p:cSld>
-    <p:spTree>
-      <p:nvGrpSpPr>
-        <p:cNvPr id="1" name=""/>
-        <p:cNvGrpSpPr/>
-        <p:nvPr/>
-      </p:nvGrpSpPr>
-      <p:grpSpPr>
-        <a:xfrm>
-          <a:off x="0" y="0"/>
-          <a:ext cx="0" cy="0"/>
-          <a:chOff x="0" y="0"/>
-          <a:chExt cx="0" cy="0"/>
-        </a:xfrm>
-      </p:grpSpPr>
-      <p:sp>
-        <p:nvSpPr>
-          <p:cNvPr id="2" name="Title 1"/>
-          <p:cNvSpPr>
-            <a:spLocks noGrp="1"/>
-          </p:cNvSpPr>
-          <p:nvPr>
-            <p:ph type="title"/>
-          </p:nvPr>
-        </p:nvSpPr>
-        <p:spPr/>
-        <p:txBody>
-          <a:bodyPr/>
-          <a:lstStyle/>
-          <a:p>
-            <a:endParaRPr lang="en-US"/>
-          </a:p>
-        </p:txBody>
-      </p:sp>
-      <p:sp>
-        <p:nvSpPr>
-          <p:cNvPr id="3" name="Content Placeholder 2"/>
-          <p:cNvSpPr>
-            <a:spLocks noGrp="1"/>
-          </p:cNvSpPr>
-          <p:nvPr>
-            <p:ph idx="1"/>
-          </p:nvPr>
-        </p:nvSpPr>
-        <p:spPr/>
-        <p:txBody>
-          <a:bodyPr/>
-          <a:lstStyle/>
-          <a:p>
-            <a:endParaRPr lang="en-US"/>
-          </a:p>
-        </p:txBody>
-      </p:sp>
-      <p:pic>
-        <p:nvPicPr>
-          <p:cNvPr id="11266" name="Picture 2"/>
-          <p:cNvPicPr>
-            <a:picLocks noChangeAspect="1" noChangeArrowheads="1"/>
-          </p:cNvPicPr>
-          <p:nvPr/>
-        </p:nvPicPr>
-        <p:blipFill>
-          <a:blip r:embed="rId2"/>
-          <a:srcRect/>
-          <a:stretch>
-            <a:fillRect/>
-          </a:stretch>
-        </p:blipFill>
-        <p:spPr bwMode="auto">
-          <a:xfrm>
-            <a:off x="1576388" y="1276350"/>
-            <a:ext cx="5991225" cy="4305300"/>
-          </a:xfrm>
-          <a:prstGeom prst="rect">
-            <a:avLst/>
-          </a:prstGeom>
-          <a:noFill/>
-          <a:ln w="9525">
-            <a:noFill/>
-            <a:miter lim="800000"/>
-            <a:headEnd/>
-            <a:tailEnd/>
-          </a:ln>
-          <a:effectLst/>
-        </p:spPr>
-      </p:pic>
-    </p:spTree>
-  </p:cSld>
-  <p:clrMapOvr>
-    <a:masterClrMapping/>
-  </p:clrMapOvr>
-</p:sld>
-</file>
-
-<file path=ppt/slides/slide34.xml><?xml version="1.0" encoding="utf-8"?>
-<p:sld xmlns:a="http://schemas.openxmlformats.org/drawingml/2006/main" xmlns:r="http://schemas.openxmlformats.org/officeDocument/2006/relationships" xmlns:p="http://schemas.openxmlformats.org/presentationml/2006/main">
-  <p:cSld>
-    <p:spTree>
-      <p:nvGrpSpPr>
-        <p:cNvPr id="1" name=""/>
-        <p:cNvGrpSpPr/>
-        <p:nvPr/>
-      </p:nvGrpSpPr>
-      <p:grpSpPr>
-        <a:xfrm>
-          <a:off x="0" y="0"/>
-          <a:ext cx="0" cy="0"/>
-          <a:chOff x="0" y="0"/>
-          <a:chExt cx="0" cy="0"/>
-        </a:xfrm>
-      </p:grpSpPr>
-      <p:sp>
-        <p:nvSpPr>
-          <p:cNvPr id="2" name="Title 1"/>
-          <p:cNvSpPr>
-            <a:spLocks noGrp="1"/>
-          </p:cNvSpPr>
-          <p:nvPr>
-            <p:ph type="title"/>
-          </p:nvPr>
-        </p:nvSpPr>
-        <p:spPr/>
-        <p:txBody>
-          <a:bodyPr/>
-          <a:lstStyle/>
-          <a:p>
-            <a:endParaRPr lang="en-US"/>
-          </a:p>
-        </p:txBody>
-      </p:sp>
-      <p:sp>
-        <p:nvSpPr>
-          <p:cNvPr id="3" name="Content Placeholder 2"/>
-          <p:cNvSpPr>
-            <a:spLocks noGrp="1"/>
-          </p:cNvSpPr>
-          <p:nvPr>
-            <p:ph idx="1"/>
-          </p:nvPr>
-        </p:nvSpPr>
-        <p:spPr/>
-        <p:txBody>
-          <a:bodyPr/>
-          <a:lstStyle/>
-          <a:p>
-            <a:endParaRPr lang="en-US"/>
-          </a:p>
-        </p:txBody>
-      </p:sp>
-      <p:pic>
-        <p:nvPicPr>
-          <p:cNvPr id="12290" name="Picture 2"/>
-          <p:cNvPicPr>
-            <a:picLocks noChangeAspect="1" noChangeArrowheads="1"/>
-          </p:cNvPicPr>
-          <p:nvPr/>
-        </p:nvPicPr>
-        <p:blipFill>
-          <a:blip r:embed="rId2"/>
-          <a:srcRect/>
-          <a:stretch>
-            <a:fillRect/>
-          </a:stretch>
-        </p:blipFill>
-        <p:spPr bwMode="auto">
-          <a:xfrm>
-            <a:off x="1314450" y="514350"/>
-            <a:ext cx="6513513" cy="5829300"/>
-          </a:xfrm>
-          <a:prstGeom prst="rect">
-            <a:avLst/>
-          </a:prstGeom>
-          <a:noFill/>
-          <a:ln w="9525">
-            <a:noFill/>
-            <a:miter lim="800000"/>
-            <a:headEnd/>
-            <a:tailEnd/>
-          </a:ln>
-          <a:effectLst/>
-        </p:spPr>
-      </p:pic>
-    </p:spTree>
-  </p:cSld>
-  <p:clrMapOvr>
-    <a:masterClrMapping/>
-  </p:clrMapOvr>
-</p:sld>
-</file>
-
-<file path=ppt/slides/slide35.xml><?xml version="1.0" encoding="utf-8"?>
-<p:sld xmlns:a="http://schemas.openxmlformats.org/drawingml/2006/main" xmlns:r="http://schemas.openxmlformats.org/officeDocument/2006/relationships" xmlns:p="http://schemas.openxmlformats.org/presentationml/2006/main">
-  <p:cSld>
-    <p:spTree>
-      <p:nvGrpSpPr>
-        <p:cNvPr id="1" name=""/>
-        <p:cNvGrpSpPr/>
-        <p:nvPr/>
-      </p:nvGrpSpPr>
-      <p:grpSpPr>
-        <a:xfrm>
-          <a:off x="0" y="0"/>
-          <a:ext cx="0" cy="0"/>
-          <a:chOff x="0" y="0"/>
-          <a:chExt cx="0" cy="0"/>
-        </a:xfrm>
-      </p:grpSpPr>
-      <p:sp>
-        <p:nvSpPr>
-          <p:cNvPr id="2" name="Title 1"/>
-          <p:cNvSpPr>
-            <a:spLocks noGrp="1"/>
-          </p:cNvSpPr>
-          <p:nvPr>
-            <p:ph type="title"/>
-          </p:nvPr>
-        </p:nvSpPr>
-        <p:spPr/>
-        <p:txBody>
-          <a:bodyPr>
-            <a:normAutofit/>
-          </a:bodyPr>
-          <a:lstStyle/>
-          <a:p>
-            <a:r>
-              <a:rPr lang="en-US" dirty="0" smtClean="0"/>
-              <a:t>Questions and Answers</a:t>
-            </a:r>
-            <a:endParaRPr lang="en-US" dirty="0"/>
-          </a:p>
-        </p:txBody>
-      </p:sp>
-      <p:sp>
-        <p:nvSpPr>
-          <p:cNvPr id="3" name="Content Placeholder 2"/>
-          <p:cNvSpPr>
-            <a:spLocks noGrp="1"/>
-          </p:cNvSpPr>
-          <p:nvPr>
-            <p:ph idx="1"/>
-          </p:nvPr>
-        </p:nvSpPr>
-        <p:spPr/>
-        <p:txBody>
-          <a:bodyPr/>
-          <a:lstStyle/>
-          <a:p>
-            <a:endParaRPr lang="en-US"/>
-          </a:p>
-        </p:txBody>
-      </p:sp>
-    </p:spTree>
-  </p:cSld>
-  <p:clrMapOvr>
-    <a:masterClrMapping/>
-  </p:clrMapOvr>
-  <p:timing>
-    <p:tnLst>
-      <p:par>
-        <p:cTn id="1" dur="indefinite" restart="never" nodeType="tmRoot"/>
-      </p:par>
-    </p:tnLst>
-  </p:timing>
-</p:sld>
-</file>
-
-<file path=ppt/slides/slide36.xml><?xml version="1.0" encoding="utf-8"?>
-<p:sld xmlns:a="http://schemas.openxmlformats.org/drawingml/2006/main" xmlns:r="http://schemas.openxmlformats.org/officeDocument/2006/relationships" xmlns:p="http://schemas.openxmlformats.org/presentationml/2006/main">
-  <p:cSld>
-    <p:spTree>
-      <p:nvGrpSpPr>
-        <p:cNvPr id="1" name=""/>
-        <p:cNvGrpSpPr/>
-        <p:nvPr/>
-      </p:nvGrpSpPr>
-      <p:grpSpPr>
-        <a:xfrm>
-          <a:off x="0" y="0"/>
-          <a:ext cx="0" cy="0"/>
-          <a:chOff x="0" y="0"/>
-          <a:chExt cx="0" cy="0"/>
-        </a:xfrm>
-      </p:grpSpPr>
-      <p:sp>
-        <p:nvSpPr>
-          <p:cNvPr id="2" name="Title 1"/>
-          <p:cNvSpPr>
-            <a:spLocks noGrp="1"/>
-          </p:cNvSpPr>
-          <p:nvPr>
-            <p:ph type="title"/>
-          </p:nvPr>
-        </p:nvSpPr>
-        <p:spPr/>
-        <p:txBody>
-          <a:bodyPr/>
-          <a:lstStyle/>
-          <a:p>
-            <a:r>
-              <a:rPr lang="en-US" dirty="0" smtClean="0"/>
-              <a:t>Further Help</a:t>
-            </a:r>
-            <a:endParaRPr lang="en-US" dirty="0"/>
-          </a:p>
-        </p:txBody>
-      </p:sp>
-      <p:sp>
-        <p:nvSpPr>
-          <p:cNvPr id="3" name="Content Placeholder 2"/>
-          <p:cNvSpPr>
-            <a:spLocks noGrp="1"/>
-          </p:cNvSpPr>
-          <p:nvPr>
-            <p:ph idx="1"/>
-          </p:nvPr>
-        </p:nvSpPr>
-        <p:spPr/>
-        <p:txBody>
-          <a:bodyPr/>
-          <a:lstStyle/>
-          <a:p>
-            <a:pPr marL="425450" indent="-320675">
-              <a:buSzPct val="45000"/>
-              <a:buFont typeface="Wingdings" charset="2"/>
-              <a:buChar char=""/>
-              <a:tabLst>
-                <a:tab pos="425450" algn="l"/>
-                <a:tab pos="538163" algn="l"/>
-                <a:tab pos="995363" algn="l"/>
-                <a:tab pos="1452563" algn="l"/>
-                <a:tab pos="1909763" algn="l"/>
-                <a:tab pos="2366963" algn="l"/>
-                <a:tab pos="2824163" algn="l"/>
-                <a:tab pos="3281363" algn="l"/>
-                <a:tab pos="3738563" algn="l"/>
-                <a:tab pos="4195763" algn="l"/>
-                <a:tab pos="4652963" algn="l"/>
-                <a:tab pos="5110163" algn="l"/>
-                <a:tab pos="5567363" algn="l"/>
-                <a:tab pos="6024563" algn="l"/>
-                <a:tab pos="6481763" algn="l"/>
-                <a:tab pos="6938963" algn="l"/>
-                <a:tab pos="7396163" algn="l"/>
-                <a:tab pos="7853363" algn="l"/>
-                <a:tab pos="8310563" algn="l"/>
-                <a:tab pos="8767763" algn="l"/>
-                <a:tab pos="9224963" algn="l"/>
-                <a:tab pos="9410700" algn="l"/>
-              </a:tabLst>
-            </a:pPr>
-            <a:r>
-              <a:rPr lang="en-US" dirty="0" smtClean="0">
-                <a:hlinkClick r:id="rId2"/>
-              </a:rPr>
-              <a:t>http://developer.android.com</a:t>
-            </a:r>
-            <a:endParaRPr lang="en-US" dirty="0" smtClean="0"/>
-          </a:p>
-          <a:p>
-            <a:pPr marL="425450" indent="-320675">
-              <a:buSzPct val="45000"/>
-              <a:buFont typeface="Wingdings" charset="2"/>
-              <a:buChar char=""/>
-              <a:tabLst>
-                <a:tab pos="425450" algn="l"/>
-                <a:tab pos="538163" algn="l"/>
-                <a:tab pos="995363" algn="l"/>
-                <a:tab pos="1452563" algn="l"/>
-                <a:tab pos="1909763" algn="l"/>
-                <a:tab pos="2366963" algn="l"/>
-                <a:tab pos="2824163" algn="l"/>
-                <a:tab pos="3281363" algn="l"/>
-                <a:tab pos="3738563" algn="l"/>
-                <a:tab pos="4195763" algn="l"/>
-                <a:tab pos="4652963" algn="l"/>
-                <a:tab pos="5110163" algn="l"/>
-                <a:tab pos="5567363" algn="l"/>
-                <a:tab pos="6024563" algn="l"/>
-                <a:tab pos="6481763" algn="l"/>
-                <a:tab pos="6938963" algn="l"/>
-                <a:tab pos="7396163" algn="l"/>
-                <a:tab pos="7853363" algn="l"/>
-                <a:tab pos="8310563" algn="l"/>
-                <a:tab pos="8767763" algn="l"/>
-                <a:tab pos="9224963" algn="l"/>
-                <a:tab pos="9410700" algn="l"/>
-              </a:tabLst>
-            </a:pPr>
-            <a:r>
-              <a:rPr lang="en-US" dirty="0" smtClean="0">
-                <a:hlinkClick r:id="rId3"/>
-              </a:rPr>
-              <a:t>http://code.google.com/p/apps-for-android/</a:t>
-            </a:r>
-            <a:endParaRPr lang="en-US" dirty="0" smtClean="0"/>
-          </a:p>
-          <a:p>
-            <a:pPr marL="425450" indent="-320675">
-              <a:buSzPct val="45000"/>
-              <a:buFont typeface="Wingdings" charset="2"/>
-              <a:buChar char=""/>
-              <a:tabLst>
-                <a:tab pos="425450" algn="l"/>
-                <a:tab pos="538163" algn="l"/>
-                <a:tab pos="995363" algn="l"/>
-                <a:tab pos="1452563" algn="l"/>
-                <a:tab pos="1909763" algn="l"/>
-                <a:tab pos="2366963" algn="l"/>
-                <a:tab pos="2824163" algn="l"/>
-                <a:tab pos="3281363" algn="l"/>
-                <a:tab pos="3738563" algn="l"/>
-                <a:tab pos="4195763" algn="l"/>
-                <a:tab pos="4652963" algn="l"/>
-                <a:tab pos="5110163" algn="l"/>
-                <a:tab pos="5567363" algn="l"/>
-                <a:tab pos="6024563" algn="l"/>
-                <a:tab pos="6481763" algn="l"/>
-                <a:tab pos="6938963" algn="l"/>
-                <a:tab pos="7396163" algn="l"/>
-                <a:tab pos="7853363" algn="l"/>
-                <a:tab pos="8310563" algn="l"/>
-                <a:tab pos="8767763" algn="l"/>
-                <a:tab pos="9224963" algn="l"/>
-                <a:tab pos="9410700" algn="l"/>
-              </a:tabLst>
-            </a:pPr>
-            <a:r>
-              <a:rPr lang="en-US" dirty="0" smtClean="0">
-                <a:hlinkClick r:id="rId4"/>
-              </a:rPr>
-              <a:t>http://developer.android.com/design/index.html</a:t>
-            </a:r>
-            <a:r>
-              <a:rPr lang="en-US" dirty="0" smtClean="0"/>
-              <a:t> </a:t>
-            </a:r>
-            <a:endParaRPr lang="en-US" dirty="0" smtClean="0"/>
-          </a:p>
-          <a:p>
-            <a:pPr marL="425450" indent="-320675">
-              <a:buSzPct val="45000"/>
-              <a:buFont typeface="Wingdings" charset="2"/>
-              <a:buChar char=""/>
-              <a:tabLst>
-                <a:tab pos="425450" algn="l"/>
-                <a:tab pos="538163" algn="l"/>
-                <a:tab pos="995363" algn="l"/>
-                <a:tab pos="1452563" algn="l"/>
-                <a:tab pos="1909763" algn="l"/>
-                <a:tab pos="2366963" algn="l"/>
-                <a:tab pos="2824163" algn="l"/>
-                <a:tab pos="3281363" algn="l"/>
-                <a:tab pos="3738563" algn="l"/>
-                <a:tab pos="4195763" algn="l"/>
-                <a:tab pos="4652963" algn="l"/>
-                <a:tab pos="5110163" algn="l"/>
-                <a:tab pos="5567363" algn="l"/>
-                <a:tab pos="6024563" algn="l"/>
-                <a:tab pos="6481763" algn="l"/>
-                <a:tab pos="6938963" algn="l"/>
-                <a:tab pos="7396163" algn="l"/>
-                <a:tab pos="7853363" algn="l"/>
-                <a:tab pos="8310563" algn="l"/>
-                <a:tab pos="8767763" algn="l"/>
-                <a:tab pos="9224963" algn="l"/>
-                <a:tab pos="9410700" algn="l"/>
-              </a:tabLst>
-            </a:pPr>
-            <a:r>
-              <a:rPr lang="en-US" dirty="0" smtClean="0">
-                <a:hlinkClick r:id="rId5"/>
-              </a:rPr>
-              <a:t>http://www.kantarworldpanel.com/Global/News/While-Android-Leads-iOS-and-Windows-Are-Growing-At-A-Faster-Pace</a:t>
-            </a:r>
-            <a:endParaRPr lang="en-US" dirty="0" smtClean="0"/>
-          </a:p>
-          <a:p>
-            <a:pPr marL="425450" indent="-320675">
-              <a:buSzPct val="45000"/>
-              <a:buFont typeface="Wingdings" charset="2"/>
-              <a:buChar char=""/>
-              <a:tabLst>
-                <a:tab pos="425450" algn="l"/>
-                <a:tab pos="538163" algn="l"/>
-                <a:tab pos="995363" algn="l"/>
-                <a:tab pos="1452563" algn="l"/>
-                <a:tab pos="1909763" algn="l"/>
-                <a:tab pos="2366963" algn="l"/>
-                <a:tab pos="2824163" algn="l"/>
-                <a:tab pos="3281363" algn="l"/>
-                <a:tab pos="3738563" algn="l"/>
-                <a:tab pos="4195763" algn="l"/>
-                <a:tab pos="4652963" algn="l"/>
-                <a:tab pos="5110163" algn="l"/>
-                <a:tab pos="5567363" algn="l"/>
-                <a:tab pos="6024563" algn="l"/>
-                <a:tab pos="6481763" algn="l"/>
-                <a:tab pos="6938963" algn="l"/>
-                <a:tab pos="7396163" algn="l"/>
-                <a:tab pos="7853363" algn="l"/>
-                <a:tab pos="8310563" algn="l"/>
-                <a:tab pos="8767763" algn="l"/>
-                <a:tab pos="9224963" algn="l"/>
-                <a:tab pos="9410700" algn="l"/>
-              </a:tabLst>
-            </a:pPr>
-            <a:endParaRPr lang="en-US" dirty="0" smtClean="0"/>
-          </a:p>
-          <a:p>
-            <a:pPr marL="425450" indent="-320675">
-              <a:buSzPct val="45000"/>
-              <a:buFont typeface="Wingdings" charset="2"/>
-              <a:buChar char=""/>
-              <a:tabLst>
-                <a:tab pos="425450" algn="l"/>
-                <a:tab pos="538163" algn="l"/>
-                <a:tab pos="995363" algn="l"/>
-                <a:tab pos="1452563" algn="l"/>
-                <a:tab pos="1909763" algn="l"/>
-                <a:tab pos="2366963" algn="l"/>
-                <a:tab pos="2824163" algn="l"/>
-                <a:tab pos="3281363" algn="l"/>
-                <a:tab pos="3738563" algn="l"/>
-                <a:tab pos="4195763" algn="l"/>
-                <a:tab pos="4652963" algn="l"/>
-                <a:tab pos="5110163" algn="l"/>
-                <a:tab pos="5567363" algn="l"/>
-                <a:tab pos="6024563" algn="l"/>
-                <a:tab pos="6481763" algn="l"/>
-                <a:tab pos="6938963" algn="l"/>
-                <a:tab pos="7396163" algn="l"/>
-                <a:tab pos="7853363" algn="l"/>
-                <a:tab pos="8310563" algn="l"/>
-                <a:tab pos="8767763" algn="l"/>
-                <a:tab pos="9224963" algn="l"/>
-                <a:tab pos="9410700" algn="l"/>
-              </a:tabLst>
-            </a:pPr>
-            <a:endParaRPr lang="en-US" dirty="0" smtClean="0"/>
-          </a:p>
-          <a:p>
-            <a:endParaRPr lang="en-US" dirty="0"/>
-          </a:p>
-        </p:txBody>
-      </p:sp>
-    </p:spTree>
-  </p:cSld>
-  <p:clrMapOvr>
-    <a:masterClrMapping/>
-  </p:clrMapOvr>
-</p:sld>
-</file>
-
-<file path=ppt/slides/slide4.xml><?xml version="1.0" encoding="utf-8"?>
-<p:sld xmlns:a="http://schemas.openxmlformats.org/drawingml/2006/main" xmlns:r="http://schemas.openxmlformats.org/officeDocument/2006/relationships" xmlns:p="http://schemas.openxmlformats.org/presentationml/2006/main">
-  <p:cSld>
-    <p:spTree>
-      <p:nvGrpSpPr>
-        <p:cNvPr id="1" name=""/>
-        <p:cNvGrpSpPr/>
-        <p:nvPr/>
-      </p:nvGrpSpPr>
-      <p:grpSpPr>
-        <a:xfrm>
-          <a:off x="0" y="0"/>
-          <a:ext cx="0" cy="0"/>
-          <a:chOff x="0" y="0"/>
-          <a:chExt cx="0" cy="0"/>
-        </a:xfrm>
-      </p:grpSpPr>
-      <p:sp>
-        <p:nvSpPr>
-          <p:cNvPr id="2" name="Title 1"/>
-          <p:cNvSpPr>
-            <a:spLocks noGrp="1"/>
-          </p:cNvSpPr>
-          <p:nvPr>
-            <p:ph type="title"/>
-          </p:nvPr>
-        </p:nvSpPr>
-        <p:spPr/>
-        <p:txBody>
-          <a:bodyPr/>
-          <a:lstStyle/>
-          <a:p>
-            <a:r>
-              <a:rPr lang="en-US" dirty="0" smtClean="0"/>
-              <a:t>What is Android?</a:t>
-            </a:r>
-            <a:endParaRPr lang="en-US" dirty="0"/>
-          </a:p>
-        </p:txBody>
-      </p:sp>
-      <p:sp>
-        <p:nvSpPr>
-          <p:cNvPr id="3" name="Content Placeholder 2"/>
-          <p:cNvSpPr>
-            <a:spLocks noGrp="1"/>
-          </p:cNvSpPr>
-          <p:nvPr>
-            <p:ph idx="1"/>
-          </p:nvPr>
-        </p:nvSpPr>
-        <p:spPr/>
-        <p:txBody>
-          <a:bodyPr>
-            <a:normAutofit/>
-          </a:bodyPr>
-          <a:lstStyle/>
-          <a:p>
-            <a:endParaRPr lang="en-US" dirty="0" smtClean="0"/>
-          </a:p>
-          <a:p>
-            <a:endParaRPr lang="en-US" dirty="0" smtClean="0"/>
-          </a:p>
-          <a:p>
-            <a:endParaRPr lang="en-US" dirty="0" smtClean="0"/>
-          </a:p>
-          <a:p>
-            <a:r>
-              <a:rPr lang="en-US" dirty="0" smtClean="0"/>
-              <a:t>Operating System from Google</a:t>
-            </a:r>
-          </a:p>
-          <a:p>
-            <a:r>
-              <a:rPr lang="en-US" dirty="0" smtClean="0"/>
-              <a:t>Open source</a:t>
-            </a:r>
           </a:p>
           <a:p>
             <a:r>
@@ -8894,6 +8268,1648 @@
 </p:sld>
 </file>
 
+<file path=ppt/slides/slide30.xml><?xml version="1.0" encoding="utf-8"?>
+<p:sld xmlns:a="http://schemas.openxmlformats.org/drawingml/2006/main" xmlns:r="http://schemas.openxmlformats.org/officeDocument/2006/relationships" xmlns:p="http://schemas.openxmlformats.org/presentationml/2006/main">
+  <p:cSld>
+    <p:spTree>
+      <p:nvGrpSpPr>
+        <p:cNvPr id="1" name=""/>
+        <p:cNvGrpSpPr/>
+        <p:nvPr/>
+      </p:nvGrpSpPr>
+      <p:grpSpPr>
+        <a:xfrm>
+          <a:off x="0" y="0"/>
+          <a:ext cx="0" cy="0"/>
+          <a:chOff x="0" y="0"/>
+          <a:chExt cx="0" cy="0"/>
+        </a:xfrm>
+      </p:grpSpPr>
+      <p:sp>
+        <p:nvSpPr>
+          <p:cNvPr id="2" name="Title 1"/>
+          <p:cNvSpPr>
+            <a:spLocks noGrp="1"/>
+          </p:cNvSpPr>
+          <p:nvPr>
+            <p:ph type="title"/>
+          </p:nvPr>
+        </p:nvSpPr>
+        <p:spPr/>
+        <p:txBody>
+          <a:bodyPr/>
+          <a:lstStyle/>
+          <a:p>
+            <a:endParaRPr lang="en-US"/>
+          </a:p>
+        </p:txBody>
+      </p:sp>
+      <p:sp>
+        <p:nvSpPr>
+          <p:cNvPr id="3" name="Content Placeholder 2"/>
+          <p:cNvSpPr>
+            <a:spLocks noGrp="1"/>
+          </p:cNvSpPr>
+          <p:nvPr>
+            <p:ph idx="1"/>
+          </p:nvPr>
+        </p:nvSpPr>
+        <p:spPr/>
+        <p:txBody>
+          <a:bodyPr/>
+          <a:lstStyle/>
+          <a:p>
+            <a:endParaRPr lang="en-US"/>
+          </a:p>
+        </p:txBody>
+      </p:sp>
+      <p:pic>
+        <p:nvPicPr>
+          <p:cNvPr id="6146" name="Picture 2"/>
+          <p:cNvPicPr>
+            <a:picLocks noChangeAspect="1" noChangeArrowheads="1"/>
+          </p:cNvPicPr>
+          <p:nvPr/>
+        </p:nvPicPr>
+        <p:blipFill>
+          <a:blip r:embed="rId2"/>
+          <a:srcRect/>
+          <a:stretch>
+            <a:fillRect/>
+          </a:stretch>
+        </p:blipFill>
+        <p:spPr bwMode="auto">
+          <a:xfrm>
+            <a:off x="381001" y="426889"/>
+            <a:ext cx="8339686" cy="5973911"/>
+          </a:xfrm>
+          <a:prstGeom prst="rect">
+            <a:avLst/>
+          </a:prstGeom>
+          <a:noFill/>
+          <a:ln w="9525">
+            <a:noFill/>
+            <a:miter lim="800000"/>
+            <a:headEnd/>
+            <a:tailEnd/>
+          </a:ln>
+          <a:effectLst/>
+        </p:spPr>
+      </p:pic>
+    </p:spTree>
+  </p:cSld>
+  <p:clrMapOvr>
+    <a:masterClrMapping/>
+  </p:clrMapOvr>
+  <p:timing>
+    <p:tnLst>
+      <p:par>
+        <p:cTn id="1" dur="indefinite" restart="never" nodeType="tmRoot"/>
+      </p:par>
+    </p:tnLst>
+  </p:timing>
+</p:sld>
+</file>
+
+<file path=ppt/slides/slide31.xml><?xml version="1.0" encoding="utf-8"?>
+<p:sld xmlns:a="http://schemas.openxmlformats.org/drawingml/2006/main" xmlns:r="http://schemas.openxmlformats.org/officeDocument/2006/relationships" xmlns:p="http://schemas.openxmlformats.org/presentationml/2006/main">
+  <p:cSld>
+    <p:spTree>
+      <p:nvGrpSpPr>
+        <p:cNvPr id="1" name=""/>
+        <p:cNvGrpSpPr/>
+        <p:nvPr/>
+      </p:nvGrpSpPr>
+      <p:grpSpPr>
+        <a:xfrm>
+          <a:off x="0" y="0"/>
+          <a:ext cx="0" cy="0"/>
+          <a:chOff x="0" y="0"/>
+          <a:chExt cx="0" cy="0"/>
+        </a:xfrm>
+      </p:grpSpPr>
+      <p:sp>
+        <p:nvSpPr>
+          <p:cNvPr id="2" name="Title 1"/>
+          <p:cNvSpPr>
+            <a:spLocks noGrp="1"/>
+          </p:cNvSpPr>
+          <p:nvPr>
+            <p:ph type="title"/>
+          </p:nvPr>
+        </p:nvSpPr>
+        <p:spPr/>
+        <p:txBody>
+          <a:bodyPr/>
+          <a:lstStyle/>
+          <a:p>
+            <a:endParaRPr lang="en-US"/>
+          </a:p>
+        </p:txBody>
+      </p:sp>
+      <p:sp>
+        <p:nvSpPr>
+          <p:cNvPr id="3" name="Content Placeholder 2"/>
+          <p:cNvSpPr>
+            <a:spLocks noGrp="1"/>
+          </p:cNvSpPr>
+          <p:nvPr>
+            <p:ph idx="1"/>
+          </p:nvPr>
+        </p:nvSpPr>
+        <p:spPr/>
+        <p:txBody>
+          <a:bodyPr/>
+          <a:lstStyle/>
+          <a:p>
+            <a:endParaRPr lang="en-US"/>
+          </a:p>
+        </p:txBody>
+      </p:sp>
+      <p:pic>
+        <p:nvPicPr>
+          <p:cNvPr id="7170" name="Picture 2"/>
+          <p:cNvPicPr>
+            <a:picLocks noChangeAspect="1" noChangeArrowheads="1"/>
+          </p:cNvPicPr>
+          <p:nvPr/>
+        </p:nvPicPr>
+        <p:blipFill>
+          <a:blip r:embed="rId2"/>
+          <a:srcRect/>
+          <a:stretch>
+            <a:fillRect/>
+          </a:stretch>
+        </p:blipFill>
+        <p:spPr bwMode="auto">
+          <a:xfrm>
+            <a:off x="457200" y="685800"/>
+            <a:ext cx="8077200" cy="5785887"/>
+          </a:xfrm>
+          <a:prstGeom prst="rect">
+            <a:avLst/>
+          </a:prstGeom>
+          <a:noFill/>
+          <a:ln w="9525">
+            <a:noFill/>
+            <a:miter lim="800000"/>
+            <a:headEnd/>
+            <a:tailEnd/>
+          </a:ln>
+          <a:effectLst/>
+        </p:spPr>
+      </p:pic>
+    </p:spTree>
+  </p:cSld>
+  <p:clrMapOvr>
+    <a:masterClrMapping/>
+  </p:clrMapOvr>
+  <p:timing>
+    <p:tnLst>
+      <p:par>
+        <p:cTn id="1" dur="indefinite" restart="never" nodeType="tmRoot"/>
+      </p:par>
+    </p:tnLst>
+  </p:timing>
+</p:sld>
+</file>
+
+<file path=ppt/slides/slide32.xml><?xml version="1.0" encoding="utf-8"?>
+<p:sld xmlns:a="http://schemas.openxmlformats.org/drawingml/2006/main" xmlns:r="http://schemas.openxmlformats.org/officeDocument/2006/relationships" xmlns:p="http://schemas.openxmlformats.org/presentationml/2006/main">
+  <p:cSld>
+    <p:spTree>
+      <p:nvGrpSpPr>
+        <p:cNvPr id="1" name=""/>
+        <p:cNvGrpSpPr/>
+        <p:nvPr/>
+      </p:nvGrpSpPr>
+      <p:grpSpPr>
+        <a:xfrm>
+          <a:off x="0" y="0"/>
+          <a:ext cx="0" cy="0"/>
+          <a:chOff x="0" y="0"/>
+          <a:chExt cx="0" cy="0"/>
+        </a:xfrm>
+      </p:grpSpPr>
+      <p:sp>
+        <p:nvSpPr>
+          <p:cNvPr id="2" name="Title 1"/>
+          <p:cNvSpPr>
+            <a:spLocks noGrp="1"/>
+          </p:cNvSpPr>
+          <p:nvPr>
+            <p:ph type="title"/>
+          </p:nvPr>
+        </p:nvSpPr>
+        <p:spPr/>
+        <p:txBody>
+          <a:bodyPr/>
+          <a:lstStyle/>
+          <a:p>
+            <a:endParaRPr lang="en-US"/>
+          </a:p>
+        </p:txBody>
+      </p:sp>
+      <p:sp>
+        <p:nvSpPr>
+          <p:cNvPr id="3" name="Content Placeholder 2"/>
+          <p:cNvSpPr>
+            <a:spLocks noGrp="1"/>
+          </p:cNvSpPr>
+          <p:nvPr>
+            <p:ph idx="1"/>
+          </p:nvPr>
+        </p:nvSpPr>
+        <p:spPr/>
+        <p:txBody>
+          <a:bodyPr/>
+          <a:lstStyle/>
+          <a:p>
+            <a:endParaRPr lang="en-US"/>
+          </a:p>
+        </p:txBody>
+      </p:sp>
+      <p:pic>
+        <p:nvPicPr>
+          <p:cNvPr id="8194" name="Picture 2"/>
+          <p:cNvPicPr>
+            <a:picLocks noChangeAspect="1" noChangeArrowheads="1"/>
+          </p:cNvPicPr>
+          <p:nvPr/>
+        </p:nvPicPr>
+        <p:blipFill>
+          <a:blip r:embed="rId2"/>
+          <a:srcRect/>
+          <a:stretch>
+            <a:fillRect/>
+          </a:stretch>
+        </p:blipFill>
+        <p:spPr bwMode="auto">
+          <a:xfrm>
+            <a:off x="457200" y="533400"/>
+            <a:ext cx="8077200" cy="5770789"/>
+          </a:xfrm>
+          <a:prstGeom prst="rect">
+            <a:avLst/>
+          </a:prstGeom>
+          <a:noFill/>
+          <a:ln w="9525">
+            <a:noFill/>
+            <a:miter lim="800000"/>
+            <a:headEnd/>
+            <a:tailEnd/>
+          </a:ln>
+          <a:effectLst/>
+        </p:spPr>
+      </p:pic>
+    </p:spTree>
+  </p:cSld>
+  <p:clrMapOvr>
+    <a:masterClrMapping/>
+  </p:clrMapOvr>
+  <p:timing>
+    <p:tnLst>
+      <p:par>
+        <p:cTn id="1" dur="indefinite" restart="never" nodeType="tmRoot"/>
+      </p:par>
+    </p:tnLst>
+  </p:timing>
+</p:sld>
+</file>
+
+<file path=ppt/slides/slide33.xml><?xml version="1.0" encoding="utf-8"?>
+<p:sld xmlns:a="http://schemas.openxmlformats.org/drawingml/2006/main" xmlns:r="http://schemas.openxmlformats.org/officeDocument/2006/relationships" xmlns:p="http://schemas.openxmlformats.org/presentationml/2006/main">
+  <p:cSld>
+    <p:spTree>
+      <p:nvGrpSpPr>
+        <p:cNvPr id="1" name=""/>
+        <p:cNvGrpSpPr/>
+        <p:nvPr/>
+      </p:nvGrpSpPr>
+      <p:grpSpPr>
+        <a:xfrm>
+          <a:off x="0" y="0"/>
+          <a:ext cx="0" cy="0"/>
+          <a:chOff x="0" y="0"/>
+          <a:chExt cx="0" cy="0"/>
+        </a:xfrm>
+      </p:grpSpPr>
+      <p:sp>
+        <p:nvSpPr>
+          <p:cNvPr id="2" name="Title 1"/>
+          <p:cNvSpPr>
+            <a:spLocks noGrp="1"/>
+          </p:cNvSpPr>
+          <p:nvPr>
+            <p:ph type="title"/>
+          </p:nvPr>
+        </p:nvSpPr>
+        <p:spPr/>
+        <p:txBody>
+          <a:bodyPr/>
+          <a:lstStyle/>
+          <a:p>
+            <a:endParaRPr lang="en-US"/>
+          </a:p>
+        </p:txBody>
+      </p:sp>
+      <p:sp>
+        <p:nvSpPr>
+          <p:cNvPr id="3" name="Content Placeholder 2"/>
+          <p:cNvSpPr>
+            <a:spLocks noGrp="1"/>
+          </p:cNvSpPr>
+          <p:nvPr>
+            <p:ph idx="1"/>
+          </p:nvPr>
+        </p:nvSpPr>
+        <p:spPr/>
+        <p:txBody>
+          <a:bodyPr/>
+          <a:lstStyle/>
+          <a:p>
+            <a:endParaRPr lang="en-US"/>
+          </a:p>
+        </p:txBody>
+      </p:sp>
+      <p:pic>
+        <p:nvPicPr>
+          <p:cNvPr id="9218" name="Picture 2"/>
+          <p:cNvPicPr>
+            <a:picLocks noChangeAspect="1" noChangeArrowheads="1"/>
+          </p:cNvPicPr>
+          <p:nvPr/>
+        </p:nvPicPr>
+        <p:blipFill>
+          <a:blip r:embed="rId2"/>
+          <a:srcRect/>
+          <a:stretch>
+            <a:fillRect/>
+          </a:stretch>
+        </p:blipFill>
+        <p:spPr bwMode="auto">
+          <a:xfrm>
+            <a:off x="1752600" y="609600"/>
+            <a:ext cx="5181600" cy="5743575"/>
+          </a:xfrm>
+          <a:prstGeom prst="rect">
+            <a:avLst/>
+          </a:prstGeom>
+          <a:noFill/>
+          <a:ln w="9525">
+            <a:noFill/>
+            <a:miter lim="800000"/>
+            <a:headEnd/>
+            <a:tailEnd/>
+          </a:ln>
+          <a:effectLst/>
+        </p:spPr>
+      </p:pic>
+    </p:spTree>
+  </p:cSld>
+  <p:clrMapOvr>
+    <a:masterClrMapping/>
+  </p:clrMapOvr>
+  <p:timing>
+    <p:tnLst>
+      <p:par>
+        <p:cTn id="1" dur="indefinite" restart="never" nodeType="tmRoot"/>
+      </p:par>
+    </p:tnLst>
+  </p:timing>
+</p:sld>
+</file>
+
+<file path=ppt/slides/slide34.xml><?xml version="1.0" encoding="utf-8"?>
+<p:sld xmlns:a="http://schemas.openxmlformats.org/drawingml/2006/main" xmlns:r="http://schemas.openxmlformats.org/officeDocument/2006/relationships" xmlns:p="http://schemas.openxmlformats.org/presentationml/2006/main">
+  <p:cSld>
+    <p:spTree>
+      <p:nvGrpSpPr>
+        <p:cNvPr id="1" name=""/>
+        <p:cNvGrpSpPr/>
+        <p:nvPr/>
+      </p:nvGrpSpPr>
+      <p:grpSpPr>
+        <a:xfrm>
+          <a:off x="0" y="0"/>
+          <a:ext cx="0" cy="0"/>
+          <a:chOff x="0" y="0"/>
+          <a:chExt cx="0" cy="0"/>
+        </a:xfrm>
+      </p:grpSpPr>
+      <p:sp>
+        <p:nvSpPr>
+          <p:cNvPr id="2" name="Title 1"/>
+          <p:cNvSpPr>
+            <a:spLocks noGrp="1"/>
+          </p:cNvSpPr>
+          <p:nvPr>
+            <p:ph type="title"/>
+          </p:nvPr>
+        </p:nvSpPr>
+        <p:spPr/>
+        <p:txBody>
+          <a:bodyPr/>
+          <a:lstStyle/>
+          <a:p>
+            <a:endParaRPr lang="en-US"/>
+          </a:p>
+        </p:txBody>
+      </p:sp>
+      <p:sp>
+        <p:nvSpPr>
+          <p:cNvPr id="3" name="Content Placeholder 2"/>
+          <p:cNvSpPr>
+            <a:spLocks noGrp="1"/>
+          </p:cNvSpPr>
+          <p:nvPr>
+            <p:ph idx="1"/>
+          </p:nvPr>
+        </p:nvSpPr>
+        <p:spPr/>
+        <p:txBody>
+          <a:bodyPr/>
+          <a:lstStyle/>
+          <a:p>
+            <a:endParaRPr lang="en-US"/>
+          </a:p>
+        </p:txBody>
+      </p:sp>
+      <p:pic>
+        <p:nvPicPr>
+          <p:cNvPr id="10242" name="Picture 2"/>
+          <p:cNvPicPr>
+            <a:picLocks noChangeAspect="1" noChangeArrowheads="1"/>
+          </p:cNvPicPr>
+          <p:nvPr/>
+        </p:nvPicPr>
+        <p:blipFill>
+          <a:blip r:embed="rId2"/>
+          <a:srcRect/>
+          <a:stretch>
+            <a:fillRect/>
+          </a:stretch>
+        </p:blipFill>
+        <p:spPr bwMode="auto">
+          <a:xfrm>
+            <a:off x="533400" y="685800"/>
+            <a:ext cx="8001000" cy="5705028"/>
+          </a:xfrm>
+          <a:prstGeom prst="rect">
+            <a:avLst/>
+          </a:prstGeom>
+          <a:noFill/>
+          <a:ln w="9525">
+            <a:noFill/>
+            <a:miter lim="800000"/>
+            <a:headEnd/>
+            <a:tailEnd/>
+          </a:ln>
+          <a:effectLst/>
+        </p:spPr>
+      </p:pic>
+    </p:spTree>
+  </p:cSld>
+  <p:clrMapOvr>
+    <a:masterClrMapping/>
+  </p:clrMapOvr>
+  <p:timing>
+    <p:tnLst>
+      <p:par>
+        <p:cTn id="1" dur="indefinite" restart="never" nodeType="tmRoot"/>
+      </p:par>
+    </p:tnLst>
+  </p:timing>
+</p:sld>
+</file>
+
+<file path=ppt/slides/slide35.xml><?xml version="1.0" encoding="utf-8"?>
+<p:sld xmlns:a="http://schemas.openxmlformats.org/drawingml/2006/main" xmlns:r="http://schemas.openxmlformats.org/officeDocument/2006/relationships" xmlns:p="http://schemas.openxmlformats.org/presentationml/2006/main">
+  <p:cSld>
+    <p:spTree>
+      <p:nvGrpSpPr>
+        <p:cNvPr id="1" name=""/>
+        <p:cNvGrpSpPr/>
+        <p:nvPr/>
+      </p:nvGrpSpPr>
+      <p:grpSpPr>
+        <a:xfrm>
+          <a:off x="0" y="0"/>
+          <a:ext cx="0" cy="0"/>
+          <a:chOff x="0" y="0"/>
+          <a:chExt cx="0" cy="0"/>
+        </a:xfrm>
+      </p:grpSpPr>
+      <p:sp>
+        <p:nvSpPr>
+          <p:cNvPr id="2" name="Title 1"/>
+          <p:cNvSpPr>
+            <a:spLocks noGrp="1"/>
+          </p:cNvSpPr>
+          <p:nvPr>
+            <p:ph type="title"/>
+          </p:nvPr>
+        </p:nvSpPr>
+        <p:spPr/>
+        <p:txBody>
+          <a:bodyPr/>
+          <a:lstStyle/>
+          <a:p>
+            <a:endParaRPr lang="en-US"/>
+          </a:p>
+        </p:txBody>
+      </p:sp>
+      <p:sp>
+        <p:nvSpPr>
+          <p:cNvPr id="3" name="Content Placeholder 2"/>
+          <p:cNvSpPr>
+            <a:spLocks noGrp="1"/>
+          </p:cNvSpPr>
+          <p:nvPr>
+            <p:ph idx="1"/>
+          </p:nvPr>
+        </p:nvSpPr>
+        <p:spPr/>
+        <p:txBody>
+          <a:bodyPr/>
+          <a:lstStyle/>
+          <a:p>
+            <a:endParaRPr lang="en-US"/>
+          </a:p>
+        </p:txBody>
+      </p:sp>
+      <p:pic>
+        <p:nvPicPr>
+          <p:cNvPr id="11266" name="Picture 2"/>
+          <p:cNvPicPr>
+            <a:picLocks noChangeAspect="1" noChangeArrowheads="1"/>
+          </p:cNvPicPr>
+          <p:nvPr/>
+        </p:nvPicPr>
+        <p:blipFill>
+          <a:blip r:embed="rId2"/>
+          <a:srcRect/>
+          <a:stretch>
+            <a:fillRect/>
+          </a:stretch>
+        </p:blipFill>
+        <p:spPr bwMode="auto">
+          <a:xfrm>
+            <a:off x="609600" y="685800"/>
+            <a:ext cx="7924800" cy="5694769"/>
+          </a:xfrm>
+          <a:prstGeom prst="rect">
+            <a:avLst/>
+          </a:prstGeom>
+          <a:noFill/>
+          <a:ln w="9525">
+            <a:noFill/>
+            <a:miter lim="800000"/>
+            <a:headEnd/>
+            <a:tailEnd/>
+          </a:ln>
+          <a:effectLst/>
+        </p:spPr>
+      </p:pic>
+    </p:spTree>
+  </p:cSld>
+  <p:clrMapOvr>
+    <a:masterClrMapping/>
+  </p:clrMapOvr>
+  <p:timing>
+    <p:tnLst>
+      <p:par>
+        <p:cTn id="1" dur="indefinite" restart="never" nodeType="tmRoot"/>
+      </p:par>
+    </p:tnLst>
+  </p:timing>
+</p:sld>
+</file>
+
+<file path=ppt/slides/slide36.xml><?xml version="1.0" encoding="utf-8"?>
+<p:sld xmlns:a="http://schemas.openxmlformats.org/drawingml/2006/main" xmlns:r="http://schemas.openxmlformats.org/officeDocument/2006/relationships" xmlns:p="http://schemas.openxmlformats.org/presentationml/2006/main">
+  <p:cSld>
+    <p:spTree>
+      <p:nvGrpSpPr>
+        <p:cNvPr id="1" name=""/>
+        <p:cNvGrpSpPr/>
+        <p:nvPr/>
+      </p:nvGrpSpPr>
+      <p:grpSpPr>
+        <a:xfrm>
+          <a:off x="0" y="0"/>
+          <a:ext cx="0" cy="0"/>
+          <a:chOff x="0" y="0"/>
+          <a:chExt cx="0" cy="0"/>
+        </a:xfrm>
+      </p:grpSpPr>
+      <p:sp>
+        <p:nvSpPr>
+          <p:cNvPr id="2" name="Title 1"/>
+          <p:cNvSpPr>
+            <a:spLocks noGrp="1"/>
+          </p:cNvSpPr>
+          <p:nvPr>
+            <p:ph type="title"/>
+          </p:nvPr>
+        </p:nvSpPr>
+        <p:spPr/>
+        <p:txBody>
+          <a:bodyPr/>
+          <a:lstStyle/>
+          <a:p>
+            <a:endParaRPr lang="en-US"/>
+          </a:p>
+        </p:txBody>
+      </p:sp>
+      <p:sp>
+        <p:nvSpPr>
+          <p:cNvPr id="3" name="Content Placeholder 2"/>
+          <p:cNvSpPr>
+            <a:spLocks noGrp="1"/>
+          </p:cNvSpPr>
+          <p:nvPr>
+            <p:ph idx="1"/>
+          </p:nvPr>
+        </p:nvSpPr>
+        <p:spPr/>
+        <p:txBody>
+          <a:bodyPr/>
+          <a:lstStyle/>
+          <a:p>
+            <a:endParaRPr lang="en-US"/>
+          </a:p>
+        </p:txBody>
+      </p:sp>
+      <p:pic>
+        <p:nvPicPr>
+          <p:cNvPr id="12290" name="Picture 2"/>
+          <p:cNvPicPr>
+            <a:picLocks noChangeAspect="1" noChangeArrowheads="1"/>
+          </p:cNvPicPr>
+          <p:nvPr/>
+        </p:nvPicPr>
+        <p:blipFill>
+          <a:blip r:embed="rId2"/>
+          <a:srcRect/>
+          <a:stretch>
+            <a:fillRect/>
+          </a:stretch>
+        </p:blipFill>
+        <p:spPr bwMode="auto">
+          <a:xfrm>
+            <a:off x="1143000" y="533400"/>
+            <a:ext cx="6513513" cy="5829300"/>
+          </a:xfrm>
+          <a:prstGeom prst="rect">
+            <a:avLst/>
+          </a:prstGeom>
+          <a:noFill/>
+          <a:ln w="9525">
+            <a:noFill/>
+            <a:miter lim="800000"/>
+            <a:headEnd/>
+            <a:tailEnd/>
+          </a:ln>
+          <a:effectLst/>
+        </p:spPr>
+      </p:pic>
+    </p:spTree>
+  </p:cSld>
+  <p:clrMapOvr>
+    <a:masterClrMapping/>
+  </p:clrMapOvr>
+  <p:timing>
+    <p:tnLst>
+      <p:par>
+        <p:cTn id="1" dur="indefinite" restart="never" nodeType="tmRoot"/>
+      </p:par>
+    </p:tnLst>
+  </p:timing>
+</p:sld>
+</file>
+
+<file path=ppt/slides/slide37.xml><?xml version="1.0" encoding="utf-8"?>
+<p:sld xmlns:a="http://schemas.openxmlformats.org/drawingml/2006/main" xmlns:r="http://schemas.openxmlformats.org/officeDocument/2006/relationships" xmlns:p="http://schemas.openxmlformats.org/presentationml/2006/main">
+  <p:cSld>
+    <p:spTree>
+      <p:nvGrpSpPr>
+        <p:cNvPr id="1" name=""/>
+        <p:cNvGrpSpPr/>
+        <p:nvPr/>
+      </p:nvGrpSpPr>
+      <p:grpSpPr>
+        <a:xfrm>
+          <a:off x="0" y="0"/>
+          <a:ext cx="0" cy="0"/>
+          <a:chOff x="0" y="0"/>
+          <a:chExt cx="0" cy="0"/>
+        </a:xfrm>
+      </p:grpSpPr>
+      <p:sp>
+        <p:nvSpPr>
+          <p:cNvPr id="2" name="Title 1"/>
+          <p:cNvSpPr>
+            <a:spLocks noGrp="1"/>
+          </p:cNvSpPr>
+          <p:nvPr>
+            <p:ph type="title"/>
+          </p:nvPr>
+        </p:nvSpPr>
+        <p:spPr>
+          <a:xfrm>
+            <a:off x="457200" y="2895600"/>
+            <a:ext cx="8229600" cy="1143000"/>
+          </a:xfrm>
+        </p:spPr>
+        <p:txBody>
+          <a:bodyPr>
+            <a:normAutofit/>
+          </a:bodyPr>
+          <a:lstStyle/>
+          <a:p>
+            <a:pPr algn="ctr"/>
+            <a:r>
+              <a:rPr lang="en-US" dirty="0" smtClean="0"/>
+              <a:t>App 2 - Graphics</a:t>
+            </a:r>
+            <a:endParaRPr lang="en-US" dirty="0"/>
+          </a:p>
+        </p:txBody>
+      </p:sp>
+    </p:spTree>
+  </p:cSld>
+  <p:clrMapOvr>
+    <a:masterClrMapping/>
+  </p:clrMapOvr>
+  <p:timing>
+    <p:tnLst>
+      <p:par>
+        <p:cTn id="1" dur="indefinite" restart="never" nodeType="tmRoot"/>
+      </p:par>
+    </p:tnLst>
+  </p:timing>
+</p:sld>
+</file>
+
+<file path=ppt/slides/slide38.xml><?xml version="1.0" encoding="utf-8"?>
+<p:sld xmlns:a="http://schemas.openxmlformats.org/drawingml/2006/main" xmlns:r="http://schemas.openxmlformats.org/officeDocument/2006/relationships" xmlns:p="http://schemas.openxmlformats.org/presentationml/2006/main">
+  <p:cSld>
+    <p:spTree>
+      <p:nvGrpSpPr>
+        <p:cNvPr id="1" name=""/>
+        <p:cNvGrpSpPr/>
+        <p:nvPr/>
+      </p:nvGrpSpPr>
+      <p:grpSpPr>
+        <a:xfrm>
+          <a:off x="0" y="0"/>
+          <a:ext cx="0" cy="0"/>
+          <a:chOff x="0" y="0"/>
+          <a:chExt cx="0" cy="0"/>
+        </a:xfrm>
+      </p:grpSpPr>
+      <p:sp>
+        <p:nvSpPr>
+          <p:cNvPr id="2" name="Title 1"/>
+          <p:cNvSpPr>
+            <a:spLocks noGrp="1"/>
+          </p:cNvSpPr>
+          <p:nvPr>
+            <p:ph type="title"/>
+          </p:nvPr>
+        </p:nvSpPr>
+        <p:spPr/>
+        <p:txBody>
+          <a:bodyPr>
+            <a:normAutofit/>
+          </a:bodyPr>
+          <a:lstStyle/>
+          <a:p>
+            <a:r>
+              <a:rPr lang="en-US" dirty="0" smtClean="0"/>
+              <a:t>What’s special?</a:t>
+            </a:r>
+            <a:endParaRPr lang="en-US" dirty="0"/>
+          </a:p>
+        </p:txBody>
+      </p:sp>
+      <p:sp>
+        <p:nvSpPr>
+          <p:cNvPr id="3" name="Content Placeholder 2"/>
+          <p:cNvSpPr>
+            <a:spLocks noGrp="1"/>
+          </p:cNvSpPr>
+          <p:nvPr>
+            <p:ph idx="1"/>
+          </p:nvPr>
+        </p:nvSpPr>
+        <p:spPr/>
+        <p:txBody>
+          <a:bodyPr>
+            <a:normAutofit/>
+          </a:bodyPr>
+          <a:lstStyle/>
+          <a:p>
+            <a:endParaRPr lang="en-US" dirty="0" smtClean="0"/>
+          </a:p>
+          <a:p>
+            <a:endParaRPr lang="en-US" dirty="0" smtClean="0"/>
+          </a:p>
+          <a:p>
+            <a:r>
+              <a:rPr lang="en-US" dirty="0" smtClean="0"/>
+              <a:t>Layout.xml is not required</a:t>
+            </a:r>
+          </a:p>
+          <a:p>
+            <a:r>
+              <a:rPr lang="en-US" dirty="0" smtClean="0"/>
+              <a:t>Rather a View class (one that extends to </a:t>
+            </a:r>
+            <a:r>
+              <a:rPr lang="en-US" dirty="0" err="1" smtClean="0"/>
+              <a:t>android.view.View</a:t>
+            </a:r>
+            <a:r>
+              <a:rPr lang="en-US" dirty="0" smtClean="0"/>
+              <a:t>) can be created.</a:t>
+            </a:r>
+          </a:p>
+          <a:p>
+            <a:r>
+              <a:rPr lang="en-US" dirty="0" smtClean="0"/>
+              <a:t>The overridden </a:t>
+            </a:r>
+            <a:r>
+              <a:rPr lang="en-US" dirty="0" err="1" smtClean="0"/>
+              <a:t>onDraw</a:t>
+            </a:r>
+            <a:r>
+              <a:rPr lang="en-US" dirty="0" smtClean="0"/>
+              <a:t>(Canvas) method draws the stuff on screen.</a:t>
+            </a:r>
+          </a:p>
+          <a:p>
+            <a:r>
+              <a:rPr lang="en-US" dirty="0" smtClean="0"/>
+              <a:t>Canvas has multiple methods to draw different elements.</a:t>
+            </a:r>
+          </a:p>
+        </p:txBody>
+      </p:sp>
+    </p:spTree>
+  </p:cSld>
+  <p:clrMapOvr>
+    <a:masterClrMapping/>
+  </p:clrMapOvr>
+  <p:timing>
+    <p:tnLst>
+      <p:par>
+        <p:cTn id="1" dur="indefinite" restart="never" nodeType="tmRoot"/>
+      </p:par>
+    </p:tnLst>
+  </p:timing>
+</p:sld>
+</file>
+
+<file path=ppt/slides/slide39.xml><?xml version="1.0" encoding="utf-8"?>
+<p:sld xmlns:a="http://schemas.openxmlformats.org/drawingml/2006/main" xmlns:r="http://schemas.openxmlformats.org/officeDocument/2006/relationships" xmlns:p="http://schemas.openxmlformats.org/presentationml/2006/main">
+  <p:cSld>
+    <p:spTree>
+      <p:nvGrpSpPr>
+        <p:cNvPr id="1" name=""/>
+        <p:cNvGrpSpPr/>
+        <p:nvPr/>
+      </p:nvGrpSpPr>
+      <p:grpSpPr>
+        <a:xfrm>
+          <a:off x="0" y="0"/>
+          <a:ext cx="0" cy="0"/>
+          <a:chOff x="0" y="0"/>
+          <a:chExt cx="0" cy="0"/>
+        </a:xfrm>
+      </p:grpSpPr>
+      <p:sp>
+        <p:nvSpPr>
+          <p:cNvPr id="2" name="Title 1"/>
+          <p:cNvSpPr>
+            <a:spLocks noGrp="1"/>
+          </p:cNvSpPr>
+          <p:nvPr>
+            <p:ph type="title"/>
+          </p:nvPr>
+        </p:nvSpPr>
+        <p:spPr/>
+        <p:txBody>
+          <a:bodyPr>
+            <a:normAutofit/>
+          </a:bodyPr>
+          <a:lstStyle/>
+          <a:p>
+            <a:endParaRPr lang="en-US" dirty="0"/>
+          </a:p>
+        </p:txBody>
+      </p:sp>
+      <p:sp>
+        <p:nvSpPr>
+          <p:cNvPr id="3" name="Content Placeholder 2"/>
+          <p:cNvSpPr>
+            <a:spLocks noGrp="1"/>
+          </p:cNvSpPr>
+          <p:nvPr>
+            <p:ph idx="1"/>
+          </p:nvPr>
+        </p:nvSpPr>
+        <p:spPr/>
+        <p:txBody>
+          <a:bodyPr/>
+          <a:lstStyle/>
+          <a:p>
+            <a:endParaRPr lang="en-US" dirty="0" smtClean="0"/>
+          </a:p>
+          <a:p>
+            <a:endParaRPr lang="en-US" dirty="0" smtClean="0"/>
+          </a:p>
+          <a:p>
+            <a:endParaRPr lang="en-US" dirty="0" smtClean="0"/>
+          </a:p>
+          <a:p>
+            <a:endParaRPr lang="en-US" dirty="0" smtClean="0"/>
+          </a:p>
+          <a:p>
+            <a:r>
+              <a:rPr lang="en-US" dirty="0" smtClean="0"/>
+              <a:t>And </a:t>
+            </a:r>
+            <a:r>
+              <a:rPr lang="en-US" dirty="0" smtClean="0"/>
+              <a:t>it is also possible to draw images directly which is much easier</a:t>
+            </a:r>
+          </a:p>
+          <a:p>
+            <a:r>
+              <a:rPr lang="en-US" dirty="0" smtClean="0"/>
+              <a:t>An </a:t>
+            </a:r>
+            <a:r>
+              <a:rPr lang="en-US" dirty="0" err="1" smtClean="0"/>
+              <a:t>OnTouchListner</a:t>
+            </a:r>
+            <a:r>
+              <a:rPr lang="en-US" dirty="0" smtClean="0"/>
+              <a:t> </a:t>
+            </a:r>
+            <a:r>
+              <a:rPr lang="en-US" dirty="0" smtClean="0"/>
+              <a:t>is required to address user inputs</a:t>
+            </a:r>
+          </a:p>
+          <a:p>
+            <a:r>
+              <a:rPr lang="en-US" dirty="0" smtClean="0"/>
+              <a:t>Often, view needs to be a Thread to update display </a:t>
+            </a:r>
+            <a:r>
+              <a:rPr lang="en-US" dirty="0" smtClean="0"/>
+              <a:t>continuously</a:t>
+            </a:r>
+            <a:endParaRPr lang="en-US" dirty="0" smtClean="0"/>
+          </a:p>
+          <a:p>
+            <a:endParaRPr lang="en-US" dirty="0"/>
+          </a:p>
+        </p:txBody>
+      </p:sp>
+    </p:spTree>
+  </p:cSld>
+  <p:clrMapOvr>
+    <a:masterClrMapping/>
+  </p:clrMapOvr>
+  <p:timing>
+    <p:tnLst>
+      <p:par>
+        <p:cTn id="1" dur="indefinite" restart="never" nodeType="tmRoot"/>
+      </p:par>
+    </p:tnLst>
+  </p:timing>
+</p:sld>
+</file>
+
+<file path=ppt/slides/slide4.xml><?xml version="1.0" encoding="utf-8"?>
+<p:sld xmlns:a="http://schemas.openxmlformats.org/drawingml/2006/main" xmlns:r="http://schemas.openxmlformats.org/officeDocument/2006/relationships" xmlns:p="http://schemas.openxmlformats.org/presentationml/2006/main">
+  <p:cSld>
+    <p:spTree>
+      <p:nvGrpSpPr>
+        <p:cNvPr id="1" name=""/>
+        <p:cNvGrpSpPr/>
+        <p:nvPr/>
+      </p:nvGrpSpPr>
+      <p:grpSpPr>
+        <a:xfrm>
+          <a:off x="0" y="0"/>
+          <a:ext cx="0" cy="0"/>
+          <a:chOff x="0" y="0"/>
+          <a:chExt cx="0" cy="0"/>
+        </a:xfrm>
+      </p:grpSpPr>
+      <p:sp>
+        <p:nvSpPr>
+          <p:cNvPr id="2" name="Title 1"/>
+          <p:cNvSpPr>
+            <a:spLocks noGrp="1"/>
+          </p:cNvSpPr>
+          <p:nvPr>
+            <p:ph type="title"/>
+          </p:nvPr>
+        </p:nvSpPr>
+        <p:spPr/>
+        <p:txBody>
+          <a:bodyPr/>
+          <a:lstStyle/>
+          <a:p>
+            <a:r>
+              <a:rPr lang="en-US" dirty="0" smtClean="0"/>
+              <a:t>What It is NOT</a:t>
+            </a:r>
+            <a:endParaRPr lang="en-US" dirty="0"/>
+          </a:p>
+        </p:txBody>
+      </p:sp>
+      <p:sp>
+        <p:nvSpPr>
+          <p:cNvPr id="3" name="Content Placeholder 2"/>
+          <p:cNvSpPr>
+            <a:spLocks noGrp="1"/>
+          </p:cNvSpPr>
+          <p:nvPr>
+            <p:ph idx="1"/>
+          </p:nvPr>
+        </p:nvSpPr>
+        <p:spPr/>
+        <p:txBody>
+          <a:bodyPr/>
+          <a:lstStyle/>
+          <a:p>
+            <a:endParaRPr lang="en-US" dirty="0" smtClean="0"/>
+          </a:p>
+          <a:p>
+            <a:endParaRPr lang="en-US" dirty="0" smtClean="0"/>
+          </a:p>
+          <a:p>
+            <a:endParaRPr lang="en-US" dirty="0" smtClean="0"/>
+          </a:p>
+          <a:p>
+            <a:endParaRPr lang="en-US" dirty="0" smtClean="0"/>
+          </a:p>
+          <a:p>
+            <a:endParaRPr lang="en-US" dirty="0" smtClean="0"/>
+          </a:p>
+          <a:p>
+            <a:r>
+              <a:rPr lang="en-US" dirty="0" smtClean="0"/>
+              <a:t>Not </a:t>
+            </a:r>
+            <a:r>
+              <a:rPr lang="en-US" dirty="0" smtClean="0"/>
+              <a:t>J2ME extension</a:t>
+            </a:r>
+          </a:p>
+          <a:p>
+            <a:r>
+              <a:rPr lang="en-US" dirty="0" smtClean="0"/>
+              <a:t>Simply an Application Layer</a:t>
+            </a:r>
+          </a:p>
+          <a:p>
+            <a:r>
+              <a:rPr lang="en-US" dirty="0" smtClean="0"/>
+              <a:t>A mobile phone handset</a:t>
+            </a:r>
+          </a:p>
+          <a:p>
+            <a:r>
+              <a:rPr lang="en-US" dirty="0" smtClean="0"/>
+              <a:t>Google’s answer to </a:t>
+            </a:r>
+            <a:r>
+              <a:rPr lang="en-US" dirty="0" err="1" smtClean="0"/>
+              <a:t>iPhone</a:t>
+            </a:r>
+            <a:r>
+              <a:rPr lang="en-US" dirty="0" smtClean="0"/>
+              <a:t> !!!</a:t>
+            </a:r>
+          </a:p>
+          <a:p>
+            <a:endParaRPr lang="en-US" dirty="0"/>
+          </a:p>
+        </p:txBody>
+      </p:sp>
+    </p:spTree>
+  </p:cSld>
+  <p:clrMapOvr>
+    <a:masterClrMapping/>
+  </p:clrMapOvr>
+  <p:timing>
+    <p:tnLst>
+      <p:par>
+        <p:cTn id="1" dur="indefinite" restart="never" nodeType="tmRoot"/>
+      </p:par>
+    </p:tnLst>
+  </p:timing>
+</p:sld>
+</file>
+
+<file path=ppt/slides/slide40.xml><?xml version="1.0" encoding="utf-8"?>
+<p:sld xmlns:a="http://schemas.openxmlformats.org/drawingml/2006/main" xmlns:r="http://schemas.openxmlformats.org/officeDocument/2006/relationships" xmlns:p="http://schemas.openxmlformats.org/presentationml/2006/main">
+  <p:cSld>
+    <p:spTree>
+      <p:nvGrpSpPr>
+        <p:cNvPr id="1" name=""/>
+        <p:cNvGrpSpPr/>
+        <p:nvPr/>
+      </p:nvGrpSpPr>
+      <p:grpSpPr>
+        <a:xfrm>
+          <a:off x="0" y="0"/>
+          <a:ext cx="0" cy="0"/>
+          <a:chOff x="0" y="0"/>
+          <a:chExt cx="0" cy="0"/>
+        </a:xfrm>
+      </p:grpSpPr>
+      <p:sp>
+        <p:nvSpPr>
+          <p:cNvPr id="2" name="Title 1"/>
+          <p:cNvSpPr>
+            <a:spLocks noGrp="1"/>
+          </p:cNvSpPr>
+          <p:nvPr>
+            <p:ph type="title"/>
+          </p:nvPr>
+        </p:nvSpPr>
+        <p:spPr/>
+        <p:txBody>
+          <a:bodyPr>
+            <a:normAutofit/>
+          </a:bodyPr>
+          <a:lstStyle/>
+          <a:p>
+            <a:r>
+              <a:rPr lang="en-US" dirty="0" smtClean="0"/>
+              <a:t>Questions and Answers</a:t>
+            </a:r>
+            <a:endParaRPr lang="en-US" dirty="0"/>
+          </a:p>
+        </p:txBody>
+      </p:sp>
+      <p:sp>
+        <p:nvSpPr>
+          <p:cNvPr id="3" name="Content Placeholder 2"/>
+          <p:cNvSpPr>
+            <a:spLocks noGrp="1"/>
+          </p:cNvSpPr>
+          <p:nvPr>
+            <p:ph idx="1"/>
+          </p:nvPr>
+        </p:nvSpPr>
+        <p:spPr/>
+        <p:txBody>
+          <a:bodyPr/>
+          <a:lstStyle/>
+          <a:p>
+            <a:endParaRPr lang="en-US"/>
+          </a:p>
+        </p:txBody>
+      </p:sp>
+    </p:spTree>
+  </p:cSld>
+  <p:clrMapOvr>
+    <a:masterClrMapping/>
+  </p:clrMapOvr>
+  <p:timing>
+    <p:tnLst>
+      <p:par>
+        <p:cTn id="1" dur="indefinite" restart="never" nodeType="tmRoot"/>
+      </p:par>
+    </p:tnLst>
+  </p:timing>
+</p:sld>
+</file>
+
+<file path=ppt/slides/slide41.xml><?xml version="1.0" encoding="utf-8"?>
+<p:sld xmlns:a="http://schemas.openxmlformats.org/drawingml/2006/main" xmlns:r="http://schemas.openxmlformats.org/officeDocument/2006/relationships" xmlns:p="http://schemas.openxmlformats.org/presentationml/2006/main">
+  <p:cSld>
+    <p:spTree>
+      <p:nvGrpSpPr>
+        <p:cNvPr id="1" name=""/>
+        <p:cNvGrpSpPr/>
+        <p:nvPr/>
+      </p:nvGrpSpPr>
+      <p:grpSpPr>
+        <a:xfrm>
+          <a:off x="0" y="0"/>
+          <a:ext cx="0" cy="0"/>
+          <a:chOff x="0" y="0"/>
+          <a:chExt cx="0" cy="0"/>
+        </a:xfrm>
+      </p:grpSpPr>
+      <p:sp>
+        <p:nvSpPr>
+          <p:cNvPr id="2" name="Title 1"/>
+          <p:cNvSpPr>
+            <a:spLocks noGrp="1"/>
+          </p:cNvSpPr>
+          <p:nvPr>
+            <p:ph type="title"/>
+          </p:nvPr>
+        </p:nvSpPr>
+        <p:spPr/>
+        <p:txBody>
+          <a:bodyPr/>
+          <a:lstStyle/>
+          <a:p>
+            <a:r>
+              <a:rPr lang="en-US" dirty="0" smtClean="0"/>
+              <a:t>References</a:t>
+            </a:r>
+            <a:endParaRPr lang="en-US" dirty="0"/>
+          </a:p>
+        </p:txBody>
+      </p:sp>
+      <p:sp>
+        <p:nvSpPr>
+          <p:cNvPr id="3" name="Content Placeholder 2"/>
+          <p:cNvSpPr>
+            <a:spLocks noGrp="1"/>
+          </p:cNvSpPr>
+          <p:nvPr>
+            <p:ph idx="1"/>
+          </p:nvPr>
+        </p:nvSpPr>
+        <p:spPr/>
+        <p:txBody>
+          <a:bodyPr/>
+          <a:lstStyle/>
+          <a:p>
+            <a:pPr marL="425450" indent="-320675">
+              <a:buSzPct val="45000"/>
+              <a:buFont typeface="Wingdings" charset="2"/>
+              <a:buChar char=""/>
+              <a:tabLst>
+                <a:tab pos="425450" algn="l"/>
+                <a:tab pos="538163" algn="l"/>
+                <a:tab pos="995363" algn="l"/>
+                <a:tab pos="1452563" algn="l"/>
+                <a:tab pos="1909763" algn="l"/>
+                <a:tab pos="2366963" algn="l"/>
+                <a:tab pos="2824163" algn="l"/>
+                <a:tab pos="3281363" algn="l"/>
+                <a:tab pos="3738563" algn="l"/>
+                <a:tab pos="4195763" algn="l"/>
+                <a:tab pos="4652963" algn="l"/>
+                <a:tab pos="5110163" algn="l"/>
+                <a:tab pos="5567363" algn="l"/>
+                <a:tab pos="6024563" algn="l"/>
+                <a:tab pos="6481763" algn="l"/>
+                <a:tab pos="6938963" algn="l"/>
+                <a:tab pos="7396163" algn="l"/>
+                <a:tab pos="7853363" algn="l"/>
+                <a:tab pos="8310563" algn="l"/>
+                <a:tab pos="8767763" algn="l"/>
+                <a:tab pos="9224963" algn="l"/>
+                <a:tab pos="9410700" algn="l"/>
+              </a:tabLst>
+            </a:pPr>
+            <a:endParaRPr lang="en-US" dirty="0" smtClean="0">
+              <a:hlinkClick r:id="rId2"/>
+            </a:endParaRPr>
+          </a:p>
+          <a:p>
+            <a:pPr marL="425450" indent="-320675">
+              <a:buSzPct val="45000"/>
+              <a:buFont typeface="Wingdings" charset="2"/>
+              <a:buChar char=""/>
+              <a:tabLst>
+                <a:tab pos="425450" algn="l"/>
+                <a:tab pos="538163" algn="l"/>
+                <a:tab pos="995363" algn="l"/>
+                <a:tab pos="1452563" algn="l"/>
+                <a:tab pos="1909763" algn="l"/>
+                <a:tab pos="2366963" algn="l"/>
+                <a:tab pos="2824163" algn="l"/>
+                <a:tab pos="3281363" algn="l"/>
+                <a:tab pos="3738563" algn="l"/>
+                <a:tab pos="4195763" algn="l"/>
+                <a:tab pos="4652963" algn="l"/>
+                <a:tab pos="5110163" algn="l"/>
+                <a:tab pos="5567363" algn="l"/>
+                <a:tab pos="6024563" algn="l"/>
+                <a:tab pos="6481763" algn="l"/>
+                <a:tab pos="6938963" algn="l"/>
+                <a:tab pos="7396163" algn="l"/>
+                <a:tab pos="7853363" algn="l"/>
+                <a:tab pos="8310563" algn="l"/>
+                <a:tab pos="8767763" algn="l"/>
+                <a:tab pos="9224963" algn="l"/>
+                <a:tab pos="9410700" algn="l"/>
+              </a:tabLst>
+            </a:pPr>
+            <a:endParaRPr lang="en-US" dirty="0" smtClean="0">
+              <a:hlinkClick r:id="rId2"/>
+            </a:endParaRPr>
+          </a:p>
+          <a:p>
+            <a:pPr marL="425450" indent="-320675">
+              <a:buSzPct val="45000"/>
+              <a:buFont typeface="Wingdings" charset="2"/>
+              <a:buChar char=""/>
+              <a:tabLst>
+                <a:tab pos="425450" algn="l"/>
+                <a:tab pos="538163" algn="l"/>
+                <a:tab pos="995363" algn="l"/>
+                <a:tab pos="1452563" algn="l"/>
+                <a:tab pos="1909763" algn="l"/>
+                <a:tab pos="2366963" algn="l"/>
+                <a:tab pos="2824163" algn="l"/>
+                <a:tab pos="3281363" algn="l"/>
+                <a:tab pos="3738563" algn="l"/>
+                <a:tab pos="4195763" algn="l"/>
+                <a:tab pos="4652963" algn="l"/>
+                <a:tab pos="5110163" algn="l"/>
+                <a:tab pos="5567363" algn="l"/>
+                <a:tab pos="6024563" algn="l"/>
+                <a:tab pos="6481763" algn="l"/>
+                <a:tab pos="6938963" algn="l"/>
+                <a:tab pos="7396163" algn="l"/>
+                <a:tab pos="7853363" algn="l"/>
+                <a:tab pos="8310563" algn="l"/>
+                <a:tab pos="8767763" algn="l"/>
+                <a:tab pos="9224963" algn="l"/>
+                <a:tab pos="9410700" algn="l"/>
+              </a:tabLst>
+            </a:pPr>
+            <a:endParaRPr lang="en-US" dirty="0" smtClean="0">
+              <a:hlinkClick r:id="rId2"/>
+            </a:endParaRPr>
+          </a:p>
+          <a:p>
+            <a:pPr marL="425450" indent="-320675">
+              <a:buSzPct val="45000"/>
+              <a:buFont typeface="Wingdings" charset="2"/>
+              <a:buChar char=""/>
+              <a:tabLst>
+                <a:tab pos="425450" algn="l"/>
+                <a:tab pos="538163" algn="l"/>
+                <a:tab pos="995363" algn="l"/>
+                <a:tab pos="1452563" algn="l"/>
+                <a:tab pos="1909763" algn="l"/>
+                <a:tab pos="2366963" algn="l"/>
+                <a:tab pos="2824163" algn="l"/>
+                <a:tab pos="3281363" algn="l"/>
+                <a:tab pos="3738563" algn="l"/>
+                <a:tab pos="4195763" algn="l"/>
+                <a:tab pos="4652963" algn="l"/>
+                <a:tab pos="5110163" algn="l"/>
+                <a:tab pos="5567363" algn="l"/>
+                <a:tab pos="6024563" algn="l"/>
+                <a:tab pos="6481763" algn="l"/>
+                <a:tab pos="6938963" algn="l"/>
+                <a:tab pos="7396163" algn="l"/>
+                <a:tab pos="7853363" algn="l"/>
+                <a:tab pos="8310563" algn="l"/>
+                <a:tab pos="8767763" algn="l"/>
+                <a:tab pos="9224963" algn="l"/>
+                <a:tab pos="9410700" algn="l"/>
+              </a:tabLst>
+            </a:pPr>
+            <a:r>
+              <a:rPr lang="en-US" dirty="0" smtClean="0">
+                <a:hlinkClick r:id="rId2"/>
+              </a:rPr>
+              <a:t>http</a:t>
+            </a:r>
+            <a:r>
+              <a:rPr lang="en-US" dirty="0" smtClean="0">
+                <a:hlinkClick r:id="rId2"/>
+              </a:rPr>
+              <a:t>://developer.android.com</a:t>
+            </a:r>
+            <a:endParaRPr lang="en-US" dirty="0" smtClean="0"/>
+          </a:p>
+          <a:p>
+            <a:pPr marL="425450" indent="-320675">
+              <a:buSzPct val="45000"/>
+              <a:buFont typeface="Wingdings" charset="2"/>
+              <a:buChar char=""/>
+              <a:tabLst>
+                <a:tab pos="425450" algn="l"/>
+                <a:tab pos="538163" algn="l"/>
+                <a:tab pos="995363" algn="l"/>
+                <a:tab pos="1452563" algn="l"/>
+                <a:tab pos="1909763" algn="l"/>
+                <a:tab pos="2366963" algn="l"/>
+                <a:tab pos="2824163" algn="l"/>
+                <a:tab pos="3281363" algn="l"/>
+                <a:tab pos="3738563" algn="l"/>
+                <a:tab pos="4195763" algn="l"/>
+                <a:tab pos="4652963" algn="l"/>
+                <a:tab pos="5110163" algn="l"/>
+                <a:tab pos="5567363" algn="l"/>
+                <a:tab pos="6024563" algn="l"/>
+                <a:tab pos="6481763" algn="l"/>
+                <a:tab pos="6938963" algn="l"/>
+                <a:tab pos="7396163" algn="l"/>
+                <a:tab pos="7853363" algn="l"/>
+                <a:tab pos="8310563" algn="l"/>
+                <a:tab pos="8767763" algn="l"/>
+                <a:tab pos="9224963" algn="l"/>
+                <a:tab pos="9410700" algn="l"/>
+              </a:tabLst>
+            </a:pPr>
+            <a:r>
+              <a:rPr lang="en-US" dirty="0" smtClean="0">
+                <a:hlinkClick r:id="rId3"/>
+              </a:rPr>
+              <a:t>http://developer.android.com/design/index.html</a:t>
+            </a:r>
+            <a:r>
+              <a:rPr lang="en-US" dirty="0" smtClean="0"/>
+              <a:t> </a:t>
+            </a:r>
+          </a:p>
+          <a:p>
+            <a:pPr marL="425450" indent="-320675">
+              <a:buSzPct val="45000"/>
+              <a:buFont typeface="Wingdings" charset="2"/>
+              <a:buChar char=""/>
+              <a:tabLst>
+                <a:tab pos="425450" algn="l"/>
+                <a:tab pos="538163" algn="l"/>
+                <a:tab pos="995363" algn="l"/>
+                <a:tab pos="1452563" algn="l"/>
+                <a:tab pos="1909763" algn="l"/>
+                <a:tab pos="2366963" algn="l"/>
+                <a:tab pos="2824163" algn="l"/>
+                <a:tab pos="3281363" algn="l"/>
+                <a:tab pos="3738563" algn="l"/>
+                <a:tab pos="4195763" algn="l"/>
+                <a:tab pos="4652963" algn="l"/>
+                <a:tab pos="5110163" algn="l"/>
+                <a:tab pos="5567363" algn="l"/>
+                <a:tab pos="6024563" algn="l"/>
+                <a:tab pos="6481763" algn="l"/>
+                <a:tab pos="6938963" algn="l"/>
+                <a:tab pos="7396163" algn="l"/>
+                <a:tab pos="7853363" algn="l"/>
+                <a:tab pos="8310563" algn="l"/>
+                <a:tab pos="8767763" algn="l"/>
+                <a:tab pos="9224963" algn="l"/>
+                <a:tab pos="9410700" algn="l"/>
+              </a:tabLst>
+            </a:pPr>
+            <a:r>
+              <a:rPr lang="en-US" dirty="0" smtClean="0">
+                <a:hlinkClick r:id="rId4"/>
+              </a:rPr>
+              <a:t>http</a:t>
+            </a:r>
+            <a:r>
+              <a:rPr lang="en-US" dirty="0" smtClean="0">
+                <a:hlinkClick r:id="rId4"/>
+              </a:rPr>
+              <a:t>://code.google.com/p/apps-for-android/</a:t>
+            </a:r>
+            <a:endParaRPr lang="en-US" dirty="0" smtClean="0"/>
+          </a:p>
+          <a:p>
+            <a:pPr marL="425450" indent="-320675">
+              <a:buSzPct val="45000"/>
+              <a:buFont typeface="Wingdings" charset="2"/>
+              <a:buChar char=""/>
+              <a:tabLst>
+                <a:tab pos="425450" algn="l"/>
+                <a:tab pos="538163" algn="l"/>
+                <a:tab pos="995363" algn="l"/>
+                <a:tab pos="1452563" algn="l"/>
+                <a:tab pos="1909763" algn="l"/>
+                <a:tab pos="2366963" algn="l"/>
+                <a:tab pos="2824163" algn="l"/>
+                <a:tab pos="3281363" algn="l"/>
+                <a:tab pos="3738563" algn="l"/>
+                <a:tab pos="4195763" algn="l"/>
+                <a:tab pos="4652963" algn="l"/>
+                <a:tab pos="5110163" algn="l"/>
+                <a:tab pos="5567363" algn="l"/>
+                <a:tab pos="6024563" algn="l"/>
+                <a:tab pos="6481763" algn="l"/>
+                <a:tab pos="6938963" algn="l"/>
+                <a:tab pos="7396163" algn="l"/>
+                <a:tab pos="7853363" algn="l"/>
+                <a:tab pos="8310563" algn="l"/>
+                <a:tab pos="8767763" algn="l"/>
+                <a:tab pos="9224963" algn="l"/>
+                <a:tab pos="9410700" algn="l"/>
+              </a:tabLst>
+            </a:pPr>
+            <a:r>
+              <a:rPr lang="en-US" dirty="0" smtClean="0">
+                <a:hlinkClick r:id="rId5"/>
+              </a:rPr>
+              <a:t>http</a:t>
+            </a:r>
+            <a:r>
+              <a:rPr lang="en-US" dirty="0" smtClean="0">
+                <a:hlinkClick r:id="rId5"/>
+              </a:rPr>
+              <a:t>://www.kantarworldpanel.com/Global/News/While-Android-Leads-iOS-and-Windows-Are-Growing-At-A-Faster-Pace</a:t>
+            </a:r>
+            <a:endParaRPr lang="en-US" dirty="0" smtClean="0"/>
+          </a:p>
+          <a:p>
+            <a:pPr marL="425450" indent="-320675">
+              <a:buSzPct val="45000"/>
+              <a:buFont typeface="Wingdings" charset="2"/>
+              <a:buChar char=""/>
+              <a:tabLst>
+                <a:tab pos="425450" algn="l"/>
+                <a:tab pos="538163" algn="l"/>
+                <a:tab pos="995363" algn="l"/>
+                <a:tab pos="1452563" algn="l"/>
+                <a:tab pos="1909763" algn="l"/>
+                <a:tab pos="2366963" algn="l"/>
+                <a:tab pos="2824163" algn="l"/>
+                <a:tab pos="3281363" algn="l"/>
+                <a:tab pos="3738563" algn="l"/>
+                <a:tab pos="4195763" algn="l"/>
+                <a:tab pos="4652963" algn="l"/>
+                <a:tab pos="5110163" algn="l"/>
+                <a:tab pos="5567363" algn="l"/>
+                <a:tab pos="6024563" algn="l"/>
+                <a:tab pos="6481763" algn="l"/>
+                <a:tab pos="6938963" algn="l"/>
+                <a:tab pos="7396163" algn="l"/>
+                <a:tab pos="7853363" algn="l"/>
+                <a:tab pos="8310563" algn="l"/>
+                <a:tab pos="8767763" algn="l"/>
+                <a:tab pos="9224963" algn="l"/>
+                <a:tab pos="9410700" algn="l"/>
+              </a:tabLst>
+            </a:pPr>
+            <a:endParaRPr lang="en-US" dirty="0" smtClean="0"/>
+          </a:p>
+          <a:p>
+            <a:pPr marL="425450" indent="-320675">
+              <a:buSzPct val="45000"/>
+              <a:buFont typeface="Wingdings" charset="2"/>
+              <a:buChar char=""/>
+              <a:tabLst>
+                <a:tab pos="425450" algn="l"/>
+                <a:tab pos="538163" algn="l"/>
+                <a:tab pos="995363" algn="l"/>
+                <a:tab pos="1452563" algn="l"/>
+                <a:tab pos="1909763" algn="l"/>
+                <a:tab pos="2366963" algn="l"/>
+                <a:tab pos="2824163" algn="l"/>
+                <a:tab pos="3281363" algn="l"/>
+                <a:tab pos="3738563" algn="l"/>
+                <a:tab pos="4195763" algn="l"/>
+                <a:tab pos="4652963" algn="l"/>
+                <a:tab pos="5110163" algn="l"/>
+                <a:tab pos="5567363" algn="l"/>
+                <a:tab pos="6024563" algn="l"/>
+                <a:tab pos="6481763" algn="l"/>
+                <a:tab pos="6938963" algn="l"/>
+                <a:tab pos="7396163" algn="l"/>
+                <a:tab pos="7853363" algn="l"/>
+                <a:tab pos="8310563" algn="l"/>
+                <a:tab pos="8767763" algn="l"/>
+                <a:tab pos="9224963" algn="l"/>
+                <a:tab pos="9410700" algn="l"/>
+              </a:tabLst>
+            </a:pPr>
+            <a:endParaRPr lang="en-US" dirty="0" smtClean="0"/>
+          </a:p>
+          <a:p>
+            <a:endParaRPr lang="en-US" dirty="0"/>
+          </a:p>
+        </p:txBody>
+      </p:sp>
+    </p:spTree>
+  </p:cSld>
+  <p:clrMapOvr>
+    <a:masterClrMapping/>
+  </p:clrMapOvr>
+  <p:timing>
+    <p:tnLst>
+      <p:par>
+        <p:cTn id="1" dur="indefinite" restart="never" nodeType="tmRoot"/>
+      </p:par>
+    </p:tnLst>
+  </p:timing>
+</p:sld>
+</file>
+
 <file path=ppt/slides/slide5.xml><?xml version="1.0" encoding="utf-8"?>
 <p:sld xmlns:a="http://schemas.openxmlformats.org/drawingml/2006/main" xmlns:r="http://schemas.openxmlformats.org/officeDocument/2006/relationships" xmlns:p="http://schemas.openxmlformats.org/presentationml/2006/main">
   <p:cSld>
@@ -8928,7 +9944,7 @@
           <a:p>
             <a:r>
               <a:rPr lang="en-US" dirty="0" smtClean="0"/>
-              <a:t>What It is NOT</a:t>
+              <a:t>Before Android</a:t>
             </a:r>
             <a:endParaRPr lang="en-US" dirty="0"/>
           </a:p>
@@ -8949,38 +9965,47 @@
           <a:bodyPr/>
           <a:lstStyle/>
           <a:p>
-            <a:r>
-              <a:rPr lang="en-US" dirty="0" smtClean="0"/>
-              <a:t>Not J2ME extension</a:t>
-            </a:r>
-          </a:p>
-          <a:p>
-            <a:r>
-              <a:rPr lang="en-US" dirty="0" smtClean="0"/>
-              <a:t>Simply an Application Layer</a:t>
-            </a:r>
-          </a:p>
-          <a:p>
-            <a:r>
-              <a:rPr lang="en-US" dirty="0" smtClean="0"/>
-              <a:t>A mobile phone handset</a:t>
-            </a:r>
-          </a:p>
-          <a:p>
-            <a:r>
-              <a:rPr lang="en-US" dirty="0" smtClean="0"/>
-              <a:t>Google’s answer to </a:t>
-            </a:r>
+            <a:endParaRPr lang="en-US" dirty="0" smtClean="0"/>
+          </a:p>
+          <a:p>
+            <a:endParaRPr lang="en-US" dirty="0" smtClean="0"/>
+          </a:p>
+          <a:p>
+            <a:endParaRPr lang="en-US" dirty="0" smtClean="0"/>
+          </a:p>
+          <a:p>
+            <a:endParaRPr lang="en-US" dirty="0" smtClean="0"/>
+          </a:p>
+          <a:p>
+            <a:r>
+              <a:rPr lang="en-US" dirty="0" smtClean="0"/>
+              <a:t>Embedded Programming</a:t>
+            </a:r>
+          </a:p>
+          <a:p>
+            <a:r>
+              <a:rPr lang="en-US" dirty="0" smtClean="0"/>
+              <a:t>Hardware Dependant</a:t>
+            </a:r>
+          </a:p>
+          <a:p>
+            <a:r>
+              <a:rPr lang="en-US" dirty="0" smtClean="0"/>
+              <a:t>J2ME</a:t>
+            </a:r>
+          </a:p>
+          <a:p>
             <a:r>
               <a:rPr lang="en-US" dirty="0" err="1" smtClean="0"/>
-              <a:t>iPhone</a:t>
-            </a:r>
-            <a:r>
-              <a:rPr lang="en-US" dirty="0" smtClean="0"/>
-              <a:t> !!!</a:t>
-            </a:r>
-          </a:p>
-          <a:p>
+              <a:t>Symbian</a:t>
+            </a:r>
+            <a:endParaRPr lang="en-US" dirty="0" smtClean="0"/>
+          </a:p>
+          <a:p>
+            <a:r>
+              <a:rPr lang="en-US" dirty="0" err="1" smtClean="0"/>
+              <a:t>iOS</a:t>
+            </a:r>
             <a:endParaRPr lang="en-US" dirty="0"/>
           </a:p>
         </p:txBody>
@@ -9060,6 +10085,18 @@
           </a:bodyPr>
           <a:lstStyle/>
           <a:p>
+            <a:endParaRPr lang="en-US" dirty="0" smtClean="0"/>
+          </a:p>
+          <a:p>
+            <a:endParaRPr lang="en-US" dirty="0" smtClean="0"/>
+          </a:p>
+          <a:p>
+            <a:endParaRPr lang="en-US" dirty="0" smtClean="0"/>
+          </a:p>
+          <a:p>
+            <a:endParaRPr lang="en-US" dirty="0" smtClean="0"/>
+          </a:p>
+          <a:p>
             <a:r>
               <a:rPr lang="en-US" dirty="0" smtClean="0"/>
               <a:t>Newness</a:t>
@@ -9092,36 +10129,6 @@
               <a:t>Universalness</a:t>
             </a:r>
             <a:endParaRPr lang="en-US" dirty="0" smtClean="0"/>
-          </a:p>
-          <a:p>
-            <a:r>
-              <a:rPr lang="en-US" dirty="0" smtClean="0"/>
-              <a:t>Future of all devices</a:t>
-            </a:r>
-          </a:p>
-          <a:p>
-            <a:r>
-              <a:rPr lang="en-US" dirty="0" smtClean="0"/>
-              <a:t>Android went ahead of </a:t>
-            </a:r>
-          </a:p>
-          <a:p>
-            <a:pPr>
-              <a:buNone/>
-            </a:pPr>
-            <a:r>
-              <a:rPr lang="en-US" dirty="0" smtClean="0"/>
-              <a:t>Apple in Apr’13 with 51.7% </a:t>
-            </a:r>
-          </a:p>
-          <a:p>
-            <a:pPr>
-              <a:buNone/>
-            </a:pPr>
-            <a:r>
-              <a:rPr lang="en-US" dirty="0" smtClean="0"/>
-              <a:t>market Share</a:t>
-            </a:r>
           </a:p>
         </p:txBody>
       </p:sp>
@@ -9256,10 +10263,6 @@
           <a:bodyPr/>
           <a:lstStyle/>
           <a:p>
-            <a:r>
-              <a:rPr lang="en-US" dirty="0" smtClean="0"/>
-              <a:t>Android SDK</a:t>
-            </a:r>
             <a:endParaRPr lang="en-US" dirty="0"/>
           </a:p>
         </p:txBody>
@@ -9276,60 +10279,73 @@
         </p:nvSpPr>
         <p:spPr/>
         <p:txBody>
-          <a:bodyPr>
-            <a:normAutofit/>
-          </a:bodyPr>
-          <a:lstStyle/>
-          <a:p>
-            <a:endParaRPr lang="en-US" dirty="0" smtClean="0"/>
-          </a:p>
-          <a:p>
-            <a:endParaRPr lang="en-US" dirty="0" smtClean="0"/>
-          </a:p>
-          <a:p>
-            <a:r>
-              <a:rPr lang="en-US" dirty="0" smtClean="0"/>
-              <a:t>Stands for Software Development Kit</a:t>
-            </a:r>
-          </a:p>
-          <a:p>
-            <a:r>
-              <a:rPr lang="en-US" dirty="0" smtClean="0"/>
-              <a:t>It’s free</a:t>
-            </a:r>
-          </a:p>
-          <a:p>
-            <a:r>
-              <a:rPr lang="en-US" dirty="0" smtClean="0"/>
-              <a:t>Contains API for App Development</a:t>
-            </a:r>
-          </a:p>
-          <a:p>
-            <a:r>
-              <a:rPr lang="en-US" dirty="0" smtClean="0"/>
-              <a:t>API for telephony like GSM, EDGE, 3G and Location</a:t>
-            </a:r>
-          </a:p>
-          <a:p>
-            <a:r>
-              <a:rPr lang="en-US" dirty="0" smtClean="0"/>
-              <a:t>IPC Message passing</a:t>
-            </a:r>
-          </a:p>
-          <a:p>
-            <a:r>
-              <a:rPr lang="en-US" dirty="0" smtClean="0"/>
-              <a:t>Graphics Library OpenGL ES</a:t>
-            </a:r>
-          </a:p>
-          <a:p>
-            <a:r>
-              <a:rPr lang="en-US" dirty="0" smtClean="0"/>
-              <a:t>Integrated with Eclipse</a:t>
-            </a:r>
-          </a:p>
-        </p:txBody>
-      </p:sp>
+          <a:bodyPr/>
+          <a:lstStyle/>
+          <a:p>
+            <a:r>
+              <a:rPr lang="en-US" dirty="0" smtClean="0"/>
+              <a:t>Future of all devices</a:t>
+            </a:r>
+          </a:p>
+          <a:p>
+            <a:r>
+              <a:rPr lang="en-US" dirty="0" smtClean="0"/>
+              <a:t>Android went ahead of </a:t>
+            </a:r>
+            <a:r>
+              <a:rPr lang="en-US" dirty="0" smtClean="0"/>
+              <a:t>Apple </a:t>
+            </a:r>
+            <a:r>
+              <a:rPr lang="en-US" dirty="0" smtClean="0"/>
+              <a:t>in Apr’13 with 51.7% </a:t>
+            </a:r>
+            <a:r>
+              <a:rPr lang="en-US" dirty="0" smtClean="0"/>
+              <a:t>market </a:t>
+            </a:r>
+            <a:r>
+              <a:rPr lang="en-US" dirty="0" smtClean="0"/>
+              <a:t>Share</a:t>
+            </a:r>
+          </a:p>
+          <a:p>
+            <a:endParaRPr lang="en-US" dirty="0"/>
+          </a:p>
+        </p:txBody>
+      </p:sp>
+      <p:pic>
+        <p:nvPicPr>
+          <p:cNvPr id="4" name="Picture 3"/>
+          <p:cNvPicPr>
+            <a:picLocks noChangeAspect="1" noChangeArrowheads="1"/>
+          </p:cNvPicPr>
+          <p:nvPr/>
+        </p:nvPicPr>
+        <p:blipFill>
+          <a:blip r:embed="rId2"/>
+          <a:srcRect/>
+          <a:stretch>
+            <a:fillRect/>
+          </a:stretch>
+        </p:blipFill>
+        <p:spPr bwMode="auto">
+          <a:xfrm>
+            <a:off x="4038600" y="3657600"/>
+            <a:ext cx="4752975" cy="2952750"/>
+          </a:xfrm>
+          <a:prstGeom prst="rect">
+            <a:avLst/>
+          </a:prstGeom>
+          <a:noFill/>
+          <a:ln w="9525">
+            <a:noFill/>
+            <a:round/>
+            <a:headEnd/>
+            <a:tailEnd/>
+          </a:ln>
+        </p:spPr>
+      </p:pic>
     </p:spTree>
   </p:cSld>
   <p:clrMapOvr>
@@ -9379,15 +10395,7 @@
           <a:p>
             <a:r>
               <a:rPr lang="en-US" dirty="0" smtClean="0"/>
-              <a:t>Love </a:t>
-            </a:r>
-            <a:r>
-              <a:rPr lang="en-US" dirty="0" err="1" smtClean="0"/>
-              <a:t>IntelliJ</a:t>
-            </a:r>
-            <a:r>
-              <a:rPr lang="en-US" dirty="0" smtClean="0"/>
-              <a:t> IDEA?</a:t>
+              <a:t>Android SDK</a:t>
             </a:r>
             <a:endParaRPr lang="en-US" dirty="0"/>
           </a:p>
@@ -9406,29 +10414,53 @@
         <p:spPr/>
         <p:txBody>
           <a:bodyPr>
-            <a:normAutofit fontScale="92500"/>
+            <a:normAutofit/>
           </a:bodyPr>
           <a:lstStyle/>
           <a:p>
-            <a:r>
-              <a:rPr lang="en-US" dirty="0" smtClean="0"/>
-              <a:t>It recently added full-cycle Android development support in both the free Community Edition and the Ultimate edition</a:t>
-            </a:r>
-          </a:p>
-          <a:p>
-            <a:r>
-              <a:rPr lang="en-US" dirty="0" smtClean="0"/>
-              <a:t>The IDE ensures compatibility with the latest Android SDK and offers a smart code editor with completion, quick navigation between code and resources, a graphical debugger, unit testing support using Android Testing Framework, and the ability to run applications in either the emulator or a USB-connected device.</a:t>
-            </a:r>
-          </a:p>
-          <a:p>
-            <a:r>
-              <a:rPr lang="en-US" dirty="0" smtClean="0">
-                <a:hlinkClick r:id="rId2"/>
-              </a:rPr>
-              <a:t>http://developer.android.com/tools/workflow/index.html</a:t>
-            </a:r>
             <a:endParaRPr lang="en-US" dirty="0" smtClean="0"/>
+          </a:p>
+          <a:p>
+            <a:endParaRPr lang="en-US" dirty="0" smtClean="0"/>
+          </a:p>
+          <a:p>
+            <a:endParaRPr lang="en-US" dirty="0" smtClean="0"/>
+          </a:p>
+          <a:p>
+            <a:r>
+              <a:rPr lang="en-US" dirty="0" smtClean="0"/>
+              <a:t>It’s free</a:t>
+            </a:r>
+          </a:p>
+          <a:p>
+            <a:r>
+              <a:rPr lang="en-US" dirty="0" smtClean="0"/>
+              <a:t>Contains API for App Development</a:t>
+            </a:r>
+          </a:p>
+          <a:p>
+            <a:r>
+              <a:rPr lang="en-US" dirty="0" smtClean="0"/>
+              <a:t>API for telephony like GSM, EDGE, 3G and Location</a:t>
+            </a:r>
+          </a:p>
+          <a:p>
+            <a:r>
+              <a:rPr lang="en-US" dirty="0" smtClean="0"/>
+              <a:t>IPC Message passing</a:t>
+            </a:r>
+          </a:p>
+          <a:p>
+            <a:r>
+              <a:rPr lang="en-US" dirty="0" smtClean="0"/>
+              <a:t>Graphics Library OpenGL ES</a:t>
+            </a:r>
+          </a:p>
+          <a:p>
+            <a:r>
+              <a:rPr lang="en-US" dirty="0" smtClean="0"/>
+              <a:t>Integrated with Eclipse</a:t>
+            </a:r>
           </a:p>
         </p:txBody>
       </p:sp>
@@ -9476,275 +10508,61 @@
         </p:nvSpPr>
         <p:spPr/>
         <p:txBody>
+          <a:bodyPr/>
+          <a:lstStyle/>
+          <a:p>
+            <a:r>
+              <a:rPr lang="en-US" dirty="0" smtClean="0"/>
+              <a:t>Love </a:t>
+            </a:r>
+            <a:r>
+              <a:rPr lang="en-US" dirty="0" err="1" smtClean="0"/>
+              <a:t>IntelliJ</a:t>
+            </a:r>
+            <a:r>
+              <a:rPr lang="en-US" dirty="0" smtClean="0"/>
+              <a:t> IDEA?</a:t>
+            </a:r>
+            <a:endParaRPr lang="en-US" dirty="0"/>
+          </a:p>
+        </p:txBody>
+      </p:sp>
+      <p:sp>
+        <p:nvSpPr>
+          <p:cNvPr id="3" name="Content Placeholder 2"/>
+          <p:cNvSpPr>
+            <a:spLocks noGrp="1"/>
+          </p:cNvSpPr>
+          <p:nvPr>
+            <p:ph idx="1"/>
+          </p:nvPr>
+        </p:nvSpPr>
+        <p:spPr/>
+        <p:txBody>
           <a:bodyPr>
-            <a:normAutofit/>
+            <a:normAutofit fontScale="92500"/>
           </a:bodyPr>
           <a:lstStyle/>
           <a:p>
             <a:r>
               <a:rPr lang="en-US" dirty="0" smtClean="0"/>
-              <a:t>Do You need phone?</a:t>
-            </a:r>
-            <a:endParaRPr lang="en-US" dirty="0"/>
-          </a:p>
-        </p:txBody>
-      </p:sp>
-      <p:sp>
-        <p:nvSpPr>
-          <p:cNvPr id="3" name="Content Placeholder 2"/>
-          <p:cNvSpPr>
-            <a:spLocks noGrp="1"/>
-          </p:cNvSpPr>
-          <p:nvPr>
-            <p:ph idx="1"/>
-          </p:nvPr>
-        </p:nvSpPr>
-        <p:spPr/>
-        <p:txBody>
-          <a:bodyPr>
-            <a:normAutofit/>
-          </a:bodyPr>
-          <a:lstStyle/>
-          <a:p>
-            <a:pPr marL="425450" indent="-320675">
-              <a:buSzPct val="45000"/>
-              <a:buFont typeface="Wingdings" charset="2"/>
-              <a:buChar char=""/>
-              <a:tabLst>
-                <a:tab pos="425450" algn="l"/>
-                <a:tab pos="538163" algn="l"/>
-                <a:tab pos="995363" algn="l"/>
-                <a:tab pos="1452563" algn="l"/>
-                <a:tab pos="1909763" algn="l"/>
-                <a:tab pos="2366963" algn="l"/>
-                <a:tab pos="2824163" algn="l"/>
-                <a:tab pos="3281363" algn="l"/>
-                <a:tab pos="3738563" algn="l"/>
-                <a:tab pos="4195763" algn="l"/>
-                <a:tab pos="4652963" algn="l"/>
-                <a:tab pos="5110163" algn="l"/>
-                <a:tab pos="5567363" algn="l"/>
-                <a:tab pos="6024563" algn="l"/>
-                <a:tab pos="6481763" algn="l"/>
-                <a:tab pos="6938963" algn="l"/>
-                <a:tab pos="7396163" algn="l"/>
-                <a:tab pos="7853363" algn="l"/>
-                <a:tab pos="8310563" algn="l"/>
-                <a:tab pos="8767763" algn="l"/>
-                <a:tab pos="9224963" algn="l"/>
-                <a:tab pos="9410700" algn="l"/>
-              </a:tabLst>
-            </a:pPr>
+              <a:t>It recently added full-cycle Android development support in both the free Community Edition and the Ultimate edition</a:t>
+            </a:r>
+          </a:p>
+          <a:p>
+            <a:r>
+              <a:rPr lang="en-US" dirty="0" smtClean="0"/>
+              <a:t>The IDE ensures compatibility with the latest Android SDK and offers a smart code editor with completion, quick navigation between code and resources, a graphical debugger, unit testing support using Android Testing Framework, and the ability to run applications in either the emulator or a USB-connected device.</a:t>
+            </a:r>
+          </a:p>
+          <a:p>
+            <a:r>
+              <a:rPr lang="en-US" dirty="0" smtClean="0">
+                <a:hlinkClick r:id="rId2"/>
+              </a:rPr>
+              <a:t>http://developer.android.com/tools/workflow/index.html</a:t>
+            </a:r>
             <a:endParaRPr lang="en-US" dirty="0" smtClean="0"/>
-          </a:p>
-          <a:p>
-            <a:pPr marL="425450" indent="-320675">
-              <a:buSzPct val="45000"/>
-              <a:buFont typeface="Wingdings" charset="2"/>
-              <a:buChar char=""/>
-              <a:tabLst>
-                <a:tab pos="425450" algn="l"/>
-                <a:tab pos="538163" algn="l"/>
-                <a:tab pos="995363" algn="l"/>
-                <a:tab pos="1452563" algn="l"/>
-                <a:tab pos="1909763" algn="l"/>
-                <a:tab pos="2366963" algn="l"/>
-                <a:tab pos="2824163" algn="l"/>
-                <a:tab pos="3281363" algn="l"/>
-                <a:tab pos="3738563" algn="l"/>
-                <a:tab pos="4195763" algn="l"/>
-                <a:tab pos="4652963" algn="l"/>
-                <a:tab pos="5110163" algn="l"/>
-                <a:tab pos="5567363" algn="l"/>
-                <a:tab pos="6024563" algn="l"/>
-                <a:tab pos="6481763" algn="l"/>
-                <a:tab pos="6938963" algn="l"/>
-                <a:tab pos="7396163" algn="l"/>
-                <a:tab pos="7853363" algn="l"/>
-                <a:tab pos="8310563" algn="l"/>
-                <a:tab pos="8767763" algn="l"/>
-                <a:tab pos="9224963" algn="l"/>
-                <a:tab pos="9410700" algn="l"/>
-              </a:tabLst>
-            </a:pPr>
-            <a:endParaRPr lang="en-US" dirty="0" smtClean="0"/>
-          </a:p>
-          <a:p>
-            <a:pPr marL="425450" indent="-320675">
-              <a:buSzPct val="45000"/>
-              <a:buFont typeface="Wingdings" charset="2"/>
-              <a:buChar char=""/>
-              <a:tabLst>
-                <a:tab pos="425450" algn="l"/>
-                <a:tab pos="538163" algn="l"/>
-                <a:tab pos="995363" algn="l"/>
-                <a:tab pos="1452563" algn="l"/>
-                <a:tab pos="1909763" algn="l"/>
-                <a:tab pos="2366963" algn="l"/>
-                <a:tab pos="2824163" algn="l"/>
-                <a:tab pos="3281363" algn="l"/>
-                <a:tab pos="3738563" algn="l"/>
-                <a:tab pos="4195763" algn="l"/>
-                <a:tab pos="4652963" algn="l"/>
-                <a:tab pos="5110163" algn="l"/>
-                <a:tab pos="5567363" algn="l"/>
-                <a:tab pos="6024563" algn="l"/>
-                <a:tab pos="6481763" algn="l"/>
-                <a:tab pos="6938963" algn="l"/>
-                <a:tab pos="7396163" algn="l"/>
-                <a:tab pos="7853363" algn="l"/>
-                <a:tab pos="8310563" algn="l"/>
-                <a:tab pos="8767763" algn="l"/>
-                <a:tab pos="9224963" algn="l"/>
-                <a:tab pos="9410700" algn="l"/>
-              </a:tabLst>
-            </a:pPr>
-            <a:endParaRPr lang="en-US" dirty="0" smtClean="0"/>
-          </a:p>
-          <a:p>
-            <a:pPr marL="425450" indent="-320675">
-              <a:buSzPct val="45000"/>
-              <a:buFont typeface="Wingdings" charset="2"/>
-              <a:buChar char=""/>
-              <a:tabLst>
-                <a:tab pos="425450" algn="l"/>
-                <a:tab pos="538163" algn="l"/>
-                <a:tab pos="995363" algn="l"/>
-                <a:tab pos="1452563" algn="l"/>
-                <a:tab pos="1909763" algn="l"/>
-                <a:tab pos="2366963" algn="l"/>
-                <a:tab pos="2824163" algn="l"/>
-                <a:tab pos="3281363" algn="l"/>
-                <a:tab pos="3738563" algn="l"/>
-                <a:tab pos="4195763" algn="l"/>
-                <a:tab pos="4652963" algn="l"/>
-                <a:tab pos="5110163" algn="l"/>
-                <a:tab pos="5567363" algn="l"/>
-                <a:tab pos="6024563" algn="l"/>
-                <a:tab pos="6481763" algn="l"/>
-                <a:tab pos="6938963" algn="l"/>
-                <a:tab pos="7396163" algn="l"/>
-                <a:tab pos="7853363" algn="l"/>
-                <a:tab pos="8310563" algn="l"/>
-                <a:tab pos="8767763" algn="l"/>
-                <a:tab pos="9224963" algn="l"/>
-                <a:tab pos="9410700" algn="l"/>
-              </a:tabLst>
-            </a:pPr>
-            <a:endParaRPr lang="en-US" dirty="0" smtClean="0"/>
-          </a:p>
-          <a:p>
-            <a:pPr marL="425450" indent="-320675">
-              <a:buSzPct val="45000"/>
-              <a:buFont typeface="Wingdings" charset="2"/>
-              <a:buChar char=""/>
-              <a:tabLst>
-                <a:tab pos="425450" algn="l"/>
-                <a:tab pos="538163" algn="l"/>
-                <a:tab pos="995363" algn="l"/>
-                <a:tab pos="1452563" algn="l"/>
-                <a:tab pos="1909763" algn="l"/>
-                <a:tab pos="2366963" algn="l"/>
-                <a:tab pos="2824163" algn="l"/>
-                <a:tab pos="3281363" algn="l"/>
-                <a:tab pos="3738563" algn="l"/>
-                <a:tab pos="4195763" algn="l"/>
-                <a:tab pos="4652963" algn="l"/>
-                <a:tab pos="5110163" algn="l"/>
-                <a:tab pos="5567363" algn="l"/>
-                <a:tab pos="6024563" algn="l"/>
-                <a:tab pos="6481763" algn="l"/>
-                <a:tab pos="6938963" algn="l"/>
-                <a:tab pos="7396163" algn="l"/>
-                <a:tab pos="7853363" algn="l"/>
-                <a:tab pos="8310563" algn="l"/>
-                <a:tab pos="8767763" algn="l"/>
-                <a:tab pos="9224963" algn="l"/>
-                <a:tab pos="9410700" algn="l"/>
-              </a:tabLst>
-            </a:pPr>
-            <a:r>
-              <a:rPr lang="en-US" dirty="0" smtClean="0"/>
-              <a:t>Not Really</a:t>
-            </a:r>
-          </a:p>
-          <a:p>
-            <a:pPr marL="425450" indent="-320675">
-              <a:buSzPct val="45000"/>
-              <a:buFont typeface="Wingdings" charset="2"/>
-              <a:buChar char=""/>
-              <a:tabLst>
-                <a:tab pos="425450" algn="l"/>
-                <a:tab pos="538163" algn="l"/>
-                <a:tab pos="995363" algn="l"/>
-                <a:tab pos="1452563" algn="l"/>
-                <a:tab pos="1909763" algn="l"/>
-                <a:tab pos="2366963" algn="l"/>
-                <a:tab pos="2824163" algn="l"/>
-                <a:tab pos="3281363" algn="l"/>
-                <a:tab pos="3738563" algn="l"/>
-                <a:tab pos="4195763" algn="l"/>
-                <a:tab pos="4652963" algn="l"/>
-                <a:tab pos="5110163" algn="l"/>
-                <a:tab pos="5567363" algn="l"/>
-                <a:tab pos="6024563" algn="l"/>
-                <a:tab pos="6481763" algn="l"/>
-                <a:tab pos="6938963" algn="l"/>
-                <a:tab pos="7396163" algn="l"/>
-                <a:tab pos="7853363" algn="l"/>
-                <a:tab pos="8310563" algn="l"/>
-                <a:tab pos="8767763" algn="l"/>
-                <a:tab pos="9224963" algn="l"/>
-                <a:tab pos="9410700" algn="l"/>
-              </a:tabLst>
-            </a:pPr>
-            <a:r>
-              <a:rPr lang="en-US" dirty="0" smtClean="0"/>
-              <a:t>Though little slow, but an emulator that is part of the Android SDK can be used for development.</a:t>
-            </a:r>
-          </a:p>
-          <a:p>
-            <a:pPr marL="425450" indent="-320675">
-              <a:buSzPct val="45000"/>
-              <a:buFont typeface="Wingdings" charset="2"/>
-              <a:buChar char=""/>
-              <a:tabLst>
-                <a:tab pos="425450" algn="l"/>
-                <a:tab pos="538163" algn="l"/>
-                <a:tab pos="995363" algn="l"/>
-                <a:tab pos="1452563" algn="l"/>
-                <a:tab pos="1909763" algn="l"/>
-                <a:tab pos="2366963" algn="l"/>
-                <a:tab pos="2824163" algn="l"/>
-                <a:tab pos="3281363" algn="l"/>
-                <a:tab pos="3738563" algn="l"/>
-                <a:tab pos="4195763" algn="l"/>
-                <a:tab pos="4652963" algn="l"/>
-                <a:tab pos="5110163" algn="l"/>
-                <a:tab pos="5567363" algn="l"/>
-                <a:tab pos="6024563" algn="l"/>
-                <a:tab pos="6481763" algn="l"/>
-                <a:tab pos="6938963" algn="l"/>
-                <a:tab pos="7396163" algn="l"/>
-                <a:tab pos="7853363" algn="l"/>
-                <a:tab pos="8310563" algn="l"/>
-                <a:tab pos="8767763" algn="l"/>
-                <a:tab pos="9224963" algn="l"/>
-                <a:tab pos="9410700" algn="l"/>
-              </a:tabLst>
-            </a:pPr>
-            <a:r>
-              <a:rPr lang="en-US" dirty="0" smtClean="0"/>
-              <a:t>(Google has </a:t>
-            </a:r>
-            <a:r>
-              <a:rPr lang="en-US" dirty="0" err="1" smtClean="0"/>
-              <a:t>earelier</a:t>
-            </a:r>
-            <a:r>
-              <a:rPr lang="en-US" dirty="0" smtClean="0"/>
-              <a:t> distributed free phones to developers fulfilling certain criteria)</a:t>
-            </a:r>
           </a:p>
         </p:txBody>
       </p:sp>

--- a/Android 101.pptx
+++ b/Android 101.pptx
@@ -5822,11 +5822,7 @@
           <a:p>
             <a:r>
               <a:rPr lang="en-US" dirty="0" smtClean="0"/>
-              <a:t>Similar </a:t>
-            </a:r>
-            <a:r>
-              <a:rPr lang="en-US" dirty="0" smtClean="0"/>
-              <a:t>to a Use Case.</a:t>
+              <a:t>Similar to a Use Case.</a:t>
             </a:r>
           </a:p>
           <a:p>
@@ -5953,11 +5949,7 @@
           <a:p>
             <a:r>
               <a:rPr lang="en-US" dirty="0" smtClean="0"/>
-              <a:t>No </a:t>
-            </a:r>
-            <a:r>
-              <a:rPr lang="en-US" dirty="0" smtClean="0"/>
-              <a:t>Visual interface</a:t>
+              <a:t>No Visual interface</a:t>
             </a:r>
           </a:p>
           <a:p>
@@ -6064,11 +6056,7 @@
           <a:p>
             <a:r>
               <a:rPr lang="en-US" dirty="0" smtClean="0"/>
-              <a:t>Extend </a:t>
-            </a:r>
-            <a:r>
-              <a:rPr lang="en-US" dirty="0" smtClean="0"/>
-              <a:t>the class </a:t>
+              <a:t>Extend the class </a:t>
             </a:r>
             <a:r>
               <a:rPr lang="en-US" dirty="0" err="1" smtClean="0"/>
@@ -6182,11 +6170,7 @@
           <a:p>
             <a:r>
               <a:rPr lang="en-US" dirty="0" smtClean="0"/>
-              <a:t>Used </a:t>
-            </a:r>
-            <a:r>
-              <a:rPr lang="en-US" dirty="0" smtClean="0"/>
-              <a:t>to interchange data between different Applications</a:t>
+              <a:t>Used to interchange data between different Applications</a:t>
             </a:r>
           </a:p>
           <a:p>
@@ -6290,19 +6274,15 @@
           <a:p>
             <a:r>
               <a:rPr lang="en-US" dirty="0" smtClean="0"/>
-              <a:t>An </a:t>
-            </a:r>
-            <a:r>
-              <a:rPr lang="en-US" dirty="0" smtClean="0"/>
-              <a:t>Intent to start either an Activity, Service or </a:t>
-            </a:r>
-            <a:r>
-              <a:rPr lang="en-US" dirty="0" err="1" smtClean="0"/>
-              <a:t>Braodcast</a:t>
-            </a:r>
-            <a:r>
-              <a:rPr lang="en-US" dirty="0" smtClean="0"/>
-              <a:t> Receiver</a:t>
+              <a:t>An Intent to start either an Activity, Service or </a:t>
+            </a:r>
+            <a:r>
+              <a:rPr lang="en-US" dirty="0" smtClean="0"/>
+              <a:t>Broadcast </a:t>
+            </a:r>
+            <a:r>
+              <a:rPr lang="en-US" dirty="0" smtClean="0"/>
+              <a:t>Receiver</a:t>
             </a:r>
           </a:p>
           <a:p>
@@ -6398,11 +6378,7 @@
           <a:p>
             <a:r>
               <a:rPr lang="en-US" dirty="0" smtClean="0"/>
-              <a:t>Package </a:t>
-            </a:r>
-            <a:r>
-              <a:rPr lang="en-US" dirty="0" smtClean="0"/>
-              <a:t>and Version</a:t>
+              <a:t>Package and Version</a:t>
             </a:r>
           </a:p>
           <a:p>
@@ -7176,11 +7152,7 @@
             </a:pPr>
             <a:r>
               <a:rPr lang="en-US" dirty="0" smtClean="0"/>
-              <a:t>Confucius </a:t>
-            </a:r>
-            <a:r>
-              <a:rPr lang="en-US" dirty="0" smtClean="0"/>
-              <a:t>said….</a:t>
+              <a:t>Confucius said….</a:t>
             </a:r>
           </a:p>
           <a:p>
@@ -7363,29 +7335,13 @@
           <a:p>
             <a:r>
               <a:rPr lang="en-US" dirty="0" smtClean="0"/>
-              <a:t>Create and run another app with </a:t>
-            </a:r>
-            <a:r>
-              <a:rPr lang="en-US" dirty="0" smtClean="0"/>
-              <a:t>simple </a:t>
-            </a:r>
-            <a:r>
-              <a:rPr lang="en-US" dirty="0" smtClean="0"/>
-              <a:t>Graphics</a:t>
-            </a:r>
-          </a:p>
-          <a:p>
-            <a:r>
-              <a:rPr lang="en-US" dirty="0" smtClean="0"/>
-              <a:t>Create and run one more </a:t>
-            </a:r>
-            <a:r>
-              <a:rPr lang="en-US" dirty="0" smtClean="0"/>
-              <a:t>app </a:t>
-            </a:r>
-            <a:r>
-              <a:rPr lang="en-US" dirty="0" smtClean="0"/>
-              <a:t>with Web Service</a:t>
+              <a:t>Create and run another app with simple Graphics</a:t>
+            </a:r>
+          </a:p>
+          <a:p>
+            <a:r>
+              <a:rPr lang="en-US" dirty="0" smtClean="0"/>
+              <a:t>Create and run one more app with Web Service</a:t>
             </a:r>
           </a:p>
         </p:txBody>
@@ -7474,11 +7430,7 @@
           <a:p>
             <a:r>
               <a:rPr lang="en-US" dirty="0" smtClean="0"/>
-              <a:t>Download </a:t>
-            </a:r>
-            <a:r>
-              <a:rPr lang="en-US" dirty="0" smtClean="0"/>
-              <a:t>from </a:t>
+              <a:t>Download from </a:t>
             </a:r>
           </a:p>
           <a:p>
@@ -7486,24 +7438,14 @@
               <a:rPr lang="en-US" dirty="0" smtClean="0">
                 <a:hlinkClick r:id="rId2"/>
               </a:rPr>
-              <a:t>http://</a:t>
-            </a:r>
-            <a:r>
-              <a:rPr lang="en-US" dirty="0" smtClean="0">
-                <a:hlinkClick r:id="rId2"/>
-              </a:rPr>
-              <a:t>developer.android.com/sdk/installing/index.html</a:t>
+              <a:t>http://developer.android.com/sdk/installing/index.html</a:t>
             </a:r>
             <a:endParaRPr lang="en-US" dirty="0" smtClean="0"/>
           </a:p>
           <a:p>
             <a:r>
               <a:rPr lang="en-US" dirty="0" smtClean="0"/>
-              <a:t>It uses Eclipse IDE and its Cool</a:t>
-            </a:r>
-            <a:r>
-              <a:rPr lang="en-US" dirty="0" smtClean="0"/>
-              <a:t>!!!</a:t>
+              <a:t>It uses Eclipse IDE and its Cool!!!</a:t>
             </a:r>
           </a:p>
           <a:p>
@@ -7511,7 +7453,6 @@
               <a:rPr lang="en-US" dirty="0" smtClean="0"/>
               <a:t>Start Eclipse, select Workspace</a:t>
             </a:r>
-            <a:endParaRPr lang="en-US" dirty="0" smtClean="0"/>
           </a:p>
           <a:p>
             <a:pPr>
@@ -8166,17 +8107,8 @@
           <a:p>
             <a:r>
               <a:rPr lang="en-US" dirty="0" smtClean="0"/>
-              <a:t>“An </a:t>
-            </a:r>
-            <a:r>
-              <a:rPr lang="en-US" dirty="0" smtClean="0"/>
-              <a:t>automaton that is created from biological materials and resembles a human. Also called humanoid</a:t>
-            </a:r>
-            <a:r>
-              <a:rPr lang="en-US" dirty="0" smtClean="0"/>
-              <a:t>.”</a:t>
-            </a:r>
-            <a:endParaRPr lang="en-US" dirty="0" smtClean="0"/>
+              <a:t>“An automaton that is created from biological materials and resembles a human. Also called humanoid.”</a:t>
+            </a:r>
           </a:p>
           <a:p>
             <a:r>
@@ -8187,13 +8119,8 @@
           <a:p>
             <a:r>
               <a:rPr lang="en-US" dirty="0" smtClean="0"/>
-              <a:t>Open </a:t>
-            </a:r>
-            <a:r>
-              <a:rPr lang="en-US" dirty="0" smtClean="0"/>
-              <a:t>Source</a:t>
-            </a:r>
-            <a:endParaRPr lang="en-US" dirty="0" smtClean="0"/>
+              <a:t>Open Source</a:t>
+            </a:r>
           </a:p>
           <a:p>
             <a:r>
@@ -9223,7 +9150,9 @@
         </p:nvSpPr>
         <p:spPr/>
         <p:txBody>
-          <a:bodyPr/>
+          <a:bodyPr>
+            <a:normAutofit/>
+          </a:bodyPr>
           <a:lstStyle/>
           <a:p>
             <a:endParaRPr lang="en-US" dirty="0" smtClean="0"/>
@@ -9240,11 +9169,7 @@
           <a:p>
             <a:r>
               <a:rPr lang="en-US" dirty="0" smtClean="0"/>
-              <a:t>And </a:t>
-            </a:r>
-            <a:r>
-              <a:rPr lang="en-US" dirty="0" smtClean="0"/>
-              <a:t>it is also possible to draw images directly which is much easier</a:t>
+              <a:t>And it is also possible to draw images directly which is much easier</a:t>
             </a:r>
           </a:p>
           <a:p>
@@ -9253,8 +9178,8 @@
               <a:t>An </a:t>
             </a:r>
             <a:r>
-              <a:rPr lang="en-US" dirty="0" err="1" smtClean="0"/>
-              <a:t>OnTouchListner</a:t>
+              <a:rPr lang="en-US" smtClean="0"/>
+              <a:t>OnTouchListener</a:t>
             </a:r>
             <a:r>
               <a:rPr lang="en-US" dirty="0" smtClean="0"/>
@@ -9268,13 +9193,8 @@
           <a:p>
             <a:r>
               <a:rPr lang="en-US" dirty="0" smtClean="0"/>
-              <a:t>Often, view needs to be a Thread to update display </a:t>
-            </a:r>
-            <a:r>
-              <a:rPr lang="en-US" dirty="0" smtClean="0"/>
-              <a:t>continuously</a:t>
-            </a:r>
-            <a:endParaRPr lang="en-US" dirty="0" smtClean="0"/>
+              <a:t>Often, view needs to be a Thread to update display continuously</a:t>
+            </a:r>
           </a:p>
           <a:p>
             <a:endParaRPr lang="en-US" dirty="0"/>
@@ -9368,11 +9288,7 @@
           <a:p>
             <a:r>
               <a:rPr lang="en-US" dirty="0" smtClean="0"/>
-              <a:t>Not </a:t>
-            </a:r>
-            <a:r>
-              <a:rPr lang="en-US" dirty="0" smtClean="0"/>
-              <a:t>J2ME extension</a:t>
+              <a:t>Not J2ME extension</a:t>
             </a:r>
           </a:p>
           <a:p>
@@ -9687,13 +9603,7 @@
               <a:rPr lang="en-US" dirty="0" smtClean="0">
                 <a:hlinkClick r:id="rId2"/>
               </a:rPr>
-              <a:t>http</a:t>
-            </a:r>
-            <a:r>
-              <a:rPr lang="en-US" dirty="0" smtClean="0">
-                <a:hlinkClick r:id="rId2"/>
-              </a:rPr>
-              <a:t>://developer.android.com</a:t>
+              <a:t>http://developer.android.com</a:t>
             </a:r>
             <a:endParaRPr lang="en-US" dirty="0" smtClean="0"/>
           </a:p>
@@ -9772,13 +9682,7 @@
               <a:rPr lang="en-US" dirty="0" smtClean="0">
                 <a:hlinkClick r:id="rId4"/>
               </a:rPr>
-              <a:t>http</a:t>
-            </a:r>
-            <a:r>
-              <a:rPr lang="en-US" dirty="0" smtClean="0">
-                <a:hlinkClick r:id="rId4"/>
-              </a:rPr>
-              <a:t>://code.google.com/p/apps-for-android/</a:t>
+              <a:t>http://code.google.com/p/apps-for-android/</a:t>
             </a:r>
             <a:endParaRPr lang="en-US" dirty="0" smtClean="0"/>
           </a:p>
@@ -9816,13 +9720,7 @@
               <a:rPr lang="en-US" dirty="0" smtClean="0">
                 <a:hlinkClick r:id="rId5"/>
               </a:rPr>
-              <a:t>http</a:t>
-            </a:r>
-            <a:r>
-              <a:rPr lang="en-US" dirty="0" smtClean="0">
-                <a:hlinkClick r:id="rId5"/>
-              </a:rPr>
-              <a:t>://www.kantarworldpanel.com/Global/News/While-Android-Leads-iOS-and-Windows-Are-Growing-At-A-Faster-Pace</a:t>
+              <a:t>http://www.kantarworldpanel.com/Global/News/While-Android-Leads-iOS-and-Windows-Are-Growing-At-A-Faster-Pace</a:t>
             </a:r>
             <a:endParaRPr lang="en-US" dirty="0" smtClean="0"/>
           </a:p>
@@ -10101,7 +9999,6 @@
               <a:rPr lang="en-US" dirty="0" smtClean="0"/>
               <a:t>Newness</a:t>
             </a:r>
-            <a:endParaRPr lang="en-US" dirty="0" smtClean="0"/>
           </a:p>
           <a:p>
             <a:r>
@@ -10290,23 +10187,7 @@
           <a:p>
             <a:r>
               <a:rPr lang="en-US" dirty="0" smtClean="0"/>
-              <a:t>Android went ahead of </a:t>
-            </a:r>
-            <a:r>
-              <a:rPr lang="en-US" dirty="0" smtClean="0"/>
-              <a:t>Apple </a:t>
-            </a:r>
-            <a:r>
-              <a:rPr lang="en-US" dirty="0" smtClean="0"/>
-              <a:t>in Apr’13 with 51.7% </a:t>
-            </a:r>
-            <a:r>
-              <a:rPr lang="en-US" dirty="0" smtClean="0"/>
-              <a:t>market </a:t>
-            </a:r>
-            <a:r>
-              <a:rPr lang="en-US" dirty="0" smtClean="0"/>
-              <a:t>Share</a:t>
+              <a:t>Android went ahead of Apple in Apr’13 with 51.7% market Share</a:t>
             </a:r>
           </a:p>
           <a:p>
@@ -10546,7 +10427,18 @@
           <a:p>
             <a:r>
               <a:rPr lang="en-US" dirty="0" smtClean="0"/>
-              <a:t>It recently added full-cycle Android development support in both the free Community Edition and the Ultimate edition</a:t>
+              <a:t>Google will deprecate Eclipse</a:t>
+            </a:r>
+            <a:endParaRPr lang="en-US" dirty="0" smtClean="0"/>
+          </a:p>
+          <a:p>
+            <a:r>
+              <a:rPr lang="en-US" dirty="0" smtClean="0"/>
+              <a:t>It </a:t>
+            </a:r>
+            <a:r>
+              <a:rPr lang="en-US" dirty="0" smtClean="0"/>
+              <a:t>recently added full-cycle Android development support in both the free Community Edition and the Ultimate edition</a:t>
             </a:r>
           </a:p>
           <a:p>
